--- a/slides/00.Introduction/00.pptx
+++ b/slides/00.Introduction/00.pptx
@@ -5373,7 +5373,7 @@
         </p:nvGraphicFramePr>
         <p:xfrm>
           <a:off x="825500" y="1816100"/>
-          <a:ext cx="10858500" cy="4343400"/>
+          <a:ext cx="10858500" cy="2560320"/>
         </p:xfrm>
         <a:graphic>
           <a:graphicData uri="http://schemas.openxmlformats.org/drawingml/2006/table">
@@ -7324,7 +7324,16 @@
               <a:buNone/>
             </a:pPr>
             <a:r>
-              <a:t>R Markdown是利用Rstudio将文字和数据进行展示的全能选手。</a:t>
+              <a:rPr dirty="0"/>
+              <a:t>R </a:t>
+            </a:r>
+            <a:r>
+              <a:rPr dirty="0" err="1"/>
+              <a:t>Markdown是利用Rstudio将文字和数据进行展示的全能选手</a:t>
+            </a:r>
+            <a:r>
+              <a:rPr dirty="0"/>
+              <a:t>。</a:t>
             </a:r>
           </a:p>
           <a:p>
@@ -7332,7 +7341,12 @@
               <a:buNone/>
             </a:pPr>
             <a:r>
-              <a:t>本课程专注于学术写作。</a:t>
+              <a:rPr dirty="0" err="1"/>
+              <a:t>本课程专注于学术写作</a:t>
+            </a:r>
+            <a:r>
+              <a:rPr dirty="0"/>
+              <a:t>。</a:t>
             </a:r>
           </a:p>
           <a:p>
@@ -7340,7 +7354,20 @@
               <a:buNone/>
             </a:pPr>
             <a:r>
-              <a:t>R Markdown documents are fully reproducible.</a:t>
+              <a:rPr dirty="0"/>
+              <a:t>R Markdown documents are fully </a:t>
+            </a:r>
+            <a:r>
+              <a:rPr b="1" dirty="0">
+                <a:solidFill>
+                  <a:srgbClr val="FF0000"/>
+                </a:solidFill>
+              </a:rPr>
+              <a:t>reproducible</a:t>
+            </a:r>
+            <a:r>
+              <a:rPr dirty="0"/>
+              <a:t>.</a:t>
             </a:r>
           </a:p>
           <a:p>
@@ -7348,6 +7375,7 @@
               <a:buNone/>
             </a:pPr>
             <a:r>
+              <a:rPr dirty="0"/>
               <a:t>Use a productive notebook interface to weave together narrative text and code to produce elegantly formatted output.</a:t>
             </a:r>
           </a:p>
@@ -7356,6 +7384,7 @@
               <a:buNone/>
             </a:pPr>
             <a:r>
+              <a:rPr dirty="0"/>
               <a:t>Use multiple languages including R, Python, and SQL.</a:t>
             </a:r>
           </a:p>
@@ -7364,7 +7393,7 @@
               <a:buNone/>
             </a:pPr>
             <a:r>
-              <a:rPr>
+              <a:rPr dirty="0">
                 <a:hlinkClick r:id="rId2"/>
               </a:rPr>
               <a:t>https://rmarkdown.rstudio.com/</a:t>
@@ -7501,7 +7530,12 @@
             <p:ph sz="half" idx="2"/>
           </p:nvPr>
         </p:nvSpPr>
-        <p:spPr/>
+        <p:spPr>
+          <a:xfrm>
+            <a:off x="5650301" y="2100840"/>
+            <a:ext cx="6050471" cy="3138920"/>
+          </a:xfrm>
+        </p:spPr>
         <p:txBody>
           <a:bodyPr/>
           <a:lstStyle/>
@@ -7510,6 +7544,9 @@
               <a:buNone/>
             </a:pPr>
             <a:r>
+              <a:rPr dirty="0">
+                <a:latin typeface="Univers" panose="020B0503020202020204" pitchFamily="34" charset="0"/>
+              </a:rPr>
               <a:t>R Markdown supports dozens of static and dynamic output formats including HTML, PDF, MS Word, Beamer, HTML5 slides, Tufte-style handouts, books, dashboards, shiny applications, scientific articles, websites, and more.</a:t>
             </a:r>
           </a:p>
@@ -7518,10 +7555,14 @@
               <a:buNone/>
             </a:pPr>
             <a:r>
+              <a:rPr dirty="0">
+                <a:latin typeface="Univers" panose="020B0503020202020204" pitchFamily="34" charset="0"/>
+              </a:rPr>
               <a:t>See the </a:t>
             </a:r>
             <a:r>
-              <a:rPr>
+              <a:rPr dirty="0">
+                <a:latin typeface="Univers" panose="020B0503020202020204" pitchFamily="34" charset="0"/>
                 <a:hlinkClick r:id="rId3"/>
               </a:rPr>
               <a:t>gallery</a:t>

--- a/slides/00.Introduction/00.pptx
+++ b/slides/00.Introduction/00.pptx
@@ -13,24 +13,23 @@
     <p:sldId id="261" r:id="rId7"/>
     <p:sldId id="262" r:id="rId8"/>
     <p:sldId id="263" r:id="rId9"/>
-    <p:sldId id="264" r:id="rId10"/>
-    <p:sldId id="265" r:id="rId11"/>
-    <p:sldId id="266" r:id="rId12"/>
-    <p:sldId id="267" r:id="rId13"/>
-    <p:sldId id="268" r:id="rId14"/>
+    <p:sldId id="265" r:id="rId10"/>
+    <p:sldId id="266" r:id="rId11"/>
+    <p:sldId id="267" r:id="rId12"/>
+    <p:sldId id="268" r:id="rId13"/>
+    <p:sldId id="264" r:id="rId14"/>
     <p:sldId id="269" r:id="rId15"/>
-    <p:sldId id="270" r:id="rId16"/>
-    <p:sldId id="271" r:id="rId17"/>
-    <p:sldId id="272" r:id="rId18"/>
-    <p:sldId id="273" r:id="rId19"/>
-    <p:sldId id="274" r:id="rId20"/>
-    <p:sldId id="275" r:id="rId21"/>
-    <p:sldId id="276" r:id="rId22"/>
-    <p:sldId id="277" r:id="rId23"/>
-    <p:sldId id="278" r:id="rId24"/>
-    <p:sldId id="279" r:id="rId25"/>
-    <p:sldId id="280" r:id="rId26"/>
-    <p:sldId id="281" r:id="rId27"/>
+    <p:sldId id="271" r:id="rId16"/>
+    <p:sldId id="272" r:id="rId17"/>
+    <p:sldId id="273" r:id="rId18"/>
+    <p:sldId id="274" r:id="rId19"/>
+    <p:sldId id="275" r:id="rId20"/>
+    <p:sldId id="276" r:id="rId21"/>
+    <p:sldId id="277" r:id="rId22"/>
+    <p:sldId id="278" r:id="rId23"/>
+    <p:sldId id="279" r:id="rId24"/>
+    <p:sldId id="280" r:id="rId25"/>
+    <p:sldId id="281" r:id="rId26"/>
   </p:sldIdLst>
   <p:sldSz cx="12192000" cy="6858000"/>
   <p:notesSz cx="6858000" cy="9144000"/>
@@ -191,7 +190,7 @@
             <a:fld id="{ECD19FB2-3AAB-4D03-B13A-2960828C78E3}" type="datetimeFigureOut">
               <a:rPr lang="en-US" smtClean="0"/>
               <a:pPr/>
-              <a:t>3/8/2021</a:t>
+              <a:t>3/14/2021</a:t>
             </a:fld>
             <a:endParaRPr lang="en-US" dirty="0"/>
           </a:p>
@@ -535,7 +534,7 @@
             <a:fld id="{99916976-5D93-46E4-A98A-FAD63E4D0EA8}" type="datetimeFigureOut">
               <a:rPr lang="en-US" smtClean="0"/>
               <a:pPr/>
-              <a:t>3/8/2021</a:t>
+              <a:t>3/14/2021</a:t>
             </a:fld>
             <a:endParaRPr lang="en-US" dirty="0"/>
           </a:p>
@@ -1486,7 +1485,7 @@
           <a:p>
             <a:fld id="{D23BC6CE-6D1E-47E5-8859-F31AC5380EB2}" type="datetimeFigureOut">
               <a:rPr lang="en-US" dirty="0"/>
-              <a:t>3/8/2021</a:t>
+              <a:t>3/14/2021</a:t>
             </a:fld>
             <a:endParaRPr lang="en-US" dirty="0"/>
           </a:p>
@@ -1821,7 +1820,7 @@
           <a:p>
             <a:fld id="{51CF1133-3259-4C45-BABA-5B62D9C6F78D}" type="datetimeFigureOut">
               <a:rPr lang="en-US" dirty="0"/>
-              <a:t>3/8/2021</a:t>
+              <a:t>3/14/2021</a:t>
             </a:fld>
             <a:endParaRPr lang="en-US" dirty="0"/>
           </a:p>
@@ -2345,18 +2344,24 @@
       </p:grpSpPr>
       <p:sp>
         <p:nvSpPr>
-          <p:cNvPr id="7" name="Title 1"/>
+          <p:cNvPr id="11" name="Title 1">
+            <a:extLst>
+              <a:ext uri="{FF2B5EF4-FFF2-40B4-BE49-F238E27FC236}">
+                <a16:creationId xmlns:a16="http://schemas.microsoft.com/office/drawing/2014/main" id="{2391D614-6EEB-4C42-A746-C9FB67E11481}"/>
+              </a:ext>
+            </a:extLst>
+          </p:cNvPr>
           <p:cNvSpPr>
             <a:spLocks noGrp="1"/>
           </p:cNvSpPr>
           <p:nvPr>
-            <p:ph type="ctrTitle"/>
+            <p:ph type="title"/>
           </p:nvPr>
         </p:nvSpPr>
         <p:spPr>
           <a:xfrm>
-            <a:off x="1766325" y="4036880"/>
-            <a:ext cx="8463639" cy="862715"/>
+            <a:off x="838199" y="362260"/>
+            <a:ext cx="6304722" cy="637553"/>
           </a:xfrm>
         </p:spPr>
         <p:txBody>
@@ -2367,7 +2372,47 @@
               <a:buNone/>
             </a:pPr>
             <a:r>
-              <a:t>这门课适合谁?</a:t>
+              <a:t>我的初衷</a:t>
+            </a:r>
+          </a:p>
+        </p:txBody>
+      </p:sp>
+      <p:sp>
+        <p:nvSpPr>
+          <p:cNvPr id="12" name="Content Placeholder 2">
+            <a:extLst>
+              <a:ext uri="{FF2B5EF4-FFF2-40B4-BE49-F238E27FC236}">
+                <a16:creationId xmlns:a16="http://schemas.microsoft.com/office/drawing/2014/main" id="{91E23ACD-CC52-4FE4-A28E-15DDE627EE00}"/>
+              </a:ext>
+            </a:extLst>
+          </p:cNvPr>
+          <p:cNvSpPr>
+            <a:spLocks noGrp="1"/>
+          </p:cNvSpPr>
+          <p:nvPr>
+            <p:ph idx="1"/>
+          </p:nvPr>
+        </p:nvSpPr>
+        <p:spPr/>
+        <p:txBody>
+          <a:bodyPr/>
+          <a:lstStyle/>
+          <a:p>
+            <a:pPr lvl="1"/>
+            <a:r>
+              <a:t>支持开源，支持R的学习</a:t>
+            </a:r>
+          </a:p>
+          <a:p>
+            <a:pPr lvl="1"/>
+            <a:r>
+              <a:t>推动R Markdown中国化</a:t>
+            </a:r>
+          </a:p>
+          <a:p>
+            <a:pPr lvl="1"/>
+            <a:r>
+              <a:t>开拓思维、提高效率</a:t>
             </a:r>
           </a:p>
         </p:txBody>
@@ -2427,7 +2472,12 @@
               <a:buNone/>
             </a:pPr>
             <a:r>
-              <a:t>我的初衷</a:t>
+              <a:rPr dirty="0" err="1"/>
+              <a:t>适合谁来学</a:t>
+            </a:r>
+            <a:r>
+              <a:rPr dirty="0"/>
+              <a:t>？</a:t>
             </a:r>
           </a:p>
         </p:txBody>
@@ -2455,20 +2505,91 @@
           <a:p>
             <a:pPr lvl="1"/>
             <a:r>
-              <a:t>支持开源，支持R的学习</a:t>
-            </a:r>
+              <a:rPr dirty="0" err="1"/>
+              <a:t>科研工作者（拯救科研狗</a:t>
+            </a:r>
+            <a:r>
+              <a:rPr dirty="0"/>
+              <a:t>）</a:t>
+            </a:r>
+          </a:p>
+          <a:p>
+            <a:pPr lvl="2"/>
+            <a:r>
+              <a:rPr dirty="0" err="1"/>
+              <a:t>理工农</a:t>
+            </a:r>
+            <a:r>
+              <a:rPr b="1" dirty="0" err="1"/>
+              <a:t>医</a:t>
+            </a:r>
+            <a:r>
+              <a:rPr dirty="0" err="1"/>
+              <a:t>（别笑，是真的</a:t>
+            </a:r>
+            <a:r>
+              <a:rPr dirty="0"/>
+              <a:t>）</a:t>
+            </a:r>
+          </a:p>
+          <a:p>
+            <a:pPr lvl="2"/>
+            <a:r>
+              <a:rPr dirty="0" err="1"/>
+              <a:t>社科</a:t>
+            </a:r>
+            <a:endParaRPr dirty="0"/>
+          </a:p>
+          <a:p>
+            <a:pPr lvl="2"/>
+            <a:r>
+              <a:rPr dirty="0" err="1"/>
+              <a:t>心理</a:t>
+            </a:r>
+            <a:endParaRPr dirty="0"/>
+          </a:p>
+          <a:p>
+            <a:pPr lvl="2"/>
+            <a:r>
+              <a:rPr dirty="0" err="1"/>
+              <a:t>商业</a:t>
+            </a:r>
+            <a:endParaRPr dirty="0"/>
+          </a:p>
+          <a:p>
+            <a:pPr lvl="2"/>
+            <a:r>
+              <a:rPr dirty="0" err="1"/>
+              <a:t>经济</a:t>
+            </a:r>
+            <a:endParaRPr dirty="0"/>
           </a:p>
           <a:p>
             <a:pPr lvl="1"/>
             <a:r>
-              <a:t>推动R Markdown中国化</a:t>
+              <a:rPr dirty="0" err="1"/>
+              <a:t>研究生</a:t>
+            </a:r>
+            <a:r>
+              <a:rPr dirty="0"/>
+              <a:t>(</a:t>
+            </a:r>
+            <a:r>
+              <a:rPr dirty="0" err="1"/>
+              <a:t>同理，各学科</a:t>
+            </a:r>
+            <a:r>
+              <a:rPr dirty="0"/>
+              <a:t>)</a:t>
             </a:r>
           </a:p>
           <a:p>
             <a:pPr lvl="1"/>
             <a:r>
-              <a:t>开拓思维、提高效率</a:t>
-            </a:r>
+              <a:rPr dirty="0" err="1"/>
+              <a:t>数据科学</a:t>
+            </a:r>
+            <a:endParaRPr dirty="0"/>
           </a:p>
         </p:txBody>
       </p:sp>
@@ -2481,6 +2602,60 @@
 </file>
 
 <file path=ppt/slides/slide12.xml><?xml version="1.0" encoding="utf-8"?>
+<p:sld xmlns:a="http://schemas.openxmlformats.org/drawingml/2006/main" xmlns:r="http://schemas.openxmlformats.org/officeDocument/2006/relationships" xmlns:p="http://schemas.openxmlformats.org/presentationml/2006/main">
+  <p:cSld>
+    <p:spTree>
+      <p:nvGrpSpPr>
+        <p:cNvPr id="1" name=""/>
+        <p:cNvGrpSpPr/>
+        <p:nvPr/>
+      </p:nvGrpSpPr>
+      <p:grpSpPr>
+        <a:xfrm>
+          <a:off x="0" y="0"/>
+          <a:ext cx="0" cy="0"/>
+          <a:chOff x="0" y="0"/>
+          <a:chExt cx="0" cy="0"/>
+        </a:xfrm>
+      </p:grpSpPr>
+      <p:sp>
+        <p:nvSpPr>
+          <p:cNvPr id="7" name="Title 1"/>
+          <p:cNvSpPr>
+            <a:spLocks noGrp="1"/>
+          </p:cNvSpPr>
+          <p:nvPr>
+            <p:ph type="ctrTitle"/>
+          </p:nvPr>
+        </p:nvSpPr>
+        <p:spPr>
+          <a:xfrm>
+            <a:off x="1766325" y="4036880"/>
+            <a:ext cx="8463639" cy="862715"/>
+          </a:xfrm>
+        </p:spPr>
+        <p:txBody>
+          <a:bodyPr/>
+          <a:lstStyle/>
+          <a:p>
+            <a:pPr marL="0" lvl="0" indent="0">
+              <a:buNone/>
+            </a:pPr>
+            <a:r>
+              <a:t>学这门课的价值?</a:t>
+            </a:r>
+          </a:p>
+        </p:txBody>
+      </p:sp>
+    </p:spTree>
+  </p:cSld>
+  <p:clrMapOvr>
+    <a:masterClrMapping/>
+  </p:clrMapOvr>
+</p:sld>
+</file>
+
+<file path=ppt/slides/slide13.xml><?xml version="1.0" encoding="utf-8"?>
 <p:sld xmlns:a="http://schemas.openxmlformats.org/drawingml/2006/main" xmlns:r="http://schemas.openxmlformats.org/officeDocument/2006/relationships" xmlns:p="http://schemas.openxmlformats.org/presentationml/2006/main">
   <p:cSld>
     <p:spTree>
@@ -2527,138 +2702,285 @@
               <a:buNone/>
             </a:pPr>
             <a:r>
-              <a:t>适合谁来学？</a:t>
+              <a:t>R Markdown workflow</a:t>
+            </a:r>
+          </a:p>
+        </p:txBody>
+      </p:sp>
+      <p:pic>
+        <p:nvPicPr>
+          <p:cNvPr id="2" name="Picture 1" descr="workflow.png"/>
+          <p:cNvPicPr>
+            <a:picLocks noGrp="1" noChangeAspect="1"/>
+          </p:cNvPicPr>
+          <p:nvPr/>
+        </p:nvPicPr>
+        <p:blipFill>
+          <a:blip r:embed="rId2"/>
+          <a:stretch>
+            <a:fillRect/>
+          </a:stretch>
+        </p:blipFill>
+        <p:spPr bwMode="auto">
+          <a:xfrm>
+            <a:off x="1085574" y="1272761"/>
+            <a:ext cx="9398000" cy="3835400"/>
+          </a:xfrm>
+          <a:prstGeom prst="rect">
+            <a:avLst/>
+          </a:prstGeom>
+          <a:noFill/>
+          <a:ln w="9525">
+            <a:noFill/>
+            <a:headEnd/>
+            <a:tailEnd/>
+          </a:ln>
+        </p:spPr>
+      </p:pic>
+      <p:sp>
+        <p:nvSpPr>
+          <p:cNvPr id="4" name="矩形 3">
+            <a:extLst>
+              <a:ext uri="{FF2B5EF4-FFF2-40B4-BE49-F238E27FC236}">
+                <a16:creationId xmlns:a16="http://schemas.microsoft.com/office/drawing/2014/main" id="{CF8A61CB-EA61-4FF8-8693-DF232688C43D}"/>
+              </a:ext>
+            </a:extLst>
+          </p:cNvPr>
+          <p:cNvSpPr/>
+          <p:nvPr/>
+        </p:nvSpPr>
+        <p:spPr>
+          <a:xfrm>
+            <a:off x="1361660" y="5331239"/>
+            <a:ext cx="1424609" cy="508000"/>
+          </a:xfrm>
+          <a:prstGeom prst="rect">
+            <a:avLst/>
+          </a:prstGeom>
+          <a:noFill/>
+          <a:ln>
+            <a:noFill/>
+          </a:ln>
+        </p:spPr>
+        <p:style>
+          <a:lnRef idx="2">
+            <a:schemeClr val="accent1">
+              <a:shade val="50000"/>
+            </a:schemeClr>
+          </a:lnRef>
+          <a:fillRef idx="1">
+            <a:schemeClr val="accent1"/>
+          </a:fillRef>
+          <a:effectRef idx="0">
+            <a:schemeClr val="accent1"/>
+          </a:effectRef>
+          <a:fontRef idx="minor">
+            <a:schemeClr val="lt1"/>
+          </a:fontRef>
+        </p:style>
+        <p:txBody>
+          <a:bodyPr rtlCol="0" anchor="ctr"/>
+          <a:lstStyle/>
+          <a:p>
+            <a:pPr algn="ctr"/>
+            <a:r>
+              <a:rPr lang="zh-CN" altLang="en-US" sz="2000" dirty="0">
+                <a:solidFill>
+                  <a:schemeClr val="bg1">
+                    <a:lumMod val="75000"/>
+                    <a:lumOff val="25000"/>
+                  </a:schemeClr>
+                </a:solidFill>
+                <a:latin typeface="微软雅黑" panose="020B0503020204020204" pitchFamily="34" charset="-122"/>
+                <a:ea typeface="微软雅黑" panose="020B0503020204020204" pitchFamily="34" charset="-122"/>
+              </a:rPr>
+              <a:t>读取数据</a:t>
             </a:r>
           </a:p>
         </p:txBody>
       </p:sp>
       <p:sp>
         <p:nvSpPr>
-          <p:cNvPr id="12" name="Content Placeholder 2">
+          <p:cNvPr id="6" name="矩形 5">
             <a:extLst>
               <a:ext uri="{FF2B5EF4-FFF2-40B4-BE49-F238E27FC236}">
-                <a16:creationId xmlns:a16="http://schemas.microsoft.com/office/drawing/2014/main" id="{91E23ACD-CC52-4FE4-A28E-15DDE627EE00}"/>
+                <a16:creationId xmlns:a16="http://schemas.microsoft.com/office/drawing/2014/main" id="{11FFBFA6-205C-4AC2-BA30-6F3F8ADDA703}"/>
               </a:ext>
             </a:extLst>
           </p:cNvPr>
-          <p:cNvSpPr>
-            <a:spLocks noGrp="1"/>
-          </p:cNvSpPr>
-          <p:nvPr>
-            <p:ph idx="1"/>
-          </p:nvPr>
-        </p:nvSpPr>
-        <p:spPr/>
-        <p:txBody>
-          <a:bodyPr/>
-          <a:lstStyle/>
-          <a:p>
-            <a:pPr lvl="1"/>
-            <a:r>
-              <a:t>科研工作者（拯救科研狗）</a:t>
-            </a:r>
-          </a:p>
-          <a:p>
-            <a:pPr lvl="2"/>
-            <a:r>
-              <a:t>理工农</a:t>
-            </a:r>
-            <a:r>
-              <a:rPr b="1"/>
-              <a:t>医</a:t>
-            </a:r>
-            <a:r>
-              <a:t>（别笑，是真的）</a:t>
-            </a:r>
-          </a:p>
-          <a:p>
-            <a:pPr lvl="2"/>
-            <a:r>
-              <a:t>社科</a:t>
-            </a:r>
-          </a:p>
-          <a:p>
-            <a:pPr lvl="2"/>
-            <a:r>
-              <a:t>心理</a:t>
-            </a:r>
-          </a:p>
-          <a:p>
-            <a:pPr lvl="2"/>
-            <a:r>
-              <a:t>商业</a:t>
-            </a:r>
-          </a:p>
-          <a:p>
-            <a:pPr lvl="2"/>
-            <a:r>
-              <a:t>经济</a:t>
-            </a:r>
-          </a:p>
-          <a:p>
-            <a:pPr lvl="1"/>
-            <a:r>
-              <a:t>研究生(同理，各学科)</a:t>
-            </a:r>
-          </a:p>
-          <a:p>
-            <a:pPr lvl="1"/>
-            <a:r>
-              <a:t>数据科学</a:t>
-            </a:r>
-          </a:p>
-        </p:txBody>
-      </p:sp>
-    </p:spTree>
-  </p:cSld>
-  <p:clrMapOvr>
-    <a:masterClrMapping/>
-  </p:clrMapOvr>
-</p:sld>
-</file>
-
-<file path=ppt/slides/slide13.xml><?xml version="1.0" encoding="utf-8"?>
-<p:sld xmlns:a="http://schemas.openxmlformats.org/drawingml/2006/main" xmlns:r="http://schemas.openxmlformats.org/officeDocument/2006/relationships" xmlns:p="http://schemas.openxmlformats.org/presentationml/2006/main">
-  <p:cSld>
-    <p:spTree>
-      <p:nvGrpSpPr>
-        <p:cNvPr id="1" name=""/>
-        <p:cNvGrpSpPr/>
-        <p:nvPr/>
-      </p:nvGrpSpPr>
-      <p:grpSpPr>
-        <a:xfrm>
-          <a:off x="0" y="0"/>
-          <a:ext cx="0" cy="0"/>
-          <a:chOff x="0" y="0"/>
-          <a:chExt cx="0" cy="0"/>
-        </a:xfrm>
-      </p:grpSpPr>
-      <p:sp>
-        <p:nvSpPr>
-          <p:cNvPr id="7" name="Title 1"/>
-          <p:cNvSpPr>
-            <a:spLocks noGrp="1"/>
-          </p:cNvSpPr>
-          <p:nvPr>
-            <p:ph type="ctrTitle"/>
-          </p:nvPr>
+          <p:cNvSpPr/>
+          <p:nvPr/>
         </p:nvSpPr>
         <p:spPr>
           <a:xfrm>
-            <a:off x="1766325" y="4036880"/>
-            <a:ext cx="8463639" cy="862715"/>
+            <a:off x="3322429" y="5331239"/>
+            <a:ext cx="1424609" cy="508000"/>
           </a:xfrm>
+          <a:prstGeom prst="rect">
+            <a:avLst/>
+          </a:prstGeom>
+          <a:noFill/>
+          <a:ln>
+            <a:noFill/>
+          </a:ln>
         </p:spPr>
+        <p:style>
+          <a:lnRef idx="2">
+            <a:schemeClr val="accent1">
+              <a:shade val="50000"/>
+            </a:schemeClr>
+          </a:lnRef>
+          <a:fillRef idx="1">
+            <a:schemeClr val="accent1"/>
+          </a:fillRef>
+          <a:effectRef idx="0">
+            <a:schemeClr val="accent1"/>
+          </a:effectRef>
+          <a:fontRef idx="minor">
+            <a:schemeClr val="lt1"/>
+          </a:fontRef>
+        </p:style>
         <p:txBody>
-          <a:bodyPr/>
+          <a:bodyPr rtlCol="0" anchor="ctr"/>
           <a:lstStyle/>
           <a:p>
-            <a:pPr marL="0" lvl="0" indent="0">
-              <a:buNone/>
-            </a:pPr>
-            <a:r>
-              <a:t>学这门课的价值?</a:t>
+            <a:pPr algn="ctr"/>
+            <a:r>
+              <a:rPr lang="zh-CN" altLang="en-US" sz="2000" dirty="0">
+                <a:solidFill>
+                  <a:schemeClr val="bg1">
+                    <a:lumMod val="75000"/>
+                    <a:lumOff val="25000"/>
+                  </a:schemeClr>
+                </a:solidFill>
+                <a:latin typeface="微软雅黑" panose="020B0503020204020204" pitchFamily="34" charset="-122"/>
+                <a:ea typeface="微软雅黑" panose="020B0503020204020204" pitchFamily="34" charset="-122"/>
+              </a:rPr>
+              <a:t>清洗数据</a:t>
+            </a:r>
+          </a:p>
+        </p:txBody>
+      </p:sp>
+      <p:sp>
+        <p:nvSpPr>
+          <p:cNvPr id="7" name="矩形 6">
+            <a:extLst>
+              <a:ext uri="{FF2B5EF4-FFF2-40B4-BE49-F238E27FC236}">
+                <a16:creationId xmlns:a16="http://schemas.microsoft.com/office/drawing/2014/main" id="{A5C1C772-3043-4216-8B57-3FBAA1323DE9}"/>
+              </a:ext>
+            </a:extLst>
+          </p:cNvPr>
+          <p:cNvSpPr/>
+          <p:nvPr/>
+        </p:nvSpPr>
+        <p:spPr>
+          <a:xfrm>
+            <a:off x="5601250" y="5331239"/>
+            <a:ext cx="1424609" cy="508000"/>
+          </a:xfrm>
+          <a:prstGeom prst="rect">
+            <a:avLst/>
+          </a:prstGeom>
+          <a:noFill/>
+          <a:ln>
+            <a:noFill/>
+          </a:ln>
+        </p:spPr>
+        <p:style>
+          <a:lnRef idx="2">
+            <a:schemeClr val="accent1">
+              <a:shade val="50000"/>
+            </a:schemeClr>
+          </a:lnRef>
+          <a:fillRef idx="1">
+            <a:schemeClr val="accent1"/>
+          </a:fillRef>
+          <a:effectRef idx="0">
+            <a:schemeClr val="accent1"/>
+          </a:effectRef>
+          <a:fontRef idx="minor">
+            <a:schemeClr val="lt1"/>
+          </a:fontRef>
+        </p:style>
+        <p:txBody>
+          <a:bodyPr rtlCol="0" anchor="ctr"/>
+          <a:lstStyle/>
+          <a:p>
+            <a:pPr algn="ctr"/>
+            <a:r>
+              <a:rPr lang="zh-CN" altLang="en-US" sz="2000" dirty="0">
+                <a:solidFill>
+                  <a:schemeClr val="bg1">
+                    <a:lumMod val="75000"/>
+                    <a:lumOff val="25000"/>
+                  </a:schemeClr>
+                </a:solidFill>
+                <a:latin typeface="微软雅黑" panose="020B0503020204020204" pitchFamily="34" charset="-122"/>
+                <a:ea typeface="微软雅黑" panose="020B0503020204020204" pitchFamily="34" charset="-122"/>
+              </a:rPr>
+              <a:t>探索数据</a:t>
+            </a:r>
+          </a:p>
+        </p:txBody>
+      </p:sp>
+      <p:sp>
+        <p:nvSpPr>
+          <p:cNvPr id="8" name="矩形 7">
+            <a:extLst>
+              <a:ext uri="{FF2B5EF4-FFF2-40B4-BE49-F238E27FC236}">
+                <a16:creationId xmlns:a16="http://schemas.microsoft.com/office/drawing/2014/main" id="{C7D103B1-EEA7-44CA-99F1-124E0DE3020C}"/>
+              </a:ext>
+            </a:extLst>
+          </p:cNvPr>
+          <p:cNvSpPr/>
+          <p:nvPr/>
+        </p:nvSpPr>
+        <p:spPr>
+          <a:xfrm>
+            <a:off x="7930320" y="5331239"/>
+            <a:ext cx="1424609" cy="508000"/>
+          </a:xfrm>
+          <a:prstGeom prst="rect">
+            <a:avLst/>
+          </a:prstGeom>
+          <a:noFill/>
+          <a:ln>
+            <a:noFill/>
+          </a:ln>
+        </p:spPr>
+        <p:style>
+          <a:lnRef idx="2">
+            <a:schemeClr val="accent1">
+              <a:shade val="50000"/>
+            </a:schemeClr>
+          </a:lnRef>
+          <a:fillRef idx="1">
+            <a:schemeClr val="accent1"/>
+          </a:fillRef>
+          <a:effectRef idx="0">
+            <a:schemeClr val="accent1"/>
+          </a:effectRef>
+          <a:fontRef idx="minor">
+            <a:schemeClr val="lt1"/>
+          </a:fontRef>
+        </p:style>
+        <p:txBody>
+          <a:bodyPr rtlCol="0" anchor="ctr"/>
+          <a:lstStyle/>
+          <a:p>
+            <a:pPr algn="ctr"/>
+            <a:r>
+              <a:rPr lang="zh-CN" altLang="en-US" sz="2000" dirty="0">
+                <a:solidFill>
+                  <a:schemeClr val="bg1">
+                    <a:lumMod val="75000"/>
+                    <a:lumOff val="25000"/>
+                  </a:schemeClr>
+                </a:solidFill>
+                <a:latin typeface="微软雅黑" panose="020B0503020204020204" pitchFamily="34" charset="-122"/>
+                <a:ea typeface="微软雅黑" panose="020B0503020204020204" pitchFamily="34" charset="-122"/>
+              </a:rPr>
+              <a:t>写作展示</a:t>
             </a:r>
           </a:p>
         </p:txBody>
@@ -2718,8 +3040,10 @@
               <a:buNone/>
             </a:pPr>
             <a:r>
-              <a:t>提高效率</a:t>
-            </a:r>
+              <a:rPr lang="zh-CN" altLang="en-US" dirty="0"/>
+              <a:t>事半功倍</a:t>
+            </a:r>
+            <a:endParaRPr dirty="0"/>
           </a:p>
         </p:txBody>
       </p:sp>
@@ -2741,49 +3065,186 @@
         </p:nvSpPr>
         <p:spPr/>
         <p:txBody>
-          <a:bodyPr/>
+          <a:bodyPr>
+            <a:normAutofit lnSpcReduction="10000"/>
+          </a:bodyPr>
           <a:lstStyle/>
+          <a:p>
+            <a:r>
+              <a:rPr lang="zh-CN" altLang="en-US" dirty="0"/>
+              <a:t>简单易学：</a:t>
+            </a:r>
+            <a:r>
+              <a:rPr dirty="0" err="1"/>
+              <a:t>R很简单，配合tidyverse等系列包，代码可读性强</a:t>
+            </a:r>
+            <a:r>
+              <a:rPr lang="zh-CN" altLang="en-US" dirty="0"/>
+              <a:t>。</a:t>
+            </a:r>
+            <a:endParaRPr dirty="0"/>
+          </a:p>
+          <a:p>
+            <a:r>
+              <a:rPr dirty="0"/>
+              <a:t>All in one （</a:t>
+            </a:r>
+            <a:r>
+              <a:rPr dirty="0" err="1"/>
+              <a:t>鱼与熊掌，我全都要</a:t>
+            </a:r>
+            <a:r>
+              <a:rPr dirty="0"/>
+              <a:t>）：</a:t>
+            </a:r>
+            <a:r>
+              <a:rPr dirty="0" err="1"/>
+              <a:t>一个软件全都有，数据-分析-可视化-写作-展示（类似于家装全包</a:t>
+            </a:r>
+            <a:r>
+              <a:rPr dirty="0"/>
+              <a:t>）</a:t>
+            </a:r>
+            <a:r>
+              <a:rPr lang="zh-CN" altLang="en-US" dirty="0"/>
+              <a:t>。</a:t>
+            </a:r>
+            <a:endParaRPr lang="en-US" altLang="zh-CN" dirty="0"/>
+          </a:p>
+          <a:p>
+            <a:r>
+              <a:rPr lang="zh-CN" altLang="en-US" dirty="0"/>
+              <a:t>一个更残酷的现实，用统计的，往往不是学统计的。</a:t>
+            </a:r>
+          </a:p>
+          <a:p>
+            <a:pPr lvl="1"/>
+            <a:r>
+              <a:rPr lang="en-US" altLang="zh-CN" dirty="0"/>
+              <a:t>R</a:t>
+            </a:r>
+            <a:r>
+              <a:rPr lang="zh-CN" altLang="en-US" dirty="0"/>
+              <a:t>语言做统计分析，是它的看家本领，非常好用！</a:t>
+            </a:r>
+          </a:p>
+          <a:p>
+            <a:r>
+              <a:rPr lang="en-US" altLang="zh-CN" dirty="0"/>
+              <a:t>R</a:t>
+            </a:r>
+            <a:r>
+              <a:rPr lang="zh-CN" altLang="en-US" dirty="0"/>
+              <a:t>的表格和可视化，是颜值担当，高大上，无出其右！</a:t>
+            </a:r>
+          </a:p>
+          <a:p>
+            <a:r>
+              <a:rPr lang="zh-CN" altLang="en-US" dirty="0"/>
+              <a:t>不论写论文、写书、写报告、</a:t>
+            </a:r>
+            <a:r>
+              <a:rPr lang="en-US" altLang="zh-CN" dirty="0"/>
+              <a:t>PPT</a:t>
+            </a:r>
+            <a:r>
+              <a:rPr lang="zh-CN" altLang="en-US" dirty="0"/>
+              <a:t>，它都是让你脱颖而出的好工具！</a:t>
+            </a:r>
+          </a:p>
+          <a:p>
+            <a:pPr lvl="1"/>
+            <a:r>
+              <a:rPr lang="zh-CN" altLang="en-US" dirty="0"/>
+              <a:t>更多期刊和作者都在使用</a:t>
+            </a:r>
+            <a:r>
+              <a:rPr lang="en-US" altLang="zh-CN" dirty="0"/>
+              <a:t>R</a:t>
+            </a:r>
+            <a:r>
+              <a:rPr lang="zh-CN" altLang="en-US" dirty="0"/>
+              <a:t> </a:t>
+            </a:r>
+            <a:r>
+              <a:rPr lang="en-US" altLang="zh-CN" dirty="0"/>
+              <a:t>Markdown</a:t>
+            </a:r>
+            <a:r>
+              <a:rPr lang="zh-CN" altLang="en-US" dirty="0"/>
+              <a:t>，学习</a:t>
+            </a:r>
+            <a:r>
+              <a:rPr lang="en-US" altLang="zh-CN" dirty="0"/>
+              <a:t>R</a:t>
+            </a:r>
+            <a:r>
+              <a:rPr lang="zh-CN" altLang="en-US" dirty="0"/>
+              <a:t> </a:t>
+            </a:r>
+            <a:r>
+              <a:rPr lang="en-US" altLang="zh-CN" dirty="0"/>
+              <a:t>Markdown</a:t>
+            </a:r>
+            <a:r>
+              <a:rPr lang="zh-CN" altLang="en-US" dirty="0"/>
+              <a:t>就是拥抱未来！</a:t>
+            </a:r>
+          </a:p>
+          <a:p>
+            <a:pPr marL="1270000" lvl="0" indent="0" algn="r">
+              <a:buNone/>
+            </a:pPr>
+            <a:r>
+              <a:rPr lang="en-US" altLang="zh-CN" sz="2000" dirty="0"/>
+              <a:t>——</a:t>
+            </a:r>
+            <a:r>
+              <a:rPr lang="zh-CN" altLang="en-US" sz="2000" dirty="0"/>
+              <a:t>参考王敏杰</a:t>
+            </a:r>
+            <a:r>
+              <a:rPr lang="en-US" altLang="zh-CN" sz="2000" dirty="0">
+                <a:hlinkClick r:id="rId2"/>
+              </a:rPr>
+              <a:t>《</a:t>
+            </a:r>
+            <a:r>
+              <a:rPr lang="zh-CN" altLang="en-US" sz="2000" dirty="0">
+                <a:hlinkClick r:id="rId2"/>
+              </a:rPr>
+              <a:t>数据科学中的 </a:t>
+            </a:r>
+            <a:r>
+              <a:rPr lang="en-US" altLang="zh-CN" sz="2000" dirty="0">
+                <a:hlinkClick r:id="rId2"/>
+              </a:rPr>
+              <a:t>R </a:t>
+            </a:r>
+            <a:r>
+              <a:rPr lang="zh-CN" altLang="en-US" sz="2000" dirty="0">
+                <a:hlinkClick r:id="rId2"/>
+              </a:rPr>
+              <a:t>语言</a:t>
+            </a:r>
+            <a:r>
+              <a:rPr lang="en-US" altLang="zh-CN" sz="2000" dirty="0">
+                <a:hlinkClick r:id="rId2"/>
+              </a:rPr>
+              <a:t>》</a:t>
+            </a:r>
+          </a:p>
           <a:p>
             <a:pPr marL="0" lvl="0" indent="0">
               <a:buNone/>
             </a:pPr>
-            <a:r>
-              <a:t>R很简单，配合tidyverse等系列包，代码可读性强，用的是人类语言， 非常好学</a:t>
-            </a:r>
+            <a:endParaRPr lang="en-US" altLang="zh-CN" dirty="0"/>
           </a:p>
           <a:p>
             <a:pPr marL="0" lvl="0" indent="0">
               <a:buNone/>
             </a:pPr>
-            <a:r>
-              <a:t>All in one （鱼与熊掌，我全都要）：一个软件全都有，数据-分析-可视化-写作-展示（类似于家装全包）</a:t>
-            </a:r>
-          </a:p>
-          <a:p>
-            <a:pPr marL="0" lvl="0" indent="0">
-              <a:buNone/>
-            </a:pPr>
-            <a:r>
-              <a:t>强大的兼容性</a:t>
-            </a:r>
-          </a:p>
-          <a:p>
-            <a:pPr lvl="1"/>
-            <a:r>
-              <a:t>所有平台都可用（win,ios,linux,云端）</a:t>
-            </a:r>
-          </a:p>
-          <a:p>
-            <a:pPr lvl="1"/>
-            <a:r>
-              <a:t>各种格式输出</a:t>
-            </a:r>
-          </a:p>
-          <a:p>
-            <a:pPr lvl="1"/>
-            <a:r>
-              <a:t>兼容python, SQL, bash、Rcpp(C++)等</a:t>
-            </a:r>
+            <a:endParaRPr dirty="0"/>
           </a:p>
         </p:txBody>
       </p:sp>
@@ -2796,6 +3257,60 @@
 </file>
 
 <file path=ppt/slides/slide15.xml><?xml version="1.0" encoding="utf-8"?>
+<p:sld xmlns:a="http://schemas.openxmlformats.org/drawingml/2006/main" xmlns:r="http://schemas.openxmlformats.org/officeDocument/2006/relationships" xmlns:p="http://schemas.openxmlformats.org/presentationml/2006/main">
+  <p:cSld>
+    <p:spTree>
+      <p:nvGrpSpPr>
+        <p:cNvPr id="1" name=""/>
+        <p:cNvGrpSpPr/>
+        <p:nvPr/>
+      </p:nvGrpSpPr>
+      <p:grpSpPr>
+        <a:xfrm>
+          <a:off x="0" y="0"/>
+          <a:ext cx="0" cy="0"/>
+          <a:chOff x="0" y="0"/>
+          <a:chExt cx="0" cy="0"/>
+        </a:xfrm>
+      </p:grpSpPr>
+      <p:sp>
+        <p:nvSpPr>
+          <p:cNvPr id="7" name="Title 1"/>
+          <p:cNvSpPr>
+            <a:spLocks noGrp="1"/>
+          </p:cNvSpPr>
+          <p:nvPr>
+            <p:ph type="ctrTitle"/>
+          </p:nvPr>
+        </p:nvSpPr>
+        <p:spPr>
+          <a:xfrm>
+            <a:off x="1766325" y="4036880"/>
+            <a:ext cx="8463639" cy="862715"/>
+          </a:xfrm>
+        </p:spPr>
+        <p:txBody>
+          <a:bodyPr/>
+          <a:lstStyle/>
+          <a:p>
+            <a:pPr marL="0" lvl="0" indent="0">
+              <a:buNone/>
+            </a:pPr>
+            <a:r>
+              <a:t>需要哪些基础?</a:t>
+            </a:r>
+          </a:p>
+        </p:txBody>
+      </p:sp>
+    </p:spTree>
+  </p:cSld>
+  <p:clrMapOvr>
+    <a:masterClrMapping/>
+  </p:clrMapOvr>
+</p:sld>
+</file>
+
+<file path=ppt/slides/slide16.xml><?xml version="1.0" encoding="utf-8"?>
 <p:sld xmlns:a="http://schemas.openxmlformats.org/drawingml/2006/main" xmlns:r="http://schemas.openxmlformats.org/officeDocument/2006/relationships" xmlns:p="http://schemas.openxmlformats.org/presentationml/2006/main">
   <p:cSld>
     <p:spTree>
@@ -2842,7 +3357,7 @@
               <a:buNone/>
             </a:pPr>
             <a:r>
-              <a:t>立于不败</a:t>
+              <a:t>编程基础</a:t>
             </a:r>
           </a:p>
         </p:txBody>
@@ -2872,13 +3387,8 @@
               <a:buNone/>
             </a:pPr>
             <a:r>
-              <a:t>我们不是学统计的，但需要用统计。一个更残酷的现实，用统计的，往往不是学统计的。</a:t>
-            </a:r>
-          </a:p>
-          <a:p>
-            <a:pPr lvl="1"/>
-            <a:r>
-              <a:t>R语言做统计分析，是它的看家本领，非常好用！</a:t>
+              <a:rPr lang="zh-CN" altLang="en-US" dirty="0"/>
+              <a:t>有点英语基础就行，看得懂基本单词</a:t>
             </a:r>
           </a:p>
           <a:p>
@@ -2886,7 +3396,12 @@
               <a:buNone/>
             </a:pPr>
             <a:r>
-              <a:t>R的表格和可视化，是颜值担当，高大上，无出其右！</a:t>
+              <a:rPr dirty="0" err="1"/>
+              <a:t>具备其他编程语言基础最好，python编程基础，上手R最容易。这个就是加强版的jupyter</a:t>
+            </a:r>
+            <a:r>
+              <a:rPr dirty="0"/>
+              <a:t> notebook！</a:t>
             </a:r>
           </a:p>
           <a:p>
@@ -2894,83 +3409,22 @@
               <a:buNone/>
             </a:pPr>
             <a:r>
-              <a:t>不论写论文、写书、写报告、PPT，它都是让你脱颖而出的好工具！</a:t>
-            </a:r>
-          </a:p>
-          <a:p>
-            <a:pPr lvl="1"/>
-            <a:r>
-              <a:t>更多期刊和作者都在使用R Markdown，学习R Markdown就是拥抱未来！</a:t>
-            </a:r>
-          </a:p>
-          <a:p>
-            <a:pPr marL="1270000" lvl="0" indent="0">
-              <a:buNone/>
-            </a:pPr>
-            <a:r>
-              <a:rPr sz="2000"/>
-              <a:t>参考王敏杰</a:t>
-            </a:r>
-            <a:r>
-              <a:rPr sz="2000">
-                <a:hlinkClick r:id="rId2"/>
-              </a:rPr>
-              <a:t>《数据科学中的 R 语言》</a:t>
-            </a:r>
-          </a:p>
-        </p:txBody>
-      </p:sp>
-    </p:spTree>
-  </p:cSld>
-  <p:clrMapOvr>
-    <a:masterClrMapping/>
-  </p:clrMapOvr>
-</p:sld>
-</file>
-
-<file path=ppt/slides/slide16.xml><?xml version="1.0" encoding="utf-8"?>
-<p:sld xmlns:a="http://schemas.openxmlformats.org/drawingml/2006/main" xmlns:r="http://schemas.openxmlformats.org/officeDocument/2006/relationships" xmlns:p="http://schemas.openxmlformats.org/presentationml/2006/main">
-  <p:cSld>
-    <p:spTree>
-      <p:nvGrpSpPr>
-        <p:cNvPr id="1" name=""/>
-        <p:cNvGrpSpPr/>
-        <p:nvPr/>
-      </p:nvGrpSpPr>
-      <p:grpSpPr>
-        <a:xfrm>
-          <a:off x="0" y="0"/>
-          <a:ext cx="0" cy="0"/>
-          <a:chOff x="0" y="0"/>
-          <a:chExt cx="0" cy="0"/>
-        </a:xfrm>
-      </p:grpSpPr>
-      <p:sp>
-        <p:nvSpPr>
-          <p:cNvPr id="7" name="Title 1"/>
-          <p:cNvSpPr>
-            <a:spLocks noGrp="1"/>
-          </p:cNvSpPr>
-          <p:nvPr>
-            <p:ph type="ctrTitle"/>
-          </p:nvPr>
-        </p:nvSpPr>
-        <p:spPr>
-          <a:xfrm>
-            <a:off x="1766325" y="4036880"/>
-            <a:ext cx="8463639" cy="862715"/>
-          </a:xfrm>
-        </p:spPr>
-        <p:txBody>
-          <a:bodyPr/>
-          <a:lstStyle/>
-          <a:p>
-            <a:pPr marL="0" lvl="0" indent="0">
-              <a:buNone/>
-            </a:pPr>
-            <a:r>
-              <a:t>需要哪些基础?</a:t>
-            </a:r>
+              <a:rPr dirty="0" err="1"/>
+              <a:t>没有编程基础</a:t>
+            </a:r>
+            <a:r>
+              <a:rPr dirty="0"/>
+              <a:t>，</a:t>
+            </a:r>
+            <a:r>
+              <a:rPr lang="zh-CN" altLang="en-US" dirty="0"/>
+              <a:t>也没</a:t>
+            </a:r>
+            <a:r>
+              <a:rPr dirty="0" err="1"/>
+              <a:t>关系</a:t>
+            </a:r>
+            <a:endParaRPr dirty="0"/>
           </a:p>
         </p:txBody>
       </p:sp>
@@ -3029,7 +3483,7 @@
               <a:buNone/>
             </a:pPr>
             <a:r>
-              <a:t>编程基础</a:t>
+              <a:t>统计学基础</a:t>
             </a:r>
           </a:p>
         </p:txBody>
@@ -3059,30 +3513,60 @@
               <a:buNone/>
             </a:pPr>
             <a:r>
-              <a:t>今年两会有代表提出取消英语主科地位，您同意吗？</a:t>
+              <a:rPr dirty="0" err="1"/>
+              <a:t>确实要懂点</a:t>
+            </a:r>
+            <a:r>
+              <a:rPr dirty="0"/>
+              <a:t>……</a:t>
             </a:r>
           </a:p>
           <a:p>
             <a:pPr lvl="1"/>
             <a:r>
-              <a:t>有点英语基础就行，看得懂基本单词</a:t>
-            </a:r>
-          </a:p>
-          <a:p>
-            <a:pPr marL="0" lvl="0" indent="0">
-              <a:buNone/>
-            </a:pPr>
-            <a:r>
-              <a:t>具备其他编程语言基础最好，python编程基础，上手R最容易。这个就是加强版的jupyter notebook！</a:t>
-            </a:r>
-          </a:p>
-          <a:p>
-            <a:pPr marL="0" lvl="0" indent="0">
-              <a:buNone/>
-            </a:pPr>
-            <a:r>
-              <a:t>没有编程基础，no关系，这门课你也能听懂</a:t>
-            </a:r>
+              <a:rPr dirty="0" err="1"/>
+              <a:t>懂基本的统计学原理，和统计学方法的适用对象</a:t>
+            </a:r>
+            <a:endParaRPr dirty="0"/>
+          </a:p>
+          <a:p>
+            <a:pPr lvl="1"/>
+            <a:r>
+              <a:rPr dirty="0"/>
+              <a:t>No </a:t>
+            </a:r>
+            <a:r>
+              <a:rPr dirty="0" err="1"/>
+              <a:t>公式</a:t>
+            </a:r>
+            <a:r>
+              <a:rPr dirty="0"/>
+              <a:t>！</a:t>
+            </a:r>
+          </a:p>
+          <a:p>
+            <a:pPr lvl="1"/>
+            <a:r>
+              <a:rPr dirty="0" err="1"/>
+              <a:t>懂统计图</a:t>
+            </a:r>
+            <a:endParaRPr dirty="0"/>
+          </a:p>
+          <a:p>
+            <a:pPr lvl="1"/>
+            <a:r>
+              <a:rPr dirty="0" err="1"/>
+              <a:t>会</a:t>
+            </a:r>
+            <a:r>
+              <a:rPr lang="en-US" dirty="0" err="1"/>
+              <a:t>SPSS</a:t>
+            </a:r>
+            <a:r>
+              <a:rPr dirty="0" err="1"/>
+              <a:t>就行</a:t>
+            </a:r>
+            <a:endParaRPr dirty="0"/>
           </a:p>
         </p:txBody>
       </p:sp>
@@ -3095,6 +3579,60 @@
 </file>
 
 <file path=ppt/slides/slide18.xml><?xml version="1.0" encoding="utf-8"?>
+<p:sld xmlns:a="http://schemas.openxmlformats.org/drawingml/2006/main" xmlns:r="http://schemas.openxmlformats.org/officeDocument/2006/relationships" xmlns:p="http://schemas.openxmlformats.org/presentationml/2006/main">
+  <p:cSld>
+    <p:spTree>
+      <p:nvGrpSpPr>
+        <p:cNvPr id="1" name=""/>
+        <p:cNvGrpSpPr/>
+        <p:nvPr/>
+      </p:nvGrpSpPr>
+      <p:grpSpPr>
+        <a:xfrm>
+          <a:off x="0" y="0"/>
+          <a:ext cx="0" cy="0"/>
+          <a:chOff x="0" y="0"/>
+          <a:chExt cx="0" cy="0"/>
+        </a:xfrm>
+      </p:grpSpPr>
+      <p:sp>
+        <p:nvSpPr>
+          <p:cNvPr id="7" name="Title 1"/>
+          <p:cNvSpPr>
+            <a:spLocks noGrp="1"/>
+          </p:cNvSpPr>
+          <p:nvPr>
+            <p:ph type="ctrTitle"/>
+          </p:nvPr>
+        </p:nvSpPr>
+        <p:spPr>
+          <a:xfrm>
+            <a:off x="1766325" y="4036880"/>
+            <a:ext cx="8463639" cy="862715"/>
+          </a:xfrm>
+        </p:spPr>
+        <p:txBody>
+          <a:bodyPr/>
+          <a:lstStyle/>
+          <a:p>
+            <a:pPr marL="0" lvl="0" indent="0">
+              <a:buNone/>
+            </a:pPr>
+            <a:r>
+              <a:t>Examples</a:t>
+            </a:r>
+          </a:p>
+        </p:txBody>
+      </p:sp>
+    </p:spTree>
+  </p:cSld>
+  <p:clrMapOvr>
+    <a:masterClrMapping/>
+  </p:clrMapOvr>
+</p:sld>
+</file>
+
+<file path=ppt/slides/slide19.xml><?xml version="1.0" encoding="utf-8"?>
 <p:sld xmlns:a="http://schemas.openxmlformats.org/drawingml/2006/main" xmlns:r="http://schemas.openxmlformats.org/officeDocument/2006/relationships" xmlns:p="http://schemas.openxmlformats.org/presentationml/2006/main">
   <p:cSld>
     <p:spTree>
@@ -3141,7 +3679,7 @@
               <a:buNone/>
             </a:pPr>
             <a:r>
-              <a:t>统计学基础</a:t>
+              <a:t>Slide with R Output</a:t>
             </a:r>
           </a:p>
         </p:txBody>
@@ -3167,89 +3705,40 @@
           <a:bodyPr/>
           <a:lstStyle/>
           <a:p>
-            <a:pPr marL="0" lvl="0" indent="0">
+            <a:pPr lvl="0" indent="0">
               <a:buNone/>
             </a:pPr>
             <a:r>
-              <a:t>确实要懂点……</a:t>
-            </a:r>
-          </a:p>
-          <a:p>
-            <a:pPr lvl="1"/>
-            <a:r>
-              <a:t>懂基本的统计学原理，和统计学方法的适用对象</a:t>
-            </a:r>
-          </a:p>
-          <a:p>
-            <a:pPr lvl="1"/>
-            <a:r>
-              <a:t>No 公式！</a:t>
-            </a:r>
-          </a:p>
-          <a:p>
-            <a:pPr lvl="1"/>
-            <a:r>
-              <a:t>懂统计图</a:t>
-            </a:r>
-          </a:p>
-          <a:p>
-            <a:pPr lvl="1"/>
-            <a:r>
-              <a:t>会spss就行</a:t>
-            </a:r>
-          </a:p>
-        </p:txBody>
-      </p:sp>
-    </p:spTree>
-  </p:cSld>
-  <p:clrMapOvr>
-    <a:masterClrMapping/>
-  </p:clrMapOvr>
-</p:sld>
-</file>
-
-<file path=ppt/slides/slide19.xml><?xml version="1.0" encoding="utf-8"?>
-<p:sld xmlns:a="http://schemas.openxmlformats.org/drawingml/2006/main" xmlns:r="http://schemas.openxmlformats.org/officeDocument/2006/relationships" xmlns:p="http://schemas.openxmlformats.org/presentationml/2006/main">
-  <p:cSld>
-    <p:spTree>
-      <p:nvGrpSpPr>
-        <p:cNvPr id="1" name=""/>
-        <p:cNvGrpSpPr/>
-        <p:nvPr/>
-      </p:nvGrpSpPr>
-      <p:grpSpPr>
-        <a:xfrm>
-          <a:off x="0" y="0"/>
-          <a:ext cx="0" cy="0"/>
-          <a:chOff x="0" y="0"/>
-          <a:chExt cx="0" cy="0"/>
-        </a:xfrm>
-      </p:grpSpPr>
-      <p:sp>
-        <p:nvSpPr>
-          <p:cNvPr id="7" name="Title 1"/>
-          <p:cNvSpPr>
-            <a:spLocks noGrp="1"/>
-          </p:cNvSpPr>
-          <p:nvPr>
-            <p:ph type="ctrTitle"/>
-          </p:nvPr>
-        </p:nvSpPr>
-        <p:spPr>
-          <a:xfrm>
-            <a:off x="1766325" y="4036880"/>
-            <a:ext cx="8463639" cy="862715"/>
-          </a:xfrm>
-        </p:spPr>
-        <p:txBody>
-          <a:bodyPr/>
-          <a:lstStyle/>
-          <a:p>
-            <a:pPr marL="0" lvl="0" indent="0">
+              <a:rPr>
+                <a:solidFill>
+                  <a:srgbClr val="06287E"/>
+                </a:solidFill>
+                <a:latin typeface="Courier"/>
+              </a:rPr>
+              <a:t>summary</a:t>
+            </a:r>
+            <a:r>
+              <a:rPr>
+                <a:latin typeface="Courier"/>
+              </a:rPr>
+              <a:t>(women)</a:t>
+            </a:r>
+          </a:p>
+          <a:p>
+            <a:pPr lvl="0" indent="0">
               <a:buNone/>
             </a:pPr>
             <a:r>
-              <a:t>Examples</a:t>
+              <a:rPr>
+                <a:latin typeface="Courier"/>
+              </a:rPr>
+              <a:t>##      height         weight     
+##  Min.   :58.0   Min.   :115.0  
+##  1st Qu.:61.5   1st Qu.:124.5  
+##  Median :65.0   Median :135.0  
+##  Mean   :65.0   Mean   :136.7  
+##  3rd Qu.:68.5   3rd Qu.:148.0  
+##  Max.   :72.0   Max.   :164.0</a:t>
             </a:r>
           </a:p>
         </p:txBody>
@@ -5147,125 +5636,6 @@
               <a:buNone/>
             </a:pPr>
             <a:r>
-              <a:t>Slide with R Output</a:t>
-            </a:r>
-          </a:p>
-        </p:txBody>
-      </p:sp>
-      <p:sp>
-        <p:nvSpPr>
-          <p:cNvPr id="12" name="Content Placeholder 2">
-            <a:extLst>
-              <a:ext uri="{FF2B5EF4-FFF2-40B4-BE49-F238E27FC236}">
-                <a16:creationId xmlns:a16="http://schemas.microsoft.com/office/drawing/2014/main" id="{91E23ACD-CC52-4FE4-A28E-15DDE627EE00}"/>
-              </a:ext>
-            </a:extLst>
-          </p:cNvPr>
-          <p:cNvSpPr>
-            <a:spLocks noGrp="1"/>
-          </p:cNvSpPr>
-          <p:nvPr>
-            <p:ph idx="1"/>
-          </p:nvPr>
-        </p:nvSpPr>
-        <p:spPr/>
-        <p:txBody>
-          <a:bodyPr/>
-          <a:lstStyle/>
-          <a:p>
-            <a:pPr lvl="0" indent="0">
-              <a:buNone/>
-            </a:pPr>
-            <a:r>
-              <a:rPr>
-                <a:solidFill>
-                  <a:srgbClr val="06287E"/>
-                </a:solidFill>
-                <a:latin typeface="Courier"/>
-              </a:rPr>
-              <a:t>summary</a:t>
-            </a:r>
-            <a:r>
-              <a:rPr>
-                <a:latin typeface="Courier"/>
-              </a:rPr>
-              <a:t>(women)</a:t>
-            </a:r>
-          </a:p>
-          <a:p>
-            <a:pPr lvl="0" indent="0">
-              <a:buNone/>
-            </a:pPr>
-            <a:r>
-              <a:rPr>
-                <a:latin typeface="Courier"/>
-              </a:rPr>
-              <a:t>##      height         weight     
-##  Min.   :58.0   Min.   :115.0  
-##  1st Qu.:61.5   1st Qu.:124.5  
-##  Median :65.0   Median :135.0  
-##  Mean   :65.0   Mean   :136.7  
-##  3rd Qu.:68.5   3rd Qu.:148.0  
-##  Max.   :72.0   Max.   :164.0</a:t>
-            </a:r>
-          </a:p>
-        </p:txBody>
-      </p:sp>
-    </p:spTree>
-  </p:cSld>
-  <p:clrMapOvr>
-    <a:masterClrMapping/>
-  </p:clrMapOvr>
-</p:sld>
-</file>
-
-<file path=ppt/slides/slide21.xml><?xml version="1.0" encoding="utf-8"?>
-<p:sld xmlns:a="http://schemas.openxmlformats.org/drawingml/2006/main" xmlns:r="http://schemas.openxmlformats.org/officeDocument/2006/relationships" xmlns:p="http://schemas.openxmlformats.org/presentationml/2006/main">
-  <p:cSld>
-    <p:spTree>
-      <p:nvGrpSpPr>
-        <p:cNvPr id="1" name=""/>
-        <p:cNvGrpSpPr/>
-        <p:nvPr/>
-      </p:nvGrpSpPr>
-      <p:grpSpPr>
-        <a:xfrm>
-          <a:off x="0" y="0"/>
-          <a:ext cx="0" cy="0"/>
-          <a:chOff x="0" y="0"/>
-          <a:chExt cx="0" cy="0"/>
-        </a:xfrm>
-      </p:grpSpPr>
-      <p:sp>
-        <p:nvSpPr>
-          <p:cNvPr id="11" name="Title 1">
-            <a:extLst>
-              <a:ext uri="{FF2B5EF4-FFF2-40B4-BE49-F238E27FC236}">
-                <a16:creationId xmlns:a16="http://schemas.microsoft.com/office/drawing/2014/main" id="{2391D614-6EEB-4C42-A746-C9FB67E11481}"/>
-              </a:ext>
-            </a:extLst>
-          </p:cNvPr>
-          <p:cNvSpPr>
-            <a:spLocks noGrp="1"/>
-          </p:cNvSpPr>
-          <p:nvPr>
-            <p:ph type="title"/>
-          </p:nvPr>
-        </p:nvSpPr>
-        <p:spPr>
-          <a:xfrm>
-            <a:off x="838199" y="362260"/>
-            <a:ext cx="6304722" cy="637553"/>
-          </a:xfrm>
-        </p:spPr>
-        <p:txBody>
-          <a:bodyPr/>
-          <a:lstStyle/>
-          <a:p>
-            <a:pPr marL="0" lvl="0" indent="0">
-              <a:buNone/>
-            </a:pPr>
-            <a:r>
               <a:t>Slide with Plot</a:t>
             </a:r>
           </a:p>
@@ -5309,7 +5679,7 @@
 </p:sld>
 </file>
 
-<file path=ppt/slides/slide22.xml><?xml version="1.0" encoding="utf-8"?>
+<file path=ppt/slides/slide21.xml><?xml version="1.0" encoding="utf-8"?>
 <p:sld xmlns:a="http://schemas.openxmlformats.org/drawingml/2006/main" xmlns:r="http://schemas.openxmlformats.org/officeDocument/2006/relationships" xmlns:p="http://schemas.openxmlformats.org/presentationml/2006/main">
   <p:cSld>
     <p:spTree>
@@ -6004,7 +6374,7 @@
 </p:sld>
 </file>
 
-<file path=ppt/slides/slide23.xml><?xml version="1.0" encoding="utf-8"?>
+<file path=ppt/slides/slide22.xml><?xml version="1.0" encoding="utf-8"?>
 <p:sld xmlns:a="http://schemas.openxmlformats.org/drawingml/2006/main" xmlns:r="http://schemas.openxmlformats.org/officeDocument/2006/relationships" xmlns:p="http://schemas.openxmlformats.org/presentationml/2006/main">
   <p:cSld>
     <p:spTree>
@@ -6094,7 +6464,7 @@
 </p:sld>
 </file>
 
-<file path=ppt/slides/slide24.xml><?xml version="1.0" encoding="utf-8"?>
+<file path=ppt/slides/slide23.xml><?xml version="1.0" encoding="utf-8"?>
 <p:sld xmlns:a="http://schemas.openxmlformats.org/drawingml/2006/main" xmlns:r="http://schemas.openxmlformats.org/officeDocument/2006/relationships" xmlns:p="http://schemas.openxmlformats.org/presentationml/2006/main">
   <p:cSld>
     <p:spTree>
@@ -6148,7 +6518,7 @@
 </p:sld>
 </file>
 
-<file path=ppt/slides/slide25.xml><?xml version="1.0" encoding="utf-8"?>
+<file path=ppt/slides/slide24.xml><?xml version="1.0" encoding="utf-8"?>
 <p:sld xmlns:a="http://schemas.openxmlformats.org/drawingml/2006/main" xmlns:r="http://schemas.openxmlformats.org/officeDocument/2006/relationships" xmlns:p="http://schemas.openxmlformats.org/presentationml/2006/main">
   <p:cSld>
     <p:spTree>
@@ -6225,21 +6595,38 @@
               <a:buNone/>
             </a:pPr>
             <a:r>
-              <a:t>尝试用你自己的ppt模板生成pptx</a:t>
-            </a:r>
+              <a:rPr dirty="0" err="1"/>
+              <a:t>尝试用</a:t>
+            </a:r>
+            <a:r>
+              <a:rPr lang="zh-CN" altLang="en-US" dirty="0"/>
+              <a:t>我提供的</a:t>
+            </a:r>
+            <a:r>
+              <a:rPr dirty="0" err="1"/>
+              <a:t>ppt模板生成pptx</a:t>
+            </a:r>
+            <a:endParaRPr dirty="0"/>
           </a:p>
           <a:p>
             <a:pPr marL="0" lvl="0" indent="0">
               <a:buNone/>
             </a:pPr>
             <a:r>
+              <a:rPr dirty="0" err="1"/>
               <a:t>参考：</a:t>
             </a:r>
             <a:r>
-              <a:rPr>
+              <a:rPr dirty="0" err="1">
                 <a:hlinkClick r:id="rId2"/>
               </a:rPr>
-              <a:t>Rendering PowerPoint Presentations with RStudio</a:t>
+              <a:t>Rendering</a:t>
+            </a:r>
+            <a:r>
+              <a:rPr dirty="0">
+                <a:hlinkClick r:id="rId2"/>
+              </a:rPr>
+              <a:t> PowerPoint Presentations with RStudio</a:t>
             </a:r>
           </a:p>
           <a:p>
@@ -6247,31 +6634,72 @@
               <a:buNone/>
             </a:pPr>
             <a:r>
-              <a:t>R Markdown 推荐书籍(全部开源免费,也是本课程主要参考书)</a:t>
+              <a:rPr dirty="0"/>
+              <a:t>R Markdown </a:t>
+            </a:r>
+            <a:r>
+              <a:rPr dirty="0" err="1"/>
+              <a:t>推荐书籍</a:t>
+            </a:r>
+            <a:r>
+              <a:rPr dirty="0"/>
+              <a:t>(</a:t>
+            </a:r>
+            <a:r>
+              <a:rPr dirty="0" err="1"/>
+              <a:t>全部开源免费,也是本课程主要参考书</a:t>
+            </a:r>
+            <a:r>
+              <a:rPr dirty="0"/>
+              <a:t>)</a:t>
             </a:r>
           </a:p>
           <a:p>
             <a:pPr lvl="1"/>
             <a:r>
-              <a:rPr>
+              <a:rPr dirty="0">
                 <a:hlinkClick r:id="rId3"/>
               </a:rPr>
-              <a:t>R 数据分析指南与速查手册</a:t>
-            </a:r>
+              <a:t>R </a:t>
+            </a:r>
+            <a:r>
+              <a:rPr dirty="0" err="1">
+                <a:hlinkClick r:id="rId3"/>
+              </a:rPr>
+              <a:t>数据分析指南与速查手册</a:t>
+            </a:r>
+            <a:endParaRPr dirty="0">
+              <a:hlinkClick r:id="rId3"/>
+            </a:endParaRPr>
           </a:p>
           <a:p>
             <a:pPr lvl="1"/>
             <a:r>
-              <a:rPr>
+              <a:rPr dirty="0" err="1">
                 <a:hlinkClick r:id="rId4"/>
               </a:rPr>
-              <a:t>数据科学中的 R 语言</a:t>
-            </a:r>
+              <a:t>数据科学中的</a:t>
+            </a:r>
+            <a:r>
+              <a:rPr dirty="0">
+                <a:hlinkClick r:id="rId4"/>
+              </a:rPr>
+              <a:t> R </a:t>
+            </a:r>
+            <a:r>
+              <a:rPr dirty="0" err="1">
+                <a:hlinkClick r:id="rId4"/>
+              </a:rPr>
+              <a:t>语言</a:t>
+            </a:r>
+            <a:endParaRPr dirty="0">
+              <a:hlinkClick r:id="rId4"/>
+            </a:endParaRPr>
           </a:p>
           <a:p>
             <a:pPr lvl="1"/>
             <a:r>
-              <a:rPr>
+              <a:rPr dirty="0">
                 <a:hlinkClick r:id="rId5"/>
               </a:rPr>
               <a:t>R Markdown: The Definitive Guide</a:t>
@@ -6280,7 +6708,7 @@
           <a:p>
             <a:pPr lvl="1"/>
             <a:r>
-              <a:rPr>
+              <a:rPr dirty="0">
                 <a:hlinkClick r:id="rId6"/>
               </a:rPr>
               <a:t>R Markdown Cookbook</a:t>
@@ -6296,7 +6724,7 @@
 </p:sld>
 </file>
 
-<file path=ppt/slides/slide26.xml><?xml version="1.0" encoding="utf-8"?>
+<file path=ppt/slides/slide25.xml><?xml version="1.0" encoding="utf-8"?>
 <p:sld xmlns:a="http://schemas.openxmlformats.org/drawingml/2006/main" xmlns:r="http://schemas.openxmlformats.org/officeDocument/2006/relationships" xmlns:p="http://schemas.openxmlformats.org/presentationml/2006/main">
   <p:cSld>
     <p:spTree>
@@ -6515,8 +6943,8 @@
         </p:nvSpPr>
         <p:spPr>
           <a:xfrm>
-            <a:off x="1269201" y="5210604"/>
-            <a:ext cx="7026893" cy="1333698"/>
+            <a:off x="1208817" y="6096338"/>
+            <a:ext cx="3641480" cy="410369"/>
           </a:xfrm>
           <a:prstGeom prst="rect">
             <a:avLst/>
@@ -6530,120 +6958,6 @@
             <a:spAutoFit/>
           </a:bodyPr>
           <a:lstStyle/>
-          <a:p>
-            <a:pPr algn="l">
-              <a:buSzPct val="100000"/>
-              <a:defRPr sz="3600">
-                <a:solidFill>
-                  <a:srgbClr val="FFFFFF"/>
-                </a:solidFill>
-                <a:latin typeface="方正兰亭粗黑_GBK" panose="02000000000000000000" charset="-122"/>
-                <a:ea typeface="方正兰亭粗黑_GBK" panose="02000000000000000000" charset="-122"/>
-                <a:cs typeface="方正兰亭粗黑_GBK" panose="02000000000000000000" charset="-122"/>
-                <a:sym typeface="方正兰亭粗黑_GBK" panose="02000000000000000000" charset="-122"/>
-              </a:defRPr>
-            </a:pPr>
-            <a:r>
-              <a:rPr lang="zh-CN" altLang="en-US" sz="1000" dirty="0"/>
-              <a:t>版权声明</a:t>
-            </a:r>
-            <a:endParaRPr lang="en-US" sz="1000" dirty="0"/>
-          </a:p>
-          <a:p>
-            <a:pPr algn="l">
-              <a:buSzPct val="100000"/>
-              <a:defRPr sz="3600">
-                <a:solidFill>
-                  <a:srgbClr val="FFFFFF"/>
-                </a:solidFill>
-                <a:latin typeface="方正兰亭粗黑_GBK" panose="02000000000000000000" charset="-122"/>
-                <a:ea typeface="方正兰亭粗黑_GBK" panose="02000000000000000000" charset="-122"/>
-                <a:cs typeface="方正兰亭粗黑_GBK" panose="02000000000000000000" charset="-122"/>
-                <a:sym typeface="方正兰亭粗黑_GBK" panose="02000000000000000000" charset="-122"/>
-              </a:defRPr>
-            </a:pPr>
-            <a:r>
-              <a:rPr lang="en-US" sz="1000" dirty="0"/>
-              <a:t>Music by Vincent </a:t>
-            </a:r>
-            <a:r>
-              <a:rPr lang="en-US" sz="1000" dirty="0" err="1"/>
-              <a:t>Rubinetti</a:t>
-            </a:r>
-            <a:endParaRPr lang="en-US" sz="1000" dirty="0"/>
-          </a:p>
-          <a:p>
-            <a:pPr algn="l">
-              <a:buSzPct val="100000"/>
-              <a:defRPr sz="3600">
-                <a:solidFill>
-                  <a:srgbClr val="FFFFFF"/>
-                </a:solidFill>
-                <a:latin typeface="方正兰亭粗黑_GBK" panose="02000000000000000000" charset="-122"/>
-                <a:ea typeface="方正兰亭粗黑_GBK" panose="02000000000000000000" charset="-122"/>
-                <a:cs typeface="方正兰亭粗黑_GBK" panose="02000000000000000000" charset="-122"/>
-                <a:sym typeface="方正兰亭粗黑_GBK" panose="02000000000000000000" charset="-122"/>
-              </a:defRPr>
-            </a:pPr>
-            <a:r>
-              <a:rPr lang="en-US" sz="1000" dirty="0"/>
-              <a:t>Download the music on Bandcamp:</a:t>
-            </a:r>
-          </a:p>
-          <a:p>
-            <a:pPr algn="l">
-              <a:buSzPct val="100000"/>
-              <a:defRPr sz="3600">
-                <a:solidFill>
-                  <a:srgbClr val="FFFFFF"/>
-                </a:solidFill>
-                <a:latin typeface="方正兰亭粗黑_GBK" panose="02000000000000000000" charset="-122"/>
-                <a:ea typeface="方正兰亭粗黑_GBK" panose="02000000000000000000" charset="-122"/>
-                <a:cs typeface="方正兰亭粗黑_GBK" panose="02000000000000000000" charset="-122"/>
-                <a:sym typeface="方正兰亭粗黑_GBK" panose="02000000000000000000" charset="-122"/>
-              </a:defRPr>
-            </a:pPr>
-            <a:r>
-              <a:rPr lang="en-US" sz="1000" dirty="0"/>
-              <a:t>https://vincerubinetti.bandcamp.com/album/the-music-of-3blue1brown</a:t>
-            </a:r>
-          </a:p>
-          <a:p>
-            <a:pPr algn="l">
-              <a:buSzPct val="100000"/>
-              <a:defRPr sz="3600">
-                <a:solidFill>
-                  <a:srgbClr val="FFFFFF"/>
-                </a:solidFill>
-                <a:latin typeface="方正兰亭粗黑_GBK" panose="02000000000000000000" charset="-122"/>
-                <a:ea typeface="方正兰亭粗黑_GBK" panose="02000000000000000000" charset="-122"/>
-                <a:cs typeface="方正兰亭粗黑_GBK" panose="02000000000000000000" charset="-122"/>
-                <a:sym typeface="方正兰亭粗黑_GBK" panose="02000000000000000000" charset="-122"/>
-              </a:defRPr>
-            </a:pPr>
-            <a:r>
-              <a:rPr lang="en-US" sz="1000" dirty="0"/>
-              <a:t>Stream the music on Spotify:</a:t>
-            </a:r>
-          </a:p>
-          <a:p>
-            <a:pPr algn="l">
-              <a:buSzPct val="100000"/>
-              <a:defRPr sz="3600">
-                <a:solidFill>
-                  <a:srgbClr val="FFFFFF"/>
-                </a:solidFill>
-                <a:latin typeface="方正兰亭粗黑_GBK" panose="02000000000000000000" charset="-122"/>
-                <a:ea typeface="方正兰亭粗黑_GBK" panose="02000000000000000000" charset="-122"/>
-                <a:cs typeface="方正兰亭粗黑_GBK" panose="02000000000000000000" charset="-122"/>
-                <a:sym typeface="方正兰亭粗黑_GBK" panose="02000000000000000000" charset="-122"/>
-              </a:defRPr>
-            </a:pPr>
-            <a:r>
-              <a:rPr lang="en-US" sz="1000" dirty="0"/>
-              <a:t>https://open.spotify.com/album/1dVyjwS8FBqXhRunaG5W5u</a:t>
-            </a:r>
-          </a:p>
           <a:p>
             <a:pPr algn="l">
               <a:buSzPct val="100000"/>
@@ -6900,13 +7214,6 @@
           <a:p>
             <a:pPr lvl="2"/>
             <a:r>
-              <a:rPr dirty="0"/>
-              <a:t>出生年月：1986.12</a:t>
-            </a:r>
-          </a:p>
-          <a:p>
-            <a:pPr lvl="2"/>
-            <a:r>
               <a:rPr dirty="0" err="1"/>
               <a:t>职称：讲师</a:t>
             </a:r>
@@ -6931,10 +7238,9 @@
           <a:p>
             <a:pPr lvl="2"/>
             <a:r>
-              <a:rPr dirty="0" err="1"/>
+              <a:rPr lang="zh-CN" altLang="en-US" dirty="0"/>
               <a:t>毕业院校：湖南中医药大学</a:t>
             </a:r>
-            <a:endParaRPr dirty="0"/>
           </a:p>
           <a:p>
             <a:pPr lvl="2"/>
@@ -7294,6 +7600,7 @@
               <a:buNone/>
             </a:pPr>
             <a:r>
+              <a:rPr dirty="0"/>
               <a:t>R Markdown</a:t>
             </a:r>
           </a:p>
@@ -7315,9 +7622,16 @@
             <p:ph idx="1"/>
           </p:nvPr>
         </p:nvSpPr>
-        <p:spPr/>
+        <p:spPr>
+          <a:xfrm>
+            <a:off x="838199" y="1440611"/>
+            <a:ext cx="10871199" cy="4736352"/>
+          </a:xfrm>
+        </p:spPr>
         <p:txBody>
-          <a:bodyPr/>
+          <a:bodyPr>
+            <a:normAutofit/>
+          </a:bodyPr>
           <a:lstStyle/>
           <a:p>
             <a:pPr marL="0" lvl="0" indent="0">
@@ -7329,7 +7643,26 @@
             </a:r>
             <a:r>
               <a:rPr dirty="0" err="1"/>
-              <a:t>Markdown是利用Rstudio将文字和数据进行展示的全能选手</a:t>
+              <a:t>Markdown是利用Rstudio</a:t>
+            </a:r>
+            <a:r>
+              <a:rPr lang="zh-CN" altLang="en-US" dirty="0"/>
+              <a:t>进行科技写作</a:t>
+            </a:r>
+            <a:r>
+              <a:rPr dirty="0" err="1"/>
+              <a:t>的全能选手</a:t>
+            </a:r>
+            <a:r>
+              <a:rPr dirty="0"/>
+              <a:t>。</a:t>
+            </a:r>
+          </a:p>
+          <a:p>
+            <a:pPr lvl="1"/>
+            <a:r>
+              <a:rPr dirty="0" err="1"/>
+              <a:t>本课程专注于学术写作</a:t>
             </a:r>
             <a:r>
               <a:rPr dirty="0"/>
@@ -7341,18 +7674,17 @@
               <a:buNone/>
             </a:pPr>
             <a:r>
-              <a:rPr dirty="0" err="1"/>
-              <a:t>本课程专注于学术写作</a:t>
-            </a:r>
-            <a:r>
-              <a:rPr dirty="0"/>
-              <a:t>。</a:t>
-            </a:r>
-          </a:p>
-          <a:p>
-            <a:pPr marL="0" lvl="0" indent="0">
-              <a:buNone/>
-            </a:pPr>
+              <a:rPr lang="en-US" altLang="zh-CN" dirty="0"/>
+              <a:t>R Markdown</a:t>
+            </a:r>
+            <a:r>
+              <a:rPr lang="zh-CN" altLang="en-US" dirty="0"/>
+              <a:t>的文档能够完全重现</a:t>
+            </a:r>
+            <a:endParaRPr lang="en-US" dirty="0"/>
+          </a:p>
+          <a:p>
+            <a:pPr lvl="1"/>
             <a:r>
               <a:rPr dirty="0"/>
               <a:t>R Markdown documents are fully </a:t>
@@ -7375,6 +7707,22 @@
               <a:buNone/>
             </a:pPr>
             <a:r>
+              <a:rPr lang="zh-CN" altLang="en-US" dirty="0"/>
+              <a:t>可以把文本</a:t>
+            </a:r>
+            <a:r>
+              <a:rPr lang="en-US" altLang="zh-CN" dirty="0"/>
+              <a:t>+</a:t>
+            </a:r>
+            <a:r>
+              <a:rPr lang="zh-CN" altLang="en-US" dirty="0"/>
+              <a:t>代码优雅的输出成你需要的格式</a:t>
+            </a:r>
+            <a:endParaRPr lang="en-US" dirty="0"/>
+          </a:p>
+          <a:p>
+            <a:pPr lvl="1"/>
+            <a:r>
               <a:rPr dirty="0"/>
               <a:t>Use a productive notebook interface to weave together narrative text and code to produce elegantly formatted output.</a:t>
             </a:r>
@@ -7384,19 +7732,40 @@
               <a:buNone/>
             </a:pPr>
             <a:r>
+              <a:rPr lang="zh-CN" altLang="en-US" dirty="0"/>
+              <a:t>支持多种程序语言，包括</a:t>
+            </a:r>
+            <a:r>
+              <a:rPr lang="en-US" altLang="zh-CN" dirty="0"/>
+              <a:t>R</a:t>
+            </a:r>
+            <a:r>
+              <a:rPr lang="zh-CN" altLang="en-US" dirty="0"/>
+              <a:t>，</a:t>
+            </a:r>
+            <a:r>
+              <a:rPr lang="en-US" altLang="zh-CN" dirty="0"/>
+              <a:t>python</a:t>
+            </a:r>
+            <a:r>
+              <a:rPr lang="zh-CN" altLang="en-US" dirty="0"/>
+              <a:t>，</a:t>
+            </a:r>
+            <a:r>
+              <a:rPr lang="en-US" altLang="zh-CN" dirty="0"/>
+              <a:t>SQL</a:t>
+            </a:r>
+            <a:r>
+              <a:rPr lang="zh-CN" altLang="en-US" dirty="0"/>
+              <a:t>等</a:t>
+            </a:r>
+            <a:endParaRPr lang="en-US" dirty="0"/>
+          </a:p>
+          <a:p>
+            <a:pPr lvl="1"/>
+            <a:r>
               <a:rPr dirty="0"/>
               <a:t>Use multiple languages including R, Python, and SQL.</a:t>
-            </a:r>
-          </a:p>
-          <a:p>
-            <a:pPr marL="0" lvl="0" indent="0">
-              <a:buNone/>
-            </a:pPr>
-            <a:r>
-              <a:rPr dirty="0">
-                <a:hlinkClick r:id="rId2"/>
-              </a:rPr>
-              <a:t>https://rmarkdown.rstudio.com/</a:t>
             </a:r>
           </a:p>
         </p:txBody>
@@ -7597,24 +7966,18 @@
       </p:grpSpPr>
       <p:sp>
         <p:nvSpPr>
-          <p:cNvPr id="11" name="Title 1">
-            <a:extLst>
-              <a:ext uri="{FF2B5EF4-FFF2-40B4-BE49-F238E27FC236}">
-                <a16:creationId xmlns:a16="http://schemas.microsoft.com/office/drawing/2014/main" id="{2391D614-6EEB-4C42-A746-C9FB67E11481}"/>
-              </a:ext>
-            </a:extLst>
-          </p:cNvPr>
+          <p:cNvPr id="7" name="Title 1"/>
           <p:cNvSpPr>
             <a:spLocks noGrp="1"/>
           </p:cNvSpPr>
           <p:nvPr>
-            <p:ph type="title"/>
+            <p:ph type="ctrTitle"/>
           </p:nvPr>
         </p:nvSpPr>
         <p:spPr>
           <a:xfrm>
-            <a:off x="838199" y="362260"/>
-            <a:ext cx="6304722" cy="637553"/>
+            <a:off x="1766325" y="4036880"/>
+            <a:ext cx="8463639" cy="862715"/>
           </a:xfrm>
         </p:spPr>
         <p:txBody>
@@ -7625,66 +7988,7 @@
               <a:buNone/>
             </a:pPr>
             <a:r>
-              <a:t>R Markdown workflow</a:t>
-            </a:r>
-          </a:p>
-        </p:txBody>
-      </p:sp>
-      <p:pic>
-        <p:nvPicPr>
-          <p:cNvPr id="2" name="Picture 1" descr="workflow.png"/>
-          <p:cNvPicPr>
-            <a:picLocks noGrp="1" noChangeAspect="1"/>
-          </p:cNvPicPr>
-          <p:nvPr/>
-        </p:nvPicPr>
-        <p:blipFill>
-          <a:blip r:embed="rId2"/>
-          <a:stretch>
-            <a:fillRect/>
-          </a:stretch>
-        </p:blipFill>
-        <p:spPr bwMode="auto">
-          <a:xfrm>
-            <a:off x="1549400" y="1816100"/>
-            <a:ext cx="9398000" cy="3835400"/>
-          </a:xfrm>
-          <a:prstGeom prst="rect">
-            <a:avLst/>
-          </a:prstGeom>
-          <a:noFill/>
-          <a:ln w="9525">
-            <a:noFill/>
-            <a:headEnd/>
-            <a:tailEnd/>
-          </a:ln>
-        </p:spPr>
-      </p:pic>
-      <p:sp>
-        <p:nvSpPr>
-          <p:cNvPr id="3" name="TextBox 3"/>
-          <p:cNvSpPr txBox="1"/>
-          <p:nvPr/>
-        </p:nvSpPr>
-        <p:spPr>
-          <a:xfrm>
-            <a:off x="825500" y="5651500"/>
-            <a:ext cx="10858500" cy="508000"/>
-          </a:xfrm>
-          <a:prstGeom prst="rect">
-            <a:avLst/>
-          </a:prstGeom>
-          <a:noFill/>
-        </p:spPr>
-        <p:txBody>
-          <a:bodyPr/>
-          <a:lstStyle/>
-          <a:p>
-            <a:pPr marL="0" lvl="0" indent="0" algn="ctr">
-              <a:buNone/>
-            </a:pPr>
-            <a:r>
-              <a:t>workflow</a:t>
+              <a:t>这门课适合谁?</a:t>
             </a:r>
           </a:p>
         </p:txBody>

--- a/slides/00.Introduction/00.pptx
+++ b/slides/00.Introduction/00.pptx
@@ -13,23 +13,21 @@
     <p:sldId id="261" r:id="rId7"/>
     <p:sldId id="262" r:id="rId8"/>
     <p:sldId id="263" r:id="rId9"/>
-    <p:sldId id="265" r:id="rId10"/>
-    <p:sldId id="266" r:id="rId11"/>
-    <p:sldId id="267" r:id="rId12"/>
-    <p:sldId id="268" r:id="rId13"/>
-    <p:sldId id="264" r:id="rId14"/>
-    <p:sldId id="269" r:id="rId15"/>
-    <p:sldId id="271" r:id="rId16"/>
-    <p:sldId id="272" r:id="rId17"/>
-    <p:sldId id="273" r:id="rId18"/>
-    <p:sldId id="274" r:id="rId19"/>
-    <p:sldId id="275" r:id="rId20"/>
-    <p:sldId id="276" r:id="rId21"/>
-    <p:sldId id="277" r:id="rId22"/>
-    <p:sldId id="278" r:id="rId23"/>
-    <p:sldId id="279" r:id="rId24"/>
-    <p:sldId id="280" r:id="rId25"/>
-    <p:sldId id="281" r:id="rId26"/>
+    <p:sldId id="268" r:id="rId10"/>
+    <p:sldId id="264" r:id="rId11"/>
+    <p:sldId id="269" r:id="rId12"/>
+    <p:sldId id="265" r:id="rId13"/>
+    <p:sldId id="267" r:id="rId14"/>
+    <p:sldId id="271" r:id="rId15"/>
+    <p:sldId id="272" r:id="rId16"/>
+    <p:sldId id="274" r:id="rId17"/>
+    <p:sldId id="275" r:id="rId18"/>
+    <p:sldId id="276" r:id="rId19"/>
+    <p:sldId id="277" r:id="rId20"/>
+    <p:sldId id="278" r:id="rId21"/>
+    <p:sldId id="279" r:id="rId22"/>
+    <p:sldId id="280" r:id="rId23"/>
+    <p:sldId id="281" r:id="rId24"/>
   </p:sldIdLst>
   <p:sldSz cx="12192000" cy="6858000"/>
   <p:notesSz cx="6858000" cy="9144000"/>
@@ -190,7 +188,7 @@
             <a:fld id="{ECD19FB2-3AAB-4D03-B13A-2960828C78E3}" type="datetimeFigureOut">
               <a:rPr lang="en-US" smtClean="0"/>
               <a:pPr/>
-              <a:t>3/14/2021</a:t>
+              <a:t>3/17/2021</a:t>
             </a:fld>
             <a:endParaRPr lang="en-US" dirty="0"/>
           </a:p>
@@ -534,7 +532,7 @@
             <a:fld id="{99916976-5D93-46E4-A98A-FAD63E4D0EA8}" type="datetimeFigureOut">
               <a:rPr lang="en-US" smtClean="0"/>
               <a:pPr/>
-              <a:t>3/14/2021</a:t>
+              <a:t>3/17/2021</a:t>
             </a:fld>
             <a:endParaRPr lang="en-US" dirty="0"/>
           </a:p>
@@ -660,7 +658,7 @@
               <a:buClr>
                 <a:srgbClr val="1296DB"/>
               </a:buClr>
-              <a:defRPr sz="2600">
+              <a:defRPr sz="2400">
                 <a:latin typeface="等线" panose="02010600030101010101" pitchFamily="2" charset="-122"/>
                 <a:ea typeface="等线" panose="02010600030101010101" pitchFamily="2" charset="-122"/>
               </a:defRPr>
@@ -678,7 +676,7 @@
               <a:buClr>
                 <a:srgbClr val="1296DB"/>
               </a:buClr>
-              <a:defRPr sz="2400">
+              <a:defRPr sz="2000">
                 <a:latin typeface="等线" panose="02010600030101010101" pitchFamily="2" charset="-122"/>
                 <a:ea typeface="等线" panose="02010600030101010101" pitchFamily="2" charset="-122"/>
               </a:defRPr>
@@ -696,7 +694,7 @@
               <a:buClr>
                 <a:srgbClr val="1296DB"/>
               </a:buClr>
-              <a:defRPr>
+              <a:defRPr sz="1800">
                 <a:latin typeface="等线" panose="02010600030101010101" pitchFamily="2" charset="-122"/>
                 <a:ea typeface="等线" panose="02010600030101010101" pitchFamily="2" charset="-122"/>
               </a:defRPr>
@@ -1485,7 +1483,7 @@
           <a:p>
             <a:fld id="{D23BC6CE-6D1E-47E5-8859-F31AC5380EB2}" type="datetimeFigureOut">
               <a:rPr lang="en-US" dirty="0"/>
-              <a:t>3/14/2021</a:t>
+              <a:t>3/17/2021</a:t>
             </a:fld>
             <a:endParaRPr lang="en-US" dirty="0"/>
           </a:p>
@@ -1820,7 +1818,7 @@
           <a:p>
             <a:fld id="{51CF1133-3259-4C45-BABA-5B62D9C6F78D}" type="datetimeFigureOut">
               <a:rPr lang="en-US" dirty="0"/>
-              <a:t>3/14/2021</a:t>
+              <a:t>3/17/2021</a:t>
             </a:fld>
             <a:endParaRPr lang="en-US" dirty="0"/>
           </a:p>
@@ -2372,51 +2370,599 @@
               <a:buNone/>
             </a:pPr>
             <a:r>
-              <a:t>我的初衷</a:t>
+              <a:rPr dirty="0"/>
+              <a:t>R Markdown workflow</a:t>
+            </a:r>
+          </a:p>
+        </p:txBody>
+      </p:sp>
+      <p:pic>
+        <p:nvPicPr>
+          <p:cNvPr id="2" name="Picture 1" descr="workflow.png"/>
+          <p:cNvPicPr>
+            <a:picLocks noGrp="1" noChangeAspect="1"/>
+          </p:cNvPicPr>
+          <p:nvPr/>
+        </p:nvPicPr>
+        <p:blipFill>
+          <a:blip r:embed="rId2"/>
+          <a:stretch>
+            <a:fillRect/>
+          </a:stretch>
+        </p:blipFill>
+        <p:spPr bwMode="auto">
+          <a:xfrm>
+            <a:off x="1085574" y="1272761"/>
+            <a:ext cx="9398000" cy="3835400"/>
+          </a:xfrm>
+          <a:prstGeom prst="rect">
+            <a:avLst/>
+          </a:prstGeom>
+          <a:noFill/>
+          <a:ln w="9525">
+            <a:noFill/>
+            <a:headEnd/>
+            <a:tailEnd/>
+          </a:ln>
+        </p:spPr>
+      </p:pic>
+      <p:sp>
+        <p:nvSpPr>
+          <p:cNvPr id="4" name="矩形 3">
+            <a:extLst>
+              <a:ext uri="{FF2B5EF4-FFF2-40B4-BE49-F238E27FC236}">
+                <a16:creationId xmlns:a16="http://schemas.microsoft.com/office/drawing/2014/main" id="{CF8A61CB-EA61-4FF8-8693-DF232688C43D}"/>
+              </a:ext>
+            </a:extLst>
+          </p:cNvPr>
+          <p:cNvSpPr/>
+          <p:nvPr/>
+        </p:nvSpPr>
+        <p:spPr>
+          <a:xfrm>
+            <a:off x="984285" y="5150206"/>
+            <a:ext cx="1424609" cy="508000"/>
+          </a:xfrm>
+          <a:prstGeom prst="rect">
+            <a:avLst/>
+          </a:prstGeom>
+          <a:noFill/>
+          <a:ln>
+            <a:noFill/>
+          </a:ln>
+        </p:spPr>
+        <p:style>
+          <a:lnRef idx="2">
+            <a:schemeClr val="accent1">
+              <a:shade val="50000"/>
+            </a:schemeClr>
+          </a:lnRef>
+          <a:fillRef idx="1">
+            <a:schemeClr val="accent1"/>
+          </a:fillRef>
+          <a:effectRef idx="0">
+            <a:schemeClr val="accent1"/>
+          </a:effectRef>
+          <a:fontRef idx="minor">
+            <a:schemeClr val="lt1"/>
+          </a:fontRef>
+        </p:style>
+        <p:txBody>
+          <a:bodyPr rtlCol="0" anchor="ctr"/>
+          <a:lstStyle/>
+          <a:p>
+            <a:pPr algn="ctr"/>
+            <a:r>
+              <a:rPr lang="zh-CN" altLang="en-US" sz="2000" dirty="0">
+                <a:solidFill>
+                  <a:schemeClr val="bg1">
+                    <a:lumMod val="75000"/>
+                    <a:lumOff val="25000"/>
+                  </a:schemeClr>
+                </a:solidFill>
+                <a:latin typeface="微软雅黑" panose="020B0503020204020204" pitchFamily="34" charset="-122"/>
+                <a:ea typeface="微软雅黑" panose="020B0503020204020204" pitchFamily="34" charset="-122"/>
+              </a:rPr>
+              <a:t>读取数据</a:t>
             </a:r>
           </a:p>
         </p:txBody>
       </p:sp>
       <p:sp>
         <p:nvSpPr>
-          <p:cNvPr id="12" name="Content Placeholder 2">
+          <p:cNvPr id="6" name="矩形 5">
             <a:extLst>
               <a:ext uri="{FF2B5EF4-FFF2-40B4-BE49-F238E27FC236}">
-                <a16:creationId xmlns:a16="http://schemas.microsoft.com/office/drawing/2014/main" id="{91E23ACD-CC52-4FE4-A28E-15DDE627EE00}"/>
+                <a16:creationId xmlns:a16="http://schemas.microsoft.com/office/drawing/2014/main" id="{11FFBFA6-205C-4AC2-BA30-6F3F8ADDA703}"/>
               </a:ext>
             </a:extLst>
           </p:cNvPr>
-          <p:cNvSpPr>
-            <a:spLocks noGrp="1"/>
-          </p:cNvSpPr>
-          <p:nvPr>
-            <p:ph idx="1"/>
-          </p:nvPr>
+          <p:cNvSpPr/>
+          <p:nvPr/>
         </p:nvSpPr>
-        <p:spPr/>
+        <p:spPr>
+          <a:xfrm>
+            <a:off x="3467447" y="5146136"/>
+            <a:ext cx="1424609" cy="508000"/>
+          </a:xfrm>
+          <a:prstGeom prst="rect">
+            <a:avLst/>
+          </a:prstGeom>
+          <a:noFill/>
+          <a:ln>
+            <a:noFill/>
+          </a:ln>
+        </p:spPr>
+        <p:style>
+          <a:lnRef idx="2">
+            <a:schemeClr val="accent1">
+              <a:shade val="50000"/>
+            </a:schemeClr>
+          </a:lnRef>
+          <a:fillRef idx="1">
+            <a:schemeClr val="accent1"/>
+          </a:fillRef>
+          <a:effectRef idx="0">
+            <a:schemeClr val="accent1"/>
+          </a:effectRef>
+          <a:fontRef idx="minor">
+            <a:schemeClr val="lt1"/>
+          </a:fontRef>
+        </p:style>
         <p:txBody>
-          <a:bodyPr/>
+          <a:bodyPr rtlCol="0" anchor="ctr"/>
           <a:lstStyle/>
           <a:p>
-            <a:pPr lvl="1"/>
-            <a:r>
-              <a:t>支持开源，支持R的学习</a:t>
-            </a:r>
-          </a:p>
-          <a:p>
-            <a:pPr lvl="1"/>
-            <a:r>
-              <a:t>推动R Markdown中国化</a:t>
-            </a:r>
-          </a:p>
-          <a:p>
-            <a:pPr lvl="1"/>
-            <a:r>
-              <a:t>开拓思维、提高效率</a:t>
+            <a:pPr algn="ctr"/>
+            <a:r>
+              <a:rPr lang="zh-CN" altLang="en-US" sz="2000" dirty="0">
+                <a:solidFill>
+                  <a:schemeClr val="bg1">
+                    <a:lumMod val="75000"/>
+                    <a:lumOff val="25000"/>
+                  </a:schemeClr>
+                </a:solidFill>
+                <a:latin typeface="微软雅黑" panose="020B0503020204020204" pitchFamily="34" charset="-122"/>
+                <a:ea typeface="微软雅黑" panose="020B0503020204020204" pitchFamily="34" charset="-122"/>
+              </a:rPr>
+              <a:t>清洗数据</a:t>
             </a:r>
           </a:p>
         </p:txBody>
       </p:sp>
+      <p:sp>
+        <p:nvSpPr>
+          <p:cNvPr id="7" name="矩形 6">
+            <a:extLst>
+              <a:ext uri="{FF2B5EF4-FFF2-40B4-BE49-F238E27FC236}">
+                <a16:creationId xmlns:a16="http://schemas.microsoft.com/office/drawing/2014/main" id="{A5C1C772-3043-4216-8B57-3FBAA1323DE9}"/>
+              </a:ext>
+            </a:extLst>
+          </p:cNvPr>
+          <p:cNvSpPr/>
+          <p:nvPr/>
+        </p:nvSpPr>
+        <p:spPr>
+          <a:xfrm>
+            <a:off x="6096000" y="5150088"/>
+            <a:ext cx="1424609" cy="508000"/>
+          </a:xfrm>
+          <a:prstGeom prst="rect">
+            <a:avLst/>
+          </a:prstGeom>
+          <a:noFill/>
+          <a:ln>
+            <a:noFill/>
+          </a:ln>
+        </p:spPr>
+        <p:style>
+          <a:lnRef idx="2">
+            <a:schemeClr val="accent1">
+              <a:shade val="50000"/>
+            </a:schemeClr>
+          </a:lnRef>
+          <a:fillRef idx="1">
+            <a:schemeClr val="accent1"/>
+          </a:fillRef>
+          <a:effectRef idx="0">
+            <a:schemeClr val="accent1"/>
+          </a:effectRef>
+          <a:fontRef idx="minor">
+            <a:schemeClr val="lt1"/>
+          </a:fontRef>
+        </p:style>
+        <p:txBody>
+          <a:bodyPr rtlCol="0" anchor="ctr"/>
+          <a:lstStyle/>
+          <a:p>
+            <a:pPr algn="ctr"/>
+            <a:r>
+              <a:rPr lang="zh-CN" altLang="en-US" sz="2000" dirty="0">
+                <a:solidFill>
+                  <a:schemeClr val="bg1">
+                    <a:lumMod val="75000"/>
+                    <a:lumOff val="25000"/>
+                  </a:schemeClr>
+                </a:solidFill>
+                <a:latin typeface="微软雅黑" panose="020B0503020204020204" pitchFamily="34" charset="-122"/>
+                <a:ea typeface="微软雅黑" panose="020B0503020204020204" pitchFamily="34" charset="-122"/>
+              </a:rPr>
+              <a:t>分析数据</a:t>
+            </a:r>
+          </a:p>
+        </p:txBody>
+      </p:sp>
+      <p:sp>
+        <p:nvSpPr>
+          <p:cNvPr id="8" name="矩形 7">
+            <a:extLst>
+              <a:ext uri="{FF2B5EF4-FFF2-40B4-BE49-F238E27FC236}">
+                <a16:creationId xmlns:a16="http://schemas.microsoft.com/office/drawing/2014/main" id="{C7D103B1-EEA7-44CA-99F1-124E0DE3020C}"/>
+              </a:ext>
+            </a:extLst>
+          </p:cNvPr>
+          <p:cNvSpPr/>
+          <p:nvPr/>
+        </p:nvSpPr>
+        <p:spPr>
+          <a:xfrm>
+            <a:off x="9058965" y="5150088"/>
+            <a:ext cx="1424609" cy="508000"/>
+          </a:xfrm>
+          <a:prstGeom prst="rect">
+            <a:avLst/>
+          </a:prstGeom>
+          <a:noFill/>
+          <a:ln>
+            <a:noFill/>
+          </a:ln>
+        </p:spPr>
+        <p:style>
+          <a:lnRef idx="2">
+            <a:schemeClr val="accent1">
+              <a:shade val="50000"/>
+            </a:schemeClr>
+          </a:lnRef>
+          <a:fillRef idx="1">
+            <a:schemeClr val="accent1"/>
+          </a:fillRef>
+          <a:effectRef idx="0">
+            <a:schemeClr val="accent1"/>
+          </a:effectRef>
+          <a:fontRef idx="minor">
+            <a:schemeClr val="lt1"/>
+          </a:fontRef>
+        </p:style>
+        <p:txBody>
+          <a:bodyPr rtlCol="0" anchor="ctr"/>
+          <a:lstStyle/>
+          <a:p>
+            <a:pPr algn="ctr"/>
+            <a:r>
+              <a:rPr lang="zh-CN" altLang="en-US" sz="2000" dirty="0">
+                <a:solidFill>
+                  <a:schemeClr val="bg1">
+                    <a:lumMod val="75000"/>
+                    <a:lumOff val="25000"/>
+                  </a:schemeClr>
+                </a:solidFill>
+                <a:latin typeface="微软雅黑" panose="020B0503020204020204" pitchFamily="34" charset="-122"/>
+                <a:ea typeface="微软雅黑" panose="020B0503020204020204" pitchFamily="34" charset="-122"/>
+              </a:rPr>
+              <a:t>写作展示</a:t>
+            </a:r>
+          </a:p>
+        </p:txBody>
+      </p:sp>
+      <p:sp>
+        <p:nvSpPr>
+          <p:cNvPr id="9" name="文本框 8">
+            <a:extLst>
+              <a:ext uri="{FF2B5EF4-FFF2-40B4-BE49-F238E27FC236}">
+                <a16:creationId xmlns:a16="http://schemas.microsoft.com/office/drawing/2014/main" id="{E13308EA-7841-4DB1-A240-F310B7BF776A}"/>
+              </a:ext>
+            </a:extLst>
+          </p:cNvPr>
+          <p:cNvSpPr txBox="1"/>
+          <p:nvPr/>
+        </p:nvSpPr>
+        <p:spPr>
+          <a:xfrm>
+            <a:off x="1085574" y="5840886"/>
+            <a:ext cx="6094562" cy="369332"/>
+          </a:xfrm>
+          <a:prstGeom prst="rect">
+            <a:avLst/>
+          </a:prstGeom>
+          <a:noFill/>
+          <a:ln>
+            <a:noFill/>
+          </a:ln>
+        </p:spPr>
+        <p:style>
+          <a:lnRef idx="2">
+            <a:schemeClr val="accent1">
+              <a:shade val="50000"/>
+            </a:schemeClr>
+          </a:lnRef>
+          <a:fillRef idx="1">
+            <a:schemeClr val="accent1"/>
+          </a:fillRef>
+          <a:effectRef idx="0">
+            <a:schemeClr val="accent1"/>
+          </a:effectRef>
+          <a:fontRef idx="minor">
+            <a:schemeClr val="lt1"/>
+          </a:fontRef>
+        </p:style>
+        <p:txBody>
+          <a:bodyPr rtlCol="0" anchor="ctr"/>
+          <a:lstStyle>
+            <a:defPPr>
+              <a:defRPr lang="en-US"/>
+            </a:defPPr>
+            <a:lvl1pPr algn="ctr">
+              <a:defRPr sz="2000">
+                <a:solidFill>
+                  <a:schemeClr val="bg1">
+                    <a:lumMod val="75000"/>
+                    <a:lumOff val="25000"/>
+                  </a:schemeClr>
+                </a:solidFill>
+                <a:latin typeface="微软雅黑" panose="020B0503020204020204" pitchFamily="34" charset="-122"/>
+                <a:ea typeface="微软雅黑" panose="020B0503020204020204" pitchFamily="34" charset="-122"/>
+              </a:defRPr>
+            </a:lvl1pPr>
+            <a:lvl2pPr>
+              <a:defRPr>
+                <a:solidFill>
+                  <a:schemeClr val="lt1"/>
+                </a:solidFill>
+              </a:defRPr>
+            </a:lvl2pPr>
+            <a:lvl3pPr>
+              <a:defRPr>
+                <a:solidFill>
+                  <a:schemeClr val="lt1"/>
+                </a:solidFill>
+              </a:defRPr>
+            </a:lvl3pPr>
+            <a:lvl4pPr>
+              <a:defRPr>
+                <a:solidFill>
+                  <a:schemeClr val="lt1"/>
+                </a:solidFill>
+              </a:defRPr>
+            </a:lvl4pPr>
+            <a:lvl5pPr>
+              <a:defRPr>
+                <a:solidFill>
+                  <a:schemeClr val="lt1"/>
+                </a:solidFill>
+              </a:defRPr>
+            </a:lvl5pPr>
+            <a:lvl6pPr>
+              <a:defRPr>
+                <a:solidFill>
+                  <a:schemeClr val="lt1"/>
+                </a:solidFill>
+              </a:defRPr>
+            </a:lvl6pPr>
+            <a:lvl7pPr>
+              <a:defRPr>
+                <a:solidFill>
+                  <a:schemeClr val="lt1"/>
+                </a:solidFill>
+              </a:defRPr>
+            </a:lvl7pPr>
+            <a:lvl8pPr>
+              <a:defRPr>
+                <a:solidFill>
+                  <a:schemeClr val="lt1"/>
+                </a:solidFill>
+              </a:defRPr>
+            </a:lvl8pPr>
+            <a:lvl9pPr>
+              <a:defRPr>
+                <a:solidFill>
+                  <a:schemeClr val="lt1"/>
+                </a:solidFill>
+              </a:defRPr>
+            </a:lvl9pPr>
+          </a:lstStyle>
+          <a:p>
+            <a:pPr marL="0" lvl="1"/>
+            <a:r>
+              <a:rPr lang="zh-CN" altLang="en-US" sz="2000" dirty="0">
+                <a:solidFill>
+                  <a:schemeClr val="bg1">
+                    <a:lumMod val="75000"/>
+                    <a:lumOff val="25000"/>
+                  </a:schemeClr>
+                </a:solidFill>
+                <a:latin typeface="微软雅黑" panose="020B0503020204020204" pitchFamily="34" charset="-122"/>
+                <a:ea typeface="微软雅黑" panose="020B0503020204020204" pitchFamily="34" charset="-122"/>
+              </a:rPr>
+              <a:t>支持开源和学术透明、推动</a:t>
+            </a:r>
+            <a:r>
+              <a:rPr lang="en-US" altLang="zh-CN" sz="2000" dirty="0">
+                <a:solidFill>
+                  <a:schemeClr val="bg1">
+                    <a:lumMod val="75000"/>
+                    <a:lumOff val="25000"/>
+                  </a:schemeClr>
+                </a:solidFill>
+                <a:latin typeface="微软雅黑" panose="020B0503020204020204" pitchFamily="34" charset="-122"/>
+                <a:ea typeface="微软雅黑" panose="020B0503020204020204" pitchFamily="34" charset="-122"/>
+              </a:rPr>
+              <a:t>R</a:t>
+            </a:r>
+            <a:r>
+              <a:rPr lang="zh-CN" altLang="en-US" sz="2000" dirty="0">
+                <a:solidFill>
+                  <a:schemeClr val="bg1">
+                    <a:lumMod val="75000"/>
+                    <a:lumOff val="25000"/>
+                  </a:schemeClr>
+                </a:solidFill>
+                <a:latin typeface="微软雅黑" panose="020B0503020204020204" pitchFamily="34" charset="-122"/>
+                <a:ea typeface="微软雅黑" panose="020B0503020204020204" pitchFamily="34" charset="-122"/>
+              </a:rPr>
+              <a:t> </a:t>
+            </a:r>
+            <a:r>
+              <a:rPr lang="en-US" altLang="zh-CN" sz="2000" dirty="0">
+                <a:solidFill>
+                  <a:schemeClr val="bg1">
+                    <a:lumMod val="75000"/>
+                    <a:lumOff val="25000"/>
+                  </a:schemeClr>
+                </a:solidFill>
+                <a:latin typeface="微软雅黑" panose="020B0503020204020204" pitchFamily="34" charset="-122"/>
+                <a:ea typeface="微软雅黑" panose="020B0503020204020204" pitchFamily="34" charset="-122"/>
+              </a:rPr>
+              <a:t>Markdown</a:t>
+            </a:r>
+            <a:r>
+              <a:rPr lang="zh-CN" altLang="en-US" sz="2000" dirty="0">
+                <a:solidFill>
+                  <a:schemeClr val="bg1">
+                    <a:lumMod val="75000"/>
+                    <a:lumOff val="25000"/>
+                  </a:schemeClr>
+                </a:solidFill>
+                <a:latin typeface="微软雅黑" panose="020B0503020204020204" pitchFamily="34" charset="-122"/>
+                <a:ea typeface="微软雅黑" panose="020B0503020204020204" pitchFamily="34" charset="-122"/>
+              </a:rPr>
+              <a:t>中国化</a:t>
+            </a:r>
+          </a:p>
+        </p:txBody>
+      </p:sp>
+      <p:cxnSp>
+        <p:nvCxnSpPr>
+          <p:cNvPr id="10" name="直接箭头连接符 9">
+            <a:extLst>
+              <a:ext uri="{FF2B5EF4-FFF2-40B4-BE49-F238E27FC236}">
+                <a16:creationId xmlns:a16="http://schemas.microsoft.com/office/drawing/2014/main" id="{4F73E171-9720-48FC-A23B-38E079411025}"/>
+              </a:ext>
+            </a:extLst>
+          </p:cNvPr>
+          <p:cNvCxnSpPr>
+            <a:stCxn id="4" idx="3"/>
+          </p:cNvCxnSpPr>
+          <p:nvPr/>
+        </p:nvCxnSpPr>
+        <p:spPr>
+          <a:xfrm flipV="1">
+            <a:off x="2408894" y="5400136"/>
+            <a:ext cx="1058925" cy="4070"/>
+          </a:xfrm>
+          <a:prstGeom prst="straightConnector1">
+            <a:avLst/>
+          </a:prstGeom>
+          <a:ln>
+            <a:tailEnd type="triangle"/>
+          </a:ln>
+        </p:spPr>
+        <p:style>
+          <a:lnRef idx="3">
+            <a:schemeClr val="accent1"/>
+          </a:lnRef>
+          <a:fillRef idx="0">
+            <a:schemeClr val="accent1"/>
+          </a:fillRef>
+          <a:effectRef idx="2">
+            <a:schemeClr val="accent1"/>
+          </a:effectRef>
+          <a:fontRef idx="minor">
+            <a:schemeClr val="tx1"/>
+          </a:fontRef>
+        </p:style>
+      </p:cxnSp>
+      <p:cxnSp>
+        <p:nvCxnSpPr>
+          <p:cNvPr id="12" name="直接箭头连接符 11">
+            <a:extLst>
+              <a:ext uri="{FF2B5EF4-FFF2-40B4-BE49-F238E27FC236}">
+                <a16:creationId xmlns:a16="http://schemas.microsoft.com/office/drawing/2014/main" id="{F3DFD8AD-D118-44B2-87DB-A9625F4AF9AE}"/>
+              </a:ext>
+            </a:extLst>
+          </p:cNvPr>
+          <p:cNvCxnSpPr>
+            <a:cxnSpLocks/>
+          </p:cNvCxnSpPr>
+          <p:nvPr/>
+        </p:nvCxnSpPr>
+        <p:spPr>
+          <a:xfrm flipV="1">
+            <a:off x="4892056" y="5400136"/>
+            <a:ext cx="1058925" cy="4070"/>
+          </a:xfrm>
+          <a:prstGeom prst="straightConnector1">
+            <a:avLst/>
+          </a:prstGeom>
+          <a:ln>
+            <a:tailEnd type="triangle"/>
+          </a:ln>
+        </p:spPr>
+        <p:style>
+          <a:lnRef idx="3">
+            <a:schemeClr val="accent1"/>
+          </a:lnRef>
+          <a:fillRef idx="0">
+            <a:schemeClr val="accent1"/>
+          </a:fillRef>
+          <a:effectRef idx="2">
+            <a:schemeClr val="accent1"/>
+          </a:effectRef>
+          <a:fontRef idx="minor">
+            <a:schemeClr val="tx1"/>
+          </a:fontRef>
+        </p:style>
+      </p:cxnSp>
+      <p:cxnSp>
+        <p:nvCxnSpPr>
+          <p:cNvPr id="14" name="直接箭头连接符 13">
+            <a:extLst>
+              <a:ext uri="{FF2B5EF4-FFF2-40B4-BE49-F238E27FC236}">
+                <a16:creationId xmlns:a16="http://schemas.microsoft.com/office/drawing/2014/main" id="{82F9F40A-AC3F-4290-8D88-70B58019DD2D}"/>
+              </a:ext>
+            </a:extLst>
+          </p:cNvPr>
+          <p:cNvCxnSpPr>
+            <a:cxnSpLocks/>
+          </p:cNvCxnSpPr>
+          <p:nvPr/>
+        </p:nvCxnSpPr>
+        <p:spPr>
+          <a:xfrm flipV="1">
+            <a:off x="7665628" y="5400136"/>
+            <a:ext cx="1058925" cy="4070"/>
+          </a:xfrm>
+          <a:prstGeom prst="straightConnector1">
+            <a:avLst/>
+          </a:prstGeom>
+          <a:ln>
+            <a:tailEnd type="triangle"/>
+          </a:ln>
+        </p:spPr>
+        <p:style>
+          <a:lnRef idx="3">
+            <a:schemeClr val="accent1"/>
+          </a:lnRef>
+          <a:fillRef idx="0">
+            <a:schemeClr val="accent1"/>
+          </a:fillRef>
+          <a:effectRef idx="2">
+            <a:schemeClr val="accent1"/>
+          </a:effectRef>
+          <a:fontRef idx="minor">
+            <a:schemeClr val="tx1"/>
+          </a:fontRef>
+        </p:style>
+      </p:cxnSp>
     </p:spTree>
   </p:cSld>
   <p:clrMapOvr>
@@ -2472,13 +3018,10 @@
               <a:buNone/>
             </a:pPr>
             <a:r>
-              <a:rPr dirty="0" err="1"/>
-              <a:t>适合谁来学</a:t>
-            </a:r>
-            <a:r>
-              <a:rPr dirty="0"/>
-              <a:t>？</a:t>
-            </a:r>
+              <a:rPr lang="zh-CN" altLang="en-US" dirty="0"/>
+              <a:t>事半功倍</a:t>
+            </a:r>
+            <a:endParaRPr dirty="0"/>
           </a:p>
         </p:txBody>
       </p:sp>
@@ -2500,95 +3043,177 @@
         </p:nvSpPr>
         <p:spPr/>
         <p:txBody>
-          <a:bodyPr/>
+          <a:bodyPr>
+            <a:normAutofit/>
+          </a:bodyPr>
           <a:lstStyle/>
           <a:p>
-            <a:pPr lvl="1"/>
+            <a:r>
+              <a:rPr lang="zh-CN" altLang="en-US" dirty="0"/>
+              <a:t>简单易学：</a:t>
+            </a:r>
             <a:r>
               <a:rPr dirty="0" err="1"/>
-              <a:t>科研工作者（拯救科研狗</a:t>
+              <a:t>R很简单，配合tidyverse等系列包，代码可读性强</a:t>
+            </a:r>
+            <a:endParaRPr dirty="0"/>
+          </a:p>
+          <a:p>
+            <a:r>
+              <a:rPr dirty="0"/>
+              <a:t>All in one （</a:t>
+            </a:r>
+            <a:r>
+              <a:rPr dirty="0" err="1"/>
+              <a:t>鱼与熊掌，我全都要</a:t>
+            </a:r>
+            <a:r>
+              <a:rPr dirty="0"/>
+              <a:t>）：</a:t>
+            </a:r>
+            <a:r>
+              <a:rPr dirty="0" err="1"/>
+              <a:t>一个软件全都有，数据-分析-可视化-写作-展示（类似于家装全包</a:t>
             </a:r>
             <a:r>
               <a:rPr dirty="0"/>
               <a:t>）</a:t>
             </a:r>
-          </a:p>
-          <a:p>
-            <a:pPr lvl="2"/>
-            <a:r>
-              <a:rPr dirty="0" err="1"/>
-              <a:t>理工农</a:t>
-            </a:r>
-            <a:r>
-              <a:rPr b="1" dirty="0" err="1"/>
-              <a:t>医</a:t>
-            </a:r>
-            <a:r>
-              <a:rPr dirty="0" err="1"/>
-              <a:t>（别笑，是真的</a:t>
-            </a:r>
-            <a:r>
-              <a:rPr dirty="0"/>
-              <a:t>）</a:t>
-            </a:r>
-          </a:p>
-          <a:p>
-            <a:pPr lvl="2"/>
-            <a:r>
-              <a:rPr dirty="0" err="1"/>
-              <a:t>社科</a:t>
-            </a:r>
-            <a:endParaRPr dirty="0"/>
-          </a:p>
-          <a:p>
-            <a:pPr lvl="2"/>
-            <a:r>
-              <a:rPr dirty="0" err="1"/>
-              <a:t>心理</a:t>
-            </a:r>
-            <a:endParaRPr dirty="0"/>
-          </a:p>
-          <a:p>
-            <a:pPr lvl="2"/>
-            <a:r>
-              <a:rPr dirty="0" err="1"/>
-              <a:t>商业</a:t>
-            </a:r>
-            <a:endParaRPr dirty="0"/>
-          </a:p>
-          <a:p>
-            <a:pPr lvl="2"/>
-            <a:r>
-              <a:rPr dirty="0" err="1"/>
-              <a:t>经济</a:t>
-            </a:r>
-            <a:endParaRPr dirty="0"/>
+            <a:endParaRPr lang="en-US" altLang="zh-CN" dirty="0"/>
+          </a:p>
+          <a:p>
+            <a:r>
+              <a:rPr lang="zh-CN" altLang="en-US" dirty="0"/>
+              <a:t>一个残酷的现实：用统计的，往往不是学统计的。</a:t>
+            </a:r>
           </a:p>
           <a:p>
             <a:pPr lvl="1"/>
             <a:r>
-              <a:rPr dirty="0" err="1"/>
-              <a:t>研究生</a:t>
-            </a:r>
-            <a:r>
-              <a:rPr dirty="0"/>
-              <a:t>(</a:t>
-            </a:r>
-            <a:r>
-              <a:rPr dirty="0" err="1"/>
-              <a:t>同理，各学科</a:t>
-            </a:r>
-            <a:r>
-              <a:rPr dirty="0"/>
-              <a:t>)</a:t>
+              <a:rPr lang="en-US" altLang="zh-CN" dirty="0"/>
+              <a:t>R</a:t>
+            </a:r>
+            <a:r>
+              <a:rPr lang="zh-CN" altLang="en-US" dirty="0"/>
+              <a:t>语言做统计分析，是它的看家本领，非常好用！</a:t>
+            </a:r>
+          </a:p>
+          <a:p>
+            <a:r>
+              <a:rPr lang="en-US" altLang="zh-CN" dirty="0"/>
+              <a:t>R</a:t>
+            </a:r>
+            <a:r>
+              <a:rPr lang="zh-CN" altLang="en-US" dirty="0"/>
+              <a:t>的表格和可视化，是颜值担当，高大上，无出其右！</a:t>
+            </a:r>
+          </a:p>
+          <a:p>
+            <a:r>
+              <a:rPr lang="zh-CN" altLang="en-US" dirty="0"/>
+              <a:t>不论写论文、写书、写报告、</a:t>
+            </a:r>
+            <a:r>
+              <a:rPr lang="en-US" altLang="zh-CN" dirty="0"/>
+              <a:t>PPT</a:t>
+            </a:r>
+            <a:r>
+              <a:rPr lang="zh-CN" altLang="en-US" dirty="0"/>
+              <a:t>，它都是让你脱颖而出的好工具！</a:t>
             </a:r>
           </a:p>
           <a:p>
             <a:pPr lvl="1"/>
             <a:r>
-              <a:rPr dirty="0" err="1"/>
-              <a:t>数据科学</a:t>
-            </a:r>
+              <a:rPr lang="zh-CN" altLang="en-US" dirty="0"/>
+              <a:t>更多期刊和作者都在使用</a:t>
+            </a:r>
+            <a:r>
+              <a:rPr lang="en-US" altLang="zh-CN" dirty="0"/>
+              <a:t>R</a:t>
+            </a:r>
+            <a:r>
+              <a:rPr lang="zh-CN" altLang="en-US" dirty="0"/>
+              <a:t> </a:t>
+            </a:r>
+            <a:r>
+              <a:rPr lang="en-US" altLang="zh-CN" dirty="0"/>
+              <a:t>Markdown</a:t>
+            </a:r>
+            <a:r>
+              <a:rPr lang="zh-CN" altLang="en-US" dirty="0"/>
+              <a:t>，学习</a:t>
+            </a:r>
+            <a:r>
+              <a:rPr lang="en-US" altLang="zh-CN" dirty="0"/>
+              <a:t>R</a:t>
+            </a:r>
+            <a:r>
+              <a:rPr lang="zh-CN" altLang="en-US" dirty="0"/>
+              <a:t> </a:t>
+            </a:r>
+            <a:r>
+              <a:rPr lang="en-US" altLang="zh-CN" dirty="0"/>
+              <a:t>Markdown</a:t>
+            </a:r>
+            <a:r>
+              <a:rPr lang="zh-CN" altLang="en-US" dirty="0"/>
+              <a:t>就是拥抱未来！</a:t>
+            </a:r>
+          </a:p>
+          <a:p>
+            <a:pPr marL="1270000" lvl="0" indent="0" algn="r">
+              <a:buNone/>
+            </a:pPr>
+            <a:r>
+              <a:rPr lang="en-US" altLang="zh-CN" sz="2000" dirty="0"/>
+              <a:t>——</a:t>
+            </a:r>
+            <a:r>
+              <a:rPr lang="zh-CN" altLang="en-US" sz="2000" dirty="0"/>
+              <a:t>参考王敏杰</a:t>
+            </a:r>
+            <a:r>
+              <a:rPr lang="en-US" altLang="zh-CN" sz="2000" dirty="0">
+                <a:hlinkClick r:id="rId2"/>
+              </a:rPr>
+              <a:t>《</a:t>
+            </a:r>
+            <a:r>
+              <a:rPr lang="zh-CN" altLang="en-US" sz="2000" dirty="0">
+                <a:hlinkClick r:id="rId2"/>
+              </a:rPr>
+              <a:t>数据科学中的 </a:t>
+            </a:r>
+            <a:r>
+              <a:rPr lang="en-US" altLang="zh-CN" sz="2000" dirty="0">
+                <a:hlinkClick r:id="rId2"/>
+              </a:rPr>
+              <a:t>R </a:t>
+            </a:r>
+            <a:r>
+              <a:rPr lang="zh-CN" altLang="en-US" sz="2000" dirty="0">
+                <a:hlinkClick r:id="rId2"/>
+              </a:rPr>
+              <a:t>语言</a:t>
+            </a:r>
+            <a:r>
+              <a:rPr lang="en-US" altLang="zh-CN" sz="2000" dirty="0">
+                <a:hlinkClick r:id="rId2"/>
+              </a:rPr>
+              <a:t>》</a:t>
+            </a:r>
+          </a:p>
+          <a:p>
+            <a:pPr marL="0" lvl="0" indent="0">
+              <a:buNone/>
+            </a:pPr>
+            <a:endParaRPr lang="en-US" altLang="zh-CN" dirty="0"/>
+          </a:p>
+          <a:p>
+            <a:pPr marL="0" lvl="0" indent="0">
+              <a:buNone/>
+            </a:pPr>
             <a:endParaRPr dirty="0"/>
           </a:p>
         </p:txBody>
@@ -2642,7 +3267,7 @@
               <a:buNone/>
             </a:pPr>
             <a:r>
-              <a:t>学这门课的价值?</a:t>
+              <a:t>这门课适合谁?</a:t>
             </a:r>
           </a:p>
         </p:txBody>
@@ -2702,285 +3327,275 @@
               <a:buNone/>
             </a:pPr>
             <a:r>
-              <a:t>R Markdown workflow</a:t>
-            </a:r>
+              <a:rPr dirty="0" err="1"/>
+              <a:t>适合谁</a:t>
+            </a:r>
+            <a:r>
+              <a:rPr dirty="0"/>
+              <a:t>？</a:t>
+            </a:r>
+          </a:p>
+        </p:txBody>
+      </p:sp>
+      <p:sp>
+        <p:nvSpPr>
+          <p:cNvPr id="12" name="Content Placeholder 2">
+            <a:extLst>
+              <a:ext uri="{FF2B5EF4-FFF2-40B4-BE49-F238E27FC236}">
+                <a16:creationId xmlns:a16="http://schemas.microsoft.com/office/drawing/2014/main" id="{91E23ACD-CC52-4FE4-A28E-15DDE627EE00}"/>
+              </a:ext>
+            </a:extLst>
+          </p:cNvPr>
+          <p:cNvSpPr>
+            <a:spLocks noGrp="1"/>
+          </p:cNvSpPr>
+          <p:nvPr>
+            <p:ph idx="1"/>
+          </p:nvPr>
+        </p:nvSpPr>
+        <p:spPr>
+          <a:xfrm>
+            <a:off x="838199" y="1818901"/>
+            <a:ext cx="10871199" cy="4351338"/>
+          </a:xfrm>
+        </p:spPr>
+        <p:txBody>
+          <a:bodyPr/>
+          <a:lstStyle/>
+          <a:p>
+            <a:pPr lvl="1"/>
+            <a:r>
+              <a:rPr sz="2400" dirty="0" err="1">
+                <a:latin typeface="微软雅黑" panose="020B0503020204020204" pitchFamily="34" charset="-122"/>
+                <a:ea typeface="微软雅黑" panose="020B0503020204020204" pitchFamily="34" charset="-122"/>
+              </a:rPr>
+              <a:t>科研工作者（拯救科研狗</a:t>
+            </a:r>
+            <a:r>
+              <a:rPr sz="2400" dirty="0">
+                <a:latin typeface="微软雅黑" panose="020B0503020204020204" pitchFamily="34" charset="-122"/>
+                <a:ea typeface="微软雅黑" panose="020B0503020204020204" pitchFamily="34" charset="-122"/>
+              </a:rPr>
+              <a:t>）</a:t>
+            </a:r>
+          </a:p>
+          <a:p>
+            <a:pPr lvl="2"/>
+            <a:r>
+              <a:rPr sz="2000" dirty="0" err="1">
+                <a:latin typeface="微软雅黑" panose="020B0503020204020204" pitchFamily="34" charset="-122"/>
+                <a:ea typeface="微软雅黑" panose="020B0503020204020204" pitchFamily="34" charset="-122"/>
+              </a:rPr>
+              <a:t>理工农</a:t>
+            </a:r>
+            <a:r>
+              <a:rPr sz="2000" b="1" dirty="0" err="1">
+                <a:latin typeface="微软雅黑" panose="020B0503020204020204" pitchFamily="34" charset="-122"/>
+                <a:ea typeface="微软雅黑" panose="020B0503020204020204" pitchFamily="34" charset="-122"/>
+              </a:rPr>
+              <a:t>医</a:t>
+            </a:r>
+            <a:endParaRPr lang="zh-CN" altLang="en-US" sz="2000" dirty="0">
+              <a:latin typeface="微软雅黑" panose="020B0503020204020204" pitchFamily="34" charset="-122"/>
+              <a:ea typeface="微软雅黑" panose="020B0503020204020204" pitchFamily="34" charset="-122"/>
+            </a:endParaRPr>
+          </a:p>
+          <a:p>
+            <a:pPr lvl="2"/>
+            <a:r>
+              <a:rPr lang="zh-CN" altLang="en-US" sz="2000" dirty="0">
+                <a:latin typeface="微软雅黑" panose="020B0503020204020204" pitchFamily="34" charset="-122"/>
+                <a:ea typeface="微软雅黑" panose="020B0503020204020204" pitchFamily="34" charset="-122"/>
+              </a:rPr>
+              <a:t>社科</a:t>
+            </a:r>
+          </a:p>
+          <a:p>
+            <a:pPr lvl="2"/>
+            <a:r>
+              <a:rPr sz="2000" dirty="0" err="1">
+                <a:latin typeface="微软雅黑" panose="020B0503020204020204" pitchFamily="34" charset="-122"/>
+                <a:ea typeface="微软雅黑" panose="020B0503020204020204" pitchFamily="34" charset="-122"/>
+              </a:rPr>
+              <a:t>心理</a:t>
+            </a:r>
+            <a:endParaRPr sz="2000" dirty="0">
+              <a:latin typeface="微软雅黑" panose="020B0503020204020204" pitchFamily="34" charset="-122"/>
+              <a:ea typeface="微软雅黑" panose="020B0503020204020204" pitchFamily="34" charset="-122"/>
+            </a:endParaRPr>
+          </a:p>
+          <a:p>
+            <a:pPr lvl="2"/>
+            <a:r>
+              <a:rPr sz="2000" dirty="0" err="1">
+                <a:latin typeface="微软雅黑" panose="020B0503020204020204" pitchFamily="34" charset="-122"/>
+                <a:ea typeface="微软雅黑" panose="020B0503020204020204" pitchFamily="34" charset="-122"/>
+              </a:rPr>
+              <a:t>商业</a:t>
+            </a:r>
+            <a:endParaRPr sz="2000" dirty="0">
+              <a:latin typeface="微软雅黑" panose="020B0503020204020204" pitchFamily="34" charset="-122"/>
+              <a:ea typeface="微软雅黑" panose="020B0503020204020204" pitchFamily="34" charset="-122"/>
+            </a:endParaRPr>
+          </a:p>
+          <a:p>
+            <a:pPr lvl="2"/>
+            <a:r>
+              <a:rPr sz="2000" dirty="0" err="1">
+                <a:latin typeface="微软雅黑" panose="020B0503020204020204" pitchFamily="34" charset="-122"/>
+                <a:ea typeface="微软雅黑" panose="020B0503020204020204" pitchFamily="34" charset="-122"/>
+              </a:rPr>
+              <a:t>经济</a:t>
+            </a:r>
+            <a:endParaRPr sz="2000" dirty="0">
+              <a:latin typeface="微软雅黑" panose="020B0503020204020204" pitchFamily="34" charset="-122"/>
+              <a:ea typeface="微软雅黑" panose="020B0503020204020204" pitchFamily="34" charset="-122"/>
+            </a:endParaRPr>
+          </a:p>
+          <a:p>
+            <a:pPr lvl="1"/>
+            <a:r>
+              <a:rPr sz="2400" dirty="0" err="1">
+                <a:latin typeface="微软雅黑" panose="020B0503020204020204" pitchFamily="34" charset="-122"/>
+                <a:ea typeface="微软雅黑" panose="020B0503020204020204" pitchFamily="34" charset="-122"/>
+              </a:rPr>
+              <a:t>研究生</a:t>
+            </a:r>
+            <a:r>
+              <a:rPr sz="2400" dirty="0">
+                <a:latin typeface="微软雅黑" panose="020B0503020204020204" pitchFamily="34" charset="-122"/>
+                <a:ea typeface="微软雅黑" panose="020B0503020204020204" pitchFamily="34" charset="-122"/>
+              </a:rPr>
+              <a:t>(</a:t>
+            </a:r>
+            <a:r>
+              <a:rPr sz="2400" dirty="0" err="1">
+                <a:latin typeface="微软雅黑" panose="020B0503020204020204" pitchFamily="34" charset="-122"/>
+                <a:ea typeface="微软雅黑" panose="020B0503020204020204" pitchFamily="34" charset="-122"/>
+              </a:rPr>
+              <a:t>同理，各学科</a:t>
+            </a:r>
+            <a:r>
+              <a:rPr sz="2400" dirty="0">
+                <a:latin typeface="微软雅黑" panose="020B0503020204020204" pitchFamily="34" charset="-122"/>
+                <a:ea typeface="微软雅黑" panose="020B0503020204020204" pitchFamily="34" charset="-122"/>
+              </a:rPr>
+              <a:t>)</a:t>
+            </a:r>
+          </a:p>
+          <a:p>
+            <a:pPr lvl="1"/>
+            <a:r>
+              <a:rPr sz="2400" dirty="0" err="1">
+                <a:latin typeface="微软雅黑" panose="020B0503020204020204" pitchFamily="34" charset="-122"/>
+                <a:ea typeface="微软雅黑" panose="020B0503020204020204" pitchFamily="34" charset="-122"/>
+              </a:rPr>
+              <a:t>数据科学</a:t>
+            </a:r>
+            <a:endParaRPr sz="2400" dirty="0">
+              <a:latin typeface="微软雅黑" panose="020B0503020204020204" pitchFamily="34" charset="-122"/>
+              <a:ea typeface="微软雅黑" panose="020B0503020204020204" pitchFamily="34" charset="-122"/>
+            </a:endParaRPr>
           </a:p>
         </p:txBody>
       </p:sp>
       <p:pic>
         <p:nvPicPr>
-          <p:cNvPr id="2" name="Picture 1" descr="workflow.png"/>
+          <p:cNvPr id="1028" name="Picture 4" descr="Image">
+            <a:extLst>
+              <a:ext uri="{FF2B5EF4-FFF2-40B4-BE49-F238E27FC236}">
+                <a16:creationId xmlns:a16="http://schemas.microsoft.com/office/drawing/2014/main" id="{B4C7B600-59C5-4658-BCD1-7BA716D3FE13}"/>
+              </a:ext>
+            </a:extLst>
+          </p:cNvPr>
           <p:cNvPicPr>
-            <a:picLocks noGrp="1" noChangeAspect="1"/>
+            <a:picLocks noChangeAspect="1" noChangeArrowheads="1"/>
           </p:cNvPicPr>
           <p:nvPr/>
         </p:nvPicPr>
         <p:blipFill>
-          <a:blip r:embed="rId2"/>
+          <a:blip r:embed="rId2">
+            <a:extLst>
+              <a:ext uri="{28A0092B-C50C-407E-A947-70E740481C1C}">
+                <a14:useLocalDpi xmlns:a14="http://schemas.microsoft.com/office/drawing/2010/main" val="0"/>
+              </a:ext>
+            </a:extLst>
+          </a:blip>
+          <a:srcRect/>
           <a:stretch>
             <a:fillRect/>
           </a:stretch>
         </p:blipFill>
         <p:spPr bwMode="auto">
           <a:xfrm>
-            <a:off x="1085574" y="1272761"/>
-            <a:ext cx="9398000" cy="3835400"/>
+            <a:off x="7122433" y="1445559"/>
+            <a:ext cx="4586965" cy="4570039"/>
           </a:xfrm>
           <a:prstGeom prst="rect">
             <a:avLst/>
           </a:prstGeom>
           <a:noFill/>
-          <a:ln w="9525">
-            <a:noFill/>
-            <a:headEnd/>
-            <a:tailEnd/>
-          </a:ln>
+          <a:extLst>
+            <a:ext uri="{909E8E84-426E-40DD-AFC4-6F175D3DCCD1}">
+              <a14:hiddenFill xmlns:a14="http://schemas.microsoft.com/office/drawing/2010/main">
+                <a:solidFill>
+                  <a:srgbClr val="FFFFFF"/>
+                </a:solidFill>
+              </a14:hiddenFill>
+            </a:ext>
+          </a:extLst>
         </p:spPr>
       </p:pic>
+    </p:spTree>
+  </p:cSld>
+  <p:clrMapOvr>
+    <a:masterClrMapping/>
+  </p:clrMapOvr>
+</p:sld>
+</file>
+
+<file path=ppt/slides/slide14.xml><?xml version="1.0" encoding="utf-8"?>
+<p:sld xmlns:a="http://schemas.openxmlformats.org/drawingml/2006/main" xmlns:r="http://schemas.openxmlformats.org/officeDocument/2006/relationships" xmlns:p="http://schemas.openxmlformats.org/presentationml/2006/main">
+  <p:cSld>
+    <p:spTree>
+      <p:nvGrpSpPr>
+        <p:cNvPr id="1" name=""/>
+        <p:cNvGrpSpPr/>
+        <p:nvPr/>
+      </p:nvGrpSpPr>
+      <p:grpSpPr>
+        <a:xfrm>
+          <a:off x="0" y="0"/>
+          <a:ext cx="0" cy="0"/>
+          <a:chOff x="0" y="0"/>
+          <a:chExt cx="0" cy="0"/>
+        </a:xfrm>
+      </p:grpSpPr>
       <p:sp>
         <p:nvSpPr>
-          <p:cNvPr id="4" name="矩形 3">
-            <a:extLst>
-              <a:ext uri="{FF2B5EF4-FFF2-40B4-BE49-F238E27FC236}">
-                <a16:creationId xmlns:a16="http://schemas.microsoft.com/office/drawing/2014/main" id="{CF8A61CB-EA61-4FF8-8693-DF232688C43D}"/>
-              </a:ext>
-            </a:extLst>
-          </p:cNvPr>
-          <p:cNvSpPr/>
-          <p:nvPr/>
+          <p:cNvPr id="7" name="Title 1"/>
+          <p:cNvSpPr>
+            <a:spLocks noGrp="1"/>
+          </p:cNvSpPr>
+          <p:nvPr>
+            <p:ph type="ctrTitle"/>
+          </p:nvPr>
         </p:nvSpPr>
         <p:spPr>
           <a:xfrm>
-            <a:off x="1361660" y="5331239"/>
-            <a:ext cx="1424609" cy="508000"/>
+            <a:off x="1766325" y="4036880"/>
+            <a:ext cx="8463639" cy="862715"/>
           </a:xfrm>
-          <a:prstGeom prst="rect">
-            <a:avLst/>
-          </a:prstGeom>
-          <a:noFill/>
-          <a:ln>
-            <a:noFill/>
-          </a:ln>
         </p:spPr>
-        <p:style>
-          <a:lnRef idx="2">
-            <a:schemeClr val="accent1">
-              <a:shade val="50000"/>
-            </a:schemeClr>
-          </a:lnRef>
-          <a:fillRef idx="1">
-            <a:schemeClr val="accent1"/>
-          </a:fillRef>
-          <a:effectRef idx="0">
-            <a:schemeClr val="accent1"/>
-          </a:effectRef>
-          <a:fontRef idx="minor">
-            <a:schemeClr val="lt1"/>
-          </a:fontRef>
-        </p:style>
         <p:txBody>
-          <a:bodyPr rtlCol="0" anchor="ctr"/>
+          <a:bodyPr/>
           <a:lstStyle/>
           <a:p>
-            <a:pPr algn="ctr"/>
-            <a:r>
-              <a:rPr lang="zh-CN" altLang="en-US" sz="2000" dirty="0">
-                <a:solidFill>
-                  <a:schemeClr val="bg1">
-                    <a:lumMod val="75000"/>
-                    <a:lumOff val="25000"/>
-                  </a:schemeClr>
-                </a:solidFill>
-                <a:latin typeface="微软雅黑" panose="020B0503020204020204" pitchFamily="34" charset="-122"/>
-                <a:ea typeface="微软雅黑" panose="020B0503020204020204" pitchFamily="34" charset="-122"/>
-              </a:rPr>
-              <a:t>读取数据</a:t>
-            </a:r>
-          </a:p>
-        </p:txBody>
-      </p:sp>
-      <p:sp>
-        <p:nvSpPr>
-          <p:cNvPr id="6" name="矩形 5">
-            <a:extLst>
-              <a:ext uri="{FF2B5EF4-FFF2-40B4-BE49-F238E27FC236}">
-                <a16:creationId xmlns:a16="http://schemas.microsoft.com/office/drawing/2014/main" id="{11FFBFA6-205C-4AC2-BA30-6F3F8ADDA703}"/>
-              </a:ext>
-            </a:extLst>
-          </p:cNvPr>
-          <p:cNvSpPr/>
-          <p:nvPr/>
-        </p:nvSpPr>
-        <p:spPr>
-          <a:xfrm>
-            <a:off x="3322429" y="5331239"/>
-            <a:ext cx="1424609" cy="508000"/>
-          </a:xfrm>
-          <a:prstGeom prst="rect">
-            <a:avLst/>
-          </a:prstGeom>
-          <a:noFill/>
-          <a:ln>
-            <a:noFill/>
-          </a:ln>
-        </p:spPr>
-        <p:style>
-          <a:lnRef idx="2">
-            <a:schemeClr val="accent1">
-              <a:shade val="50000"/>
-            </a:schemeClr>
-          </a:lnRef>
-          <a:fillRef idx="1">
-            <a:schemeClr val="accent1"/>
-          </a:fillRef>
-          <a:effectRef idx="0">
-            <a:schemeClr val="accent1"/>
-          </a:effectRef>
-          <a:fontRef idx="minor">
-            <a:schemeClr val="lt1"/>
-          </a:fontRef>
-        </p:style>
-        <p:txBody>
-          <a:bodyPr rtlCol="0" anchor="ctr"/>
-          <a:lstStyle/>
-          <a:p>
-            <a:pPr algn="ctr"/>
-            <a:r>
-              <a:rPr lang="zh-CN" altLang="en-US" sz="2000" dirty="0">
-                <a:solidFill>
-                  <a:schemeClr val="bg1">
-                    <a:lumMod val="75000"/>
-                    <a:lumOff val="25000"/>
-                  </a:schemeClr>
-                </a:solidFill>
-                <a:latin typeface="微软雅黑" panose="020B0503020204020204" pitchFamily="34" charset="-122"/>
-                <a:ea typeface="微软雅黑" panose="020B0503020204020204" pitchFamily="34" charset="-122"/>
-              </a:rPr>
-              <a:t>清洗数据</a:t>
-            </a:r>
-          </a:p>
-        </p:txBody>
-      </p:sp>
-      <p:sp>
-        <p:nvSpPr>
-          <p:cNvPr id="7" name="矩形 6">
-            <a:extLst>
-              <a:ext uri="{FF2B5EF4-FFF2-40B4-BE49-F238E27FC236}">
-                <a16:creationId xmlns:a16="http://schemas.microsoft.com/office/drawing/2014/main" id="{A5C1C772-3043-4216-8B57-3FBAA1323DE9}"/>
-              </a:ext>
-            </a:extLst>
-          </p:cNvPr>
-          <p:cNvSpPr/>
-          <p:nvPr/>
-        </p:nvSpPr>
-        <p:spPr>
-          <a:xfrm>
-            <a:off x="5601250" y="5331239"/>
-            <a:ext cx="1424609" cy="508000"/>
-          </a:xfrm>
-          <a:prstGeom prst="rect">
-            <a:avLst/>
-          </a:prstGeom>
-          <a:noFill/>
-          <a:ln>
-            <a:noFill/>
-          </a:ln>
-        </p:spPr>
-        <p:style>
-          <a:lnRef idx="2">
-            <a:schemeClr val="accent1">
-              <a:shade val="50000"/>
-            </a:schemeClr>
-          </a:lnRef>
-          <a:fillRef idx="1">
-            <a:schemeClr val="accent1"/>
-          </a:fillRef>
-          <a:effectRef idx="0">
-            <a:schemeClr val="accent1"/>
-          </a:effectRef>
-          <a:fontRef idx="minor">
-            <a:schemeClr val="lt1"/>
-          </a:fontRef>
-        </p:style>
-        <p:txBody>
-          <a:bodyPr rtlCol="0" anchor="ctr"/>
-          <a:lstStyle/>
-          <a:p>
-            <a:pPr algn="ctr"/>
-            <a:r>
-              <a:rPr lang="zh-CN" altLang="en-US" sz="2000" dirty="0">
-                <a:solidFill>
-                  <a:schemeClr val="bg1">
-                    <a:lumMod val="75000"/>
-                    <a:lumOff val="25000"/>
-                  </a:schemeClr>
-                </a:solidFill>
-                <a:latin typeface="微软雅黑" panose="020B0503020204020204" pitchFamily="34" charset="-122"/>
-                <a:ea typeface="微软雅黑" panose="020B0503020204020204" pitchFamily="34" charset="-122"/>
-              </a:rPr>
-              <a:t>探索数据</a:t>
-            </a:r>
-          </a:p>
-        </p:txBody>
-      </p:sp>
-      <p:sp>
-        <p:nvSpPr>
-          <p:cNvPr id="8" name="矩形 7">
-            <a:extLst>
-              <a:ext uri="{FF2B5EF4-FFF2-40B4-BE49-F238E27FC236}">
-                <a16:creationId xmlns:a16="http://schemas.microsoft.com/office/drawing/2014/main" id="{C7D103B1-EEA7-44CA-99F1-124E0DE3020C}"/>
-              </a:ext>
-            </a:extLst>
-          </p:cNvPr>
-          <p:cNvSpPr/>
-          <p:nvPr/>
-        </p:nvSpPr>
-        <p:spPr>
-          <a:xfrm>
-            <a:off x="7930320" y="5331239"/>
-            <a:ext cx="1424609" cy="508000"/>
-          </a:xfrm>
-          <a:prstGeom prst="rect">
-            <a:avLst/>
-          </a:prstGeom>
-          <a:noFill/>
-          <a:ln>
-            <a:noFill/>
-          </a:ln>
-        </p:spPr>
-        <p:style>
-          <a:lnRef idx="2">
-            <a:schemeClr val="accent1">
-              <a:shade val="50000"/>
-            </a:schemeClr>
-          </a:lnRef>
-          <a:fillRef idx="1">
-            <a:schemeClr val="accent1"/>
-          </a:fillRef>
-          <a:effectRef idx="0">
-            <a:schemeClr val="accent1"/>
-          </a:effectRef>
-          <a:fontRef idx="minor">
-            <a:schemeClr val="lt1"/>
-          </a:fontRef>
-        </p:style>
-        <p:txBody>
-          <a:bodyPr rtlCol="0" anchor="ctr"/>
-          <a:lstStyle/>
-          <a:p>
-            <a:pPr algn="ctr"/>
-            <a:r>
-              <a:rPr lang="zh-CN" altLang="en-US" sz="2000" dirty="0">
-                <a:solidFill>
-                  <a:schemeClr val="bg1">
-                    <a:lumMod val="75000"/>
-                    <a:lumOff val="25000"/>
-                  </a:schemeClr>
-                </a:solidFill>
-                <a:latin typeface="微软雅黑" panose="020B0503020204020204" pitchFamily="34" charset="-122"/>
-                <a:ea typeface="微软雅黑" panose="020B0503020204020204" pitchFamily="34" charset="-122"/>
-              </a:rPr>
-              <a:t>写作展示</a:t>
+            <a:pPr marL="0" lvl="0" indent="0">
+              <a:buNone/>
+            </a:pPr>
+            <a:r>
+              <a:t>需要哪些基础?</a:t>
             </a:r>
           </a:p>
         </p:txBody>
@@ -2993,7 +3608,7 @@
 </p:sld>
 </file>
 
-<file path=ppt/slides/slide14.xml><?xml version="1.0" encoding="utf-8"?>
+<file path=ppt/slides/slide15.xml><?xml version="1.0" encoding="utf-8"?>
 <p:sld xmlns:a="http://schemas.openxmlformats.org/drawingml/2006/main" xmlns:r="http://schemas.openxmlformats.org/officeDocument/2006/relationships" xmlns:p="http://schemas.openxmlformats.org/presentationml/2006/main">
   <p:cSld>
     <p:spTree>
@@ -3040,8 +3655,12 @@
               <a:buNone/>
             </a:pPr>
             <a:r>
+              <a:rPr dirty="0" err="1"/>
+              <a:t>基础</a:t>
+            </a:r>
+            <a:r>
               <a:rPr lang="zh-CN" altLang="en-US" dirty="0"/>
-              <a:t>事半功倍</a:t>
+              <a:t>要求</a:t>
             </a:r>
             <a:endParaRPr dirty="0"/>
           </a:p>
@@ -3063,7 +3682,12 @@
             <p:ph idx="1"/>
           </p:nvPr>
         </p:nvSpPr>
-        <p:spPr/>
+        <p:spPr>
+          <a:xfrm>
+            <a:off x="838199" y="1587260"/>
+            <a:ext cx="10871199" cy="4589703"/>
+          </a:xfrm>
+        </p:spPr>
         <p:txBody>
           <a:bodyPr>
             <a:normAutofit lnSpcReduction="10000"/>
@@ -3071,180 +3695,255 @@
           <a:lstStyle/>
           <a:p>
             <a:r>
-              <a:rPr lang="zh-CN" altLang="en-US" dirty="0"/>
-              <a:t>简单易学：</a:t>
-            </a:r>
-            <a:r>
-              <a:rPr dirty="0" err="1"/>
-              <a:t>R很简单，配合tidyverse等系列包，代码可读性强</a:t>
-            </a:r>
-            <a:r>
-              <a:rPr lang="zh-CN" altLang="en-US" dirty="0"/>
+              <a:rPr lang="zh-CN" altLang="en-US" sz="2400" b="1" dirty="0">
+                <a:latin typeface="微软雅黑" panose="020B0503020204020204" pitchFamily="34" charset="-122"/>
+                <a:ea typeface="微软雅黑" panose="020B0503020204020204" pitchFamily="34" charset="-122"/>
+              </a:rPr>
+              <a:t>英语基础</a:t>
+            </a:r>
+            <a:endParaRPr lang="en-US" altLang="zh-CN" sz="2400" b="1" dirty="0">
+              <a:latin typeface="微软雅黑" panose="020B0503020204020204" pitchFamily="34" charset="-122"/>
+              <a:ea typeface="微软雅黑" panose="020B0503020204020204" pitchFamily="34" charset="-122"/>
+            </a:endParaRPr>
+          </a:p>
+          <a:p>
+            <a:pPr lvl="1"/>
+            <a:r>
+              <a:rPr lang="zh-CN" altLang="en-US" sz="2000" dirty="0">
+                <a:latin typeface="微软雅黑" panose="020B0503020204020204" pitchFamily="34" charset="-122"/>
+                <a:ea typeface="微软雅黑" panose="020B0503020204020204" pitchFamily="34" charset="-122"/>
+              </a:rPr>
+              <a:t>有点英语基础，能看懂基本单词</a:t>
+            </a:r>
+          </a:p>
+          <a:p>
+            <a:r>
+              <a:rPr lang="zh-CN" altLang="en-US" sz="2400" b="1" dirty="0">
+                <a:latin typeface="微软雅黑" panose="020B0503020204020204" pitchFamily="34" charset="-122"/>
+                <a:ea typeface="微软雅黑" panose="020B0503020204020204" pitchFamily="34" charset="-122"/>
+              </a:rPr>
+              <a:t>编程基础</a:t>
+            </a:r>
+            <a:endParaRPr lang="en-US" sz="2400" b="1" dirty="0">
+              <a:latin typeface="微软雅黑" panose="020B0503020204020204" pitchFamily="34" charset="-122"/>
+              <a:ea typeface="微软雅黑" panose="020B0503020204020204" pitchFamily="34" charset="-122"/>
+            </a:endParaRPr>
+          </a:p>
+          <a:p>
+            <a:pPr lvl="1"/>
+            <a:r>
+              <a:rPr lang="en-US" altLang="zh-CN" sz="2000" dirty="0">
+                <a:latin typeface="微软雅黑" panose="020B0503020204020204" pitchFamily="34" charset="-122"/>
+                <a:ea typeface="微软雅黑" panose="020B0503020204020204" pitchFamily="34" charset="-122"/>
+              </a:rPr>
+              <a:t>P</a:t>
+            </a:r>
+            <a:r>
+              <a:rPr sz="2000" dirty="0">
+                <a:latin typeface="微软雅黑" panose="020B0503020204020204" pitchFamily="34" charset="-122"/>
+                <a:ea typeface="微软雅黑" panose="020B0503020204020204" pitchFamily="34" charset="-122"/>
+              </a:rPr>
+              <a:t>ython</a:t>
+            </a:r>
+            <a:r>
+              <a:rPr lang="zh-CN" altLang="en-US" sz="2000" dirty="0">
+                <a:latin typeface="微软雅黑" panose="020B0503020204020204" pitchFamily="34" charset="-122"/>
+                <a:ea typeface="微软雅黑" panose="020B0503020204020204" pitchFamily="34" charset="-122"/>
+              </a:rPr>
+              <a:t>或</a:t>
+            </a:r>
+            <a:r>
+              <a:rPr lang="en-US" altLang="zh-CN" sz="2000" dirty="0" err="1">
+                <a:latin typeface="微软雅黑" panose="020B0503020204020204" pitchFamily="34" charset="-122"/>
+                <a:ea typeface="微软雅黑" panose="020B0503020204020204" pitchFamily="34" charset="-122"/>
+              </a:rPr>
+              <a:t>R</a:t>
+            </a:r>
+            <a:r>
+              <a:rPr sz="2000" dirty="0" err="1">
+                <a:latin typeface="微软雅黑" panose="020B0503020204020204" pitchFamily="34" charset="-122"/>
+                <a:ea typeface="微软雅黑" panose="020B0503020204020204" pitchFamily="34" charset="-122"/>
+              </a:rPr>
+              <a:t>编程基础</a:t>
+            </a:r>
+            <a:r>
+              <a:rPr lang="zh-CN" altLang="en-US" sz="2000" dirty="0">
+                <a:latin typeface="微软雅黑" panose="020B0503020204020204" pitchFamily="34" charset="-122"/>
+                <a:ea typeface="微软雅黑" panose="020B0503020204020204" pitchFamily="34" charset="-122"/>
+              </a:rPr>
+              <a:t>最佳，没有编程基础，也可</a:t>
+            </a:r>
+            <a:r>
+              <a:rPr sz="2000" dirty="0">
+                <a:latin typeface="微软雅黑" panose="020B0503020204020204" pitchFamily="34" charset="-122"/>
+                <a:ea typeface="微软雅黑" panose="020B0503020204020204" pitchFamily="34" charset="-122"/>
+              </a:rPr>
               <a:t>。</a:t>
             </a:r>
-            <a:endParaRPr dirty="0"/>
-          </a:p>
-          <a:p>
-            <a:r>
-              <a:rPr dirty="0"/>
-              <a:t>All in one （</a:t>
-            </a:r>
-            <a:r>
-              <a:rPr dirty="0" err="1"/>
-              <a:t>鱼与熊掌，我全都要</a:t>
-            </a:r>
-            <a:r>
-              <a:rPr dirty="0"/>
-              <a:t>）：</a:t>
-            </a:r>
-            <a:r>
-              <a:rPr dirty="0" err="1"/>
-              <a:t>一个软件全都有，数据-分析-可视化-写作-展示（类似于家装全包</a:t>
-            </a:r>
-            <a:r>
-              <a:rPr dirty="0"/>
-              <a:t>）</a:t>
-            </a:r>
-            <a:r>
-              <a:rPr lang="zh-CN" altLang="en-US" dirty="0"/>
-              <a:t>。</a:t>
-            </a:r>
-            <a:endParaRPr lang="en-US" altLang="zh-CN" dirty="0"/>
-          </a:p>
-          <a:p>
-            <a:r>
-              <a:rPr lang="zh-CN" altLang="en-US" dirty="0"/>
-              <a:t>一个更残酷的现实，用统计的，往往不是学统计的。</a:t>
-            </a:r>
+            <a:endParaRPr lang="en-US" sz="2000" dirty="0">
+              <a:latin typeface="微软雅黑" panose="020B0503020204020204" pitchFamily="34" charset="-122"/>
+              <a:ea typeface="微软雅黑" panose="020B0503020204020204" pitchFamily="34" charset="-122"/>
+            </a:endParaRPr>
           </a:p>
           <a:p>
             <a:pPr lvl="1"/>
             <a:r>
-              <a:rPr lang="en-US" altLang="zh-CN" dirty="0"/>
-              <a:t>R</a:t>
-            </a:r>
-            <a:r>
-              <a:rPr lang="zh-CN" altLang="en-US" dirty="0"/>
-              <a:t>语言做统计分析，是它的看家本领，非常好用！</a:t>
-            </a:r>
-          </a:p>
-          <a:p>
-            <a:r>
-              <a:rPr lang="en-US" altLang="zh-CN" dirty="0"/>
-              <a:t>R</a:t>
-            </a:r>
-            <a:r>
-              <a:rPr lang="zh-CN" altLang="en-US" dirty="0"/>
-              <a:t>的表格和可视化，是颜值担当，高大上，无出其右！</a:t>
-            </a:r>
-          </a:p>
-          <a:p>
-            <a:r>
-              <a:rPr lang="zh-CN" altLang="en-US" dirty="0"/>
-              <a:t>不论写论文、写书、写报告、</a:t>
-            </a:r>
-            <a:r>
-              <a:rPr lang="en-US" altLang="zh-CN" dirty="0"/>
-              <a:t>PPT</a:t>
-            </a:r>
-            <a:r>
-              <a:rPr lang="zh-CN" altLang="en-US" dirty="0"/>
-              <a:t>，它都是让你脱颖而出的好工具！</a:t>
-            </a:r>
+              <a:rPr lang="en-US" altLang="zh-CN" sz="2000" dirty="0">
+                <a:latin typeface="微软雅黑" panose="020B0503020204020204" pitchFamily="34" charset="-122"/>
+                <a:ea typeface="微软雅黑" panose="020B0503020204020204" pitchFamily="34" charset="-122"/>
+              </a:rPr>
+              <a:t>R markdown </a:t>
+            </a:r>
+            <a:r>
+              <a:rPr lang="zh-CN" altLang="en-US" sz="2000" dirty="0">
+                <a:latin typeface="微软雅黑" panose="020B0503020204020204" pitchFamily="34" charset="-122"/>
+                <a:ea typeface="微软雅黑" panose="020B0503020204020204" pitchFamily="34" charset="-122"/>
+              </a:rPr>
+              <a:t>与</a:t>
+            </a:r>
+            <a:r>
+              <a:rPr lang="en-US" altLang="zh-CN" sz="2000" dirty="0" err="1">
+                <a:latin typeface="微软雅黑" panose="020B0503020204020204" pitchFamily="34" charset="-122"/>
+                <a:ea typeface="微软雅黑" panose="020B0503020204020204" pitchFamily="34" charset="-122"/>
+              </a:rPr>
+              <a:t>J</a:t>
+            </a:r>
+            <a:r>
+              <a:rPr sz="2000" dirty="0" err="1">
+                <a:latin typeface="微软雅黑" panose="020B0503020204020204" pitchFamily="34" charset="-122"/>
+                <a:ea typeface="微软雅黑" panose="020B0503020204020204" pitchFamily="34" charset="-122"/>
+              </a:rPr>
+              <a:t>upyter</a:t>
+            </a:r>
+            <a:r>
+              <a:rPr sz="2000" dirty="0">
+                <a:latin typeface="微软雅黑" panose="020B0503020204020204" pitchFamily="34" charset="-122"/>
+                <a:ea typeface="微软雅黑" panose="020B0503020204020204" pitchFamily="34" charset="-122"/>
+              </a:rPr>
+              <a:t> notebook</a:t>
+            </a:r>
+            <a:r>
+              <a:rPr lang="zh-CN" altLang="en-US" sz="2000" dirty="0">
+                <a:latin typeface="微软雅黑" panose="020B0503020204020204" pitchFamily="34" charset="-122"/>
+                <a:ea typeface="微软雅黑" panose="020B0503020204020204" pitchFamily="34" charset="-122"/>
+              </a:rPr>
+              <a:t>是亲兄弟</a:t>
+            </a:r>
+            <a:endParaRPr lang="en-US" altLang="zh-CN" sz="2000" dirty="0">
+              <a:latin typeface="微软雅黑" panose="020B0503020204020204" pitchFamily="34" charset="-122"/>
+              <a:ea typeface="微软雅黑" panose="020B0503020204020204" pitchFamily="34" charset="-122"/>
+            </a:endParaRPr>
+          </a:p>
+          <a:p>
+            <a:r>
+              <a:rPr lang="zh-CN" altLang="en-US" sz="2400" b="1" dirty="0">
+                <a:latin typeface="微软雅黑" panose="020B0503020204020204" pitchFamily="34" charset="-122"/>
+                <a:ea typeface="微软雅黑" panose="020B0503020204020204" pitchFamily="34" charset="-122"/>
+              </a:rPr>
+              <a:t>统计学基础</a:t>
+            </a:r>
+            <a:endParaRPr lang="en-US" altLang="zh-CN" sz="2400" b="1" dirty="0">
+              <a:latin typeface="微软雅黑" panose="020B0503020204020204" pitchFamily="34" charset="-122"/>
+              <a:ea typeface="微软雅黑" panose="020B0503020204020204" pitchFamily="34" charset="-122"/>
+            </a:endParaRPr>
           </a:p>
           <a:p>
             <a:pPr lvl="1"/>
             <a:r>
-              <a:rPr lang="zh-CN" altLang="en-US" dirty="0"/>
-              <a:t>更多期刊和作者都在使用</a:t>
-            </a:r>
-            <a:r>
-              <a:rPr lang="en-US" altLang="zh-CN" dirty="0"/>
-              <a:t>R</a:t>
-            </a:r>
-            <a:r>
-              <a:rPr lang="zh-CN" altLang="en-US" dirty="0"/>
+              <a:rPr lang="zh-CN" altLang="en-US" sz="2000" dirty="0">
+                <a:latin typeface="微软雅黑" panose="020B0503020204020204" pitchFamily="34" charset="-122"/>
+                <a:ea typeface="微软雅黑" panose="020B0503020204020204" pitchFamily="34" charset="-122"/>
+              </a:rPr>
+              <a:t>懂基本的统计学原理，和统计学方法的适用对象</a:t>
+            </a:r>
+          </a:p>
+          <a:p>
+            <a:pPr lvl="1"/>
+            <a:r>
+              <a:rPr lang="zh-CN" altLang="en-US" sz="2000" dirty="0">
+                <a:latin typeface="微软雅黑" panose="020B0503020204020204" pitchFamily="34" charset="-122"/>
+                <a:ea typeface="微软雅黑" panose="020B0503020204020204" pitchFamily="34" charset="-122"/>
+              </a:rPr>
+              <a:t>会看统计图表</a:t>
+            </a:r>
+          </a:p>
+          <a:p>
+            <a:pPr lvl="1"/>
+            <a:r>
+              <a:rPr lang="zh-CN" altLang="en-US" sz="2000" dirty="0">
+                <a:latin typeface="微软雅黑" panose="020B0503020204020204" pitchFamily="34" charset="-122"/>
+                <a:ea typeface="微软雅黑" panose="020B0503020204020204" pitchFamily="34" charset="-122"/>
+              </a:rPr>
+              <a:t>会点</a:t>
+            </a:r>
+            <a:r>
+              <a:rPr lang="en-US" altLang="zh-CN" sz="2000" dirty="0">
+                <a:latin typeface="微软雅黑" panose="020B0503020204020204" pitchFamily="34" charset="-122"/>
+                <a:ea typeface="微软雅黑" panose="020B0503020204020204" pitchFamily="34" charset="-122"/>
+              </a:rPr>
+              <a:t>SPSS</a:t>
+            </a:r>
+            <a:r>
+              <a:rPr lang="zh-CN" altLang="en-US" sz="2000" dirty="0">
+                <a:latin typeface="微软雅黑" panose="020B0503020204020204" pitchFamily="34" charset="-122"/>
+                <a:ea typeface="微软雅黑" panose="020B0503020204020204" pitchFamily="34" charset="-122"/>
+              </a:rPr>
+              <a:t>就</a:t>
+            </a:r>
+            <a:r>
+              <a:rPr lang="en-US" altLang="zh-CN" sz="2000" dirty="0">
+                <a:latin typeface="微软雅黑" panose="020B0503020204020204" pitchFamily="34" charset="-122"/>
+                <a:ea typeface="微软雅黑" panose="020B0503020204020204" pitchFamily="34" charset="-122"/>
+              </a:rPr>
+              <a:t>OK</a:t>
+            </a:r>
+          </a:p>
+          <a:p>
+            <a:pPr lvl="1"/>
+            <a:r>
+              <a:rPr lang="zh-CN" altLang="en-US" sz="2000" dirty="0">
+                <a:latin typeface="微软雅黑" panose="020B0503020204020204" pitchFamily="34" charset="-122"/>
+                <a:ea typeface="微软雅黑" panose="020B0503020204020204" pitchFamily="34" charset="-122"/>
+              </a:rPr>
+              <a:t>本科程没有复杂的</a:t>
+            </a:r>
+            <a:r>
+              <a:rPr lang="en-US" altLang="zh-CN" sz="2000" dirty="0">
+                <a:latin typeface="微软雅黑" panose="020B0503020204020204" pitchFamily="34" charset="-122"/>
+                <a:ea typeface="微软雅黑" panose="020B0503020204020204" pitchFamily="34" charset="-122"/>
+              </a:rPr>
               <a:t> </a:t>
             </a:r>
             <a:r>
-              <a:rPr lang="en-US" altLang="zh-CN" dirty="0"/>
-              <a:t>Markdown</a:t>
-            </a:r>
-            <a:r>
-              <a:rPr lang="zh-CN" altLang="en-US" dirty="0"/>
-              <a:t>，学习</a:t>
-            </a:r>
-            <a:r>
-              <a:rPr lang="en-US" altLang="zh-CN" dirty="0"/>
-              <a:t>R</a:t>
-            </a:r>
-            <a:r>
-              <a:rPr lang="zh-CN" altLang="en-US" dirty="0"/>
-              <a:t> </a:t>
-            </a:r>
-            <a:r>
-              <a:rPr lang="en-US" altLang="zh-CN" dirty="0"/>
-              <a:t>Markdown</a:t>
-            </a:r>
-            <a:r>
-              <a:rPr lang="zh-CN" altLang="en-US" dirty="0"/>
-              <a:t>就是拥抱未来！</a:t>
-            </a:r>
-          </a:p>
-          <a:p>
-            <a:pPr marL="1270000" lvl="0" indent="0" algn="r">
-              <a:buNone/>
-            </a:pPr>
-            <a:r>
-              <a:rPr lang="en-US" altLang="zh-CN" sz="2000" dirty="0"/>
-              <a:t>——</a:t>
-            </a:r>
-            <a:r>
-              <a:rPr lang="zh-CN" altLang="en-US" sz="2000" dirty="0"/>
-              <a:t>参考王敏杰</a:t>
-            </a:r>
-            <a:r>
-              <a:rPr lang="en-US" altLang="zh-CN" sz="2000" dirty="0">
-                <a:hlinkClick r:id="rId2"/>
+              <a:rPr lang="zh-CN" altLang="en-US" sz="2000" b="1" dirty="0">
+                <a:solidFill>
+                  <a:srgbClr val="1296DB"/>
+                </a:solidFill>
+                <a:latin typeface="微软雅黑" panose="020B0503020204020204" pitchFamily="34" charset="-122"/>
+                <a:ea typeface="微软雅黑" panose="020B0503020204020204" pitchFamily="34" charset="-122"/>
               </a:rPr>
-              <a:t>《</a:t>
+              <a:t>公式</a:t>
             </a:r>
             <a:r>
               <a:rPr lang="zh-CN" altLang="en-US" sz="2000" dirty="0">
-                <a:hlinkClick r:id="rId2"/>
+                <a:latin typeface="微软雅黑" panose="020B0503020204020204" pitchFamily="34" charset="-122"/>
+                <a:ea typeface="微软雅黑" panose="020B0503020204020204" pitchFamily="34" charset="-122"/>
               </a:rPr>
-              <a:t>数据科学中的 </a:t>
-            </a:r>
-            <a:r>
-              <a:rPr lang="en-US" altLang="zh-CN" sz="2000" dirty="0">
-                <a:hlinkClick r:id="rId2"/>
-              </a:rPr>
-              <a:t>R </a:t>
-            </a:r>
-            <a:r>
-              <a:rPr lang="zh-CN" altLang="en-US" sz="2000" dirty="0">
-                <a:hlinkClick r:id="rId2"/>
-              </a:rPr>
-              <a:t>语言</a:t>
-            </a:r>
-            <a:r>
-              <a:rPr lang="en-US" altLang="zh-CN" sz="2000" dirty="0">
-                <a:hlinkClick r:id="rId2"/>
-              </a:rPr>
-              <a:t>》</a:t>
-            </a:r>
-          </a:p>
-          <a:p>
-            <a:pPr marL="0" lvl="0" indent="0">
-              <a:buNone/>
-            </a:pPr>
-            <a:endParaRPr lang="en-US" altLang="zh-CN" dirty="0"/>
-          </a:p>
-          <a:p>
-            <a:pPr marL="0" lvl="0" indent="0">
-              <a:buNone/>
-            </a:pPr>
-            <a:endParaRPr dirty="0"/>
+              <a:t>！</a:t>
+            </a:r>
+          </a:p>
+          <a:p>
+            <a:pPr lvl="1"/>
+            <a:endParaRPr lang="zh-CN" altLang="en-US" sz="2000" dirty="0">
+              <a:latin typeface="微软雅黑" panose="020B0503020204020204" pitchFamily="34" charset="-122"/>
+              <a:ea typeface="微软雅黑" panose="020B0503020204020204" pitchFamily="34" charset="-122"/>
+            </a:endParaRPr>
+          </a:p>
+          <a:p>
+            <a:endParaRPr lang="en-US" altLang="zh-CN" sz="2400" b="1" dirty="0">
+              <a:latin typeface="微软雅黑" panose="020B0503020204020204" pitchFamily="34" charset="-122"/>
+              <a:ea typeface="微软雅黑" panose="020B0503020204020204" pitchFamily="34" charset="-122"/>
+            </a:endParaRPr>
           </a:p>
         </p:txBody>
       </p:sp>
@@ -3256,7 +3955,7 @@
 </p:sld>
 </file>
 
-<file path=ppt/slides/slide15.xml><?xml version="1.0" encoding="utf-8"?>
+<file path=ppt/slides/slide16.xml><?xml version="1.0" encoding="utf-8"?>
 <p:sld xmlns:a="http://schemas.openxmlformats.org/drawingml/2006/main" xmlns:r="http://schemas.openxmlformats.org/officeDocument/2006/relationships" xmlns:p="http://schemas.openxmlformats.org/presentationml/2006/main">
   <p:cSld>
     <p:spTree>
@@ -3297,134 +3996,8 @@
               <a:buNone/>
             </a:pPr>
             <a:r>
-              <a:t>需要哪些基础?</a:t>
-            </a:r>
-          </a:p>
-        </p:txBody>
-      </p:sp>
-    </p:spTree>
-  </p:cSld>
-  <p:clrMapOvr>
-    <a:masterClrMapping/>
-  </p:clrMapOvr>
-</p:sld>
-</file>
-
-<file path=ppt/slides/slide16.xml><?xml version="1.0" encoding="utf-8"?>
-<p:sld xmlns:a="http://schemas.openxmlformats.org/drawingml/2006/main" xmlns:r="http://schemas.openxmlformats.org/officeDocument/2006/relationships" xmlns:p="http://schemas.openxmlformats.org/presentationml/2006/main">
-  <p:cSld>
-    <p:spTree>
-      <p:nvGrpSpPr>
-        <p:cNvPr id="1" name=""/>
-        <p:cNvGrpSpPr/>
-        <p:nvPr/>
-      </p:nvGrpSpPr>
-      <p:grpSpPr>
-        <a:xfrm>
-          <a:off x="0" y="0"/>
-          <a:ext cx="0" cy="0"/>
-          <a:chOff x="0" y="0"/>
-          <a:chExt cx="0" cy="0"/>
-        </a:xfrm>
-      </p:grpSpPr>
-      <p:sp>
-        <p:nvSpPr>
-          <p:cNvPr id="11" name="Title 1">
-            <a:extLst>
-              <a:ext uri="{FF2B5EF4-FFF2-40B4-BE49-F238E27FC236}">
-                <a16:creationId xmlns:a16="http://schemas.microsoft.com/office/drawing/2014/main" id="{2391D614-6EEB-4C42-A746-C9FB67E11481}"/>
-              </a:ext>
-            </a:extLst>
-          </p:cNvPr>
-          <p:cNvSpPr>
-            <a:spLocks noGrp="1"/>
-          </p:cNvSpPr>
-          <p:nvPr>
-            <p:ph type="title"/>
-          </p:nvPr>
-        </p:nvSpPr>
-        <p:spPr>
-          <a:xfrm>
-            <a:off x="838199" y="362260"/>
-            <a:ext cx="6304722" cy="637553"/>
-          </a:xfrm>
-        </p:spPr>
-        <p:txBody>
-          <a:bodyPr/>
-          <a:lstStyle/>
-          <a:p>
-            <a:pPr marL="0" lvl="0" indent="0">
-              <a:buNone/>
-            </a:pPr>
-            <a:r>
-              <a:t>编程基础</a:t>
-            </a:r>
-          </a:p>
-        </p:txBody>
-      </p:sp>
-      <p:sp>
-        <p:nvSpPr>
-          <p:cNvPr id="12" name="Content Placeholder 2">
-            <a:extLst>
-              <a:ext uri="{FF2B5EF4-FFF2-40B4-BE49-F238E27FC236}">
-                <a16:creationId xmlns:a16="http://schemas.microsoft.com/office/drawing/2014/main" id="{91E23ACD-CC52-4FE4-A28E-15DDE627EE00}"/>
-              </a:ext>
-            </a:extLst>
-          </p:cNvPr>
-          <p:cNvSpPr>
-            <a:spLocks noGrp="1"/>
-          </p:cNvSpPr>
-          <p:nvPr>
-            <p:ph idx="1"/>
-          </p:nvPr>
-        </p:nvSpPr>
-        <p:spPr/>
-        <p:txBody>
-          <a:bodyPr/>
-          <a:lstStyle/>
-          <a:p>
-            <a:pPr marL="0" lvl="0" indent="0">
-              <a:buNone/>
-            </a:pPr>
-            <a:r>
-              <a:rPr lang="zh-CN" altLang="en-US" dirty="0"/>
-              <a:t>有点英语基础就行，看得懂基本单词</a:t>
-            </a:r>
-          </a:p>
-          <a:p>
-            <a:pPr marL="0" lvl="0" indent="0">
-              <a:buNone/>
-            </a:pPr>
-            <a:r>
-              <a:rPr dirty="0" err="1"/>
-              <a:t>具备其他编程语言基础最好，python编程基础，上手R最容易。这个就是加强版的jupyter</a:t>
-            </a:r>
-            <a:r>
-              <a:rPr dirty="0"/>
-              <a:t> notebook！</a:t>
-            </a:r>
-          </a:p>
-          <a:p>
-            <a:pPr marL="0" lvl="0" indent="0">
-              <a:buNone/>
-            </a:pPr>
-            <a:r>
-              <a:rPr dirty="0" err="1"/>
-              <a:t>没有编程基础</a:t>
-            </a:r>
-            <a:r>
-              <a:rPr dirty="0"/>
-              <a:t>，</a:t>
-            </a:r>
-            <a:r>
-              <a:rPr lang="zh-CN" altLang="en-US" dirty="0"/>
-              <a:t>也没</a:t>
-            </a:r>
-            <a:r>
-              <a:rPr dirty="0" err="1"/>
-              <a:t>关系</a:t>
-            </a:r>
-            <a:endParaRPr dirty="0"/>
+              <a:t>Examples</a:t>
+            </a:r>
           </a:p>
         </p:txBody>
       </p:sp>
@@ -3483,7 +4056,7 @@
               <a:buNone/>
             </a:pPr>
             <a:r>
-              <a:t>统计学基础</a:t>
+              <a:t>Slide with R Output</a:t>
             </a:r>
           </a:p>
         </p:txBody>
@@ -3509,64 +4082,41 @@
           <a:bodyPr/>
           <a:lstStyle/>
           <a:p>
-            <a:pPr marL="0" lvl="0" indent="0">
+            <a:pPr lvl="0" indent="0">
               <a:buNone/>
             </a:pPr>
             <a:r>
-              <a:rPr dirty="0" err="1"/>
-              <a:t>确实要懂点</a:t>
-            </a:r>
-            <a:r>
-              <a:rPr dirty="0"/>
-              <a:t>……</a:t>
-            </a:r>
-          </a:p>
-          <a:p>
-            <a:pPr lvl="1"/>
-            <a:r>
-              <a:rPr dirty="0" err="1"/>
-              <a:t>懂基本的统计学原理，和统计学方法的适用对象</a:t>
-            </a:r>
-            <a:endParaRPr dirty="0"/>
-          </a:p>
-          <a:p>
-            <a:pPr lvl="1"/>
-            <a:r>
-              <a:rPr dirty="0"/>
-              <a:t>No </a:t>
-            </a:r>
-            <a:r>
-              <a:rPr dirty="0" err="1"/>
-              <a:t>公式</a:t>
-            </a:r>
-            <a:r>
-              <a:rPr dirty="0"/>
-              <a:t>！</a:t>
-            </a:r>
-          </a:p>
-          <a:p>
-            <a:pPr lvl="1"/>
-            <a:r>
-              <a:rPr dirty="0" err="1"/>
-              <a:t>懂统计图</a:t>
-            </a:r>
-            <a:endParaRPr dirty="0"/>
-          </a:p>
-          <a:p>
-            <a:pPr lvl="1"/>
-            <a:r>
-              <a:rPr dirty="0" err="1"/>
-              <a:t>会</a:t>
-            </a:r>
-            <a:r>
-              <a:rPr lang="en-US" dirty="0" err="1"/>
-              <a:t>SPSS</a:t>
-            </a:r>
-            <a:r>
-              <a:rPr dirty="0" err="1"/>
-              <a:t>就行</a:t>
-            </a:r>
-            <a:endParaRPr dirty="0"/>
+              <a:rPr>
+                <a:solidFill>
+                  <a:srgbClr val="06287E"/>
+                </a:solidFill>
+                <a:latin typeface="Courier"/>
+              </a:rPr>
+              <a:t>summary</a:t>
+            </a:r>
+            <a:r>
+              <a:rPr>
+                <a:latin typeface="Courier"/>
+              </a:rPr>
+              <a:t>(women)</a:t>
+            </a:r>
+          </a:p>
+          <a:p>
+            <a:pPr lvl="0" indent="0">
+              <a:buNone/>
+            </a:pPr>
+            <a:r>
+              <a:rPr>
+                <a:latin typeface="Courier"/>
+              </a:rPr>
+              <a:t>##      height         weight     
+##  Min.   :58.0   Min.   :115.0  
+##  1st Qu.:61.5   1st Qu.:124.5  
+##  Median :65.0   Median :135.0  
+##  Mean   :65.0   Mean   :136.7  
+##  3rd Qu.:68.5   3rd Qu.:148.0  
+##  Max.   :72.0   Max.   :164.0</a:t>
+            </a:r>
           </a:p>
         </p:txBody>
       </p:sp>
@@ -3597,18 +4147,24 @@
       </p:grpSpPr>
       <p:sp>
         <p:nvSpPr>
-          <p:cNvPr id="7" name="Title 1"/>
+          <p:cNvPr id="11" name="Title 1">
+            <a:extLst>
+              <a:ext uri="{FF2B5EF4-FFF2-40B4-BE49-F238E27FC236}">
+                <a16:creationId xmlns:a16="http://schemas.microsoft.com/office/drawing/2014/main" id="{2391D614-6EEB-4C42-A746-C9FB67E11481}"/>
+              </a:ext>
+            </a:extLst>
+          </p:cNvPr>
           <p:cNvSpPr>
             <a:spLocks noGrp="1"/>
           </p:cNvSpPr>
           <p:nvPr>
-            <p:ph type="ctrTitle"/>
+            <p:ph type="title"/>
           </p:nvPr>
         </p:nvSpPr>
         <p:spPr>
           <a:xfrm>
-            <a:off x="1766325" y="4036880"/>
-            <a:ext cx="8463639" cy="862715"/>
+            <a:off x="838199" y="362260"/>
+            <a:ext cx="6304722" cy="637553"/>
           </a:xfrm>
         </p:spPr>
         <p:txBody>
@@ -3619,11 +4175,41 @@
               <a:buNone/>
             </a:pPr>
             <a:r>
-              <a:t>Examples</a:t>
+              <a:t>Slide with Plot</a:t>
             </a:r>
           </a:p>
         </p:txBody>
       </p:sp>
+      <p:pic>
+        <p:nvPicPr>
+          <p:cNvPr id="2" name="Picture 1" descr="test_files/figure-pptx/plot-1.png"/>
+          <p:cNvPicPr>
+            <a:picLocks noGrp="1" noChangeAspect="1"/>
+          </p:cNvPicPr>
+          <p:nvPr/>
+        </p:nvPicPr>
+        <p:blipFill>
+          <a:blip r:embed="rId2"/>
+          <a:stretch>
+            <a:fillRect/>
+          </a:stretch>
+        </p:blipFill>
+        <p:spPr bwMode="auto">
+          <a:xfrm>
+            <a:off x="3543300" y="1816100"/>
+            <a:ext cx="5435600" cy="4343400"/>
+          </a:xfrm>
+          <a:prstGeom prst="rect">
+            <a:avLst/>
+          </a:prstGeom>
+          <a:noFill/>
+          <a:ln w="9525">
+            <a:noFill/>
+            <a:headEnd/>
+            <a:tailEnd/>
+          </a:ln>
+        </p:spPr>
+      </p:pic>
     </p:spTree>
   </p:cSld>
   <p:clrMapOvr>
@@ -3679,70 +4265,646 @@
               <a:buNone/>
             </a:pPr>
             <a:r>
-              <a:t>Slide with R Output</a:t>
+              <a:t>Slide with Table</a:t>
             </a:r>
           </a:p>
         </p:txBody>
       </p:sp>
-      <p:sp>
-        <p:nvSpPr>
-          <p:cNvPr id="12" name="Content Placeholder 2">
-            <a:extLst>
-              <a:ext uri="{FF2B5EF4-FFF2-40B4-BE49-F238E27FC236}">
-                <a16:creationId xmlns:a16="http://schemas.microsoft.com/office/drawing/2014/main" id="{91E23ACD-CC52-4FE4-A28E-15DDE627EE00}"/>
-              </a:ext>
-            </a:extLst>
-          </p:cNvPr>
-          <p:cNvSpPr>
-            <a:spLocks noGrp="1"/>
-          </p:cNvSpPr>
+      <p:graphicFrame>
+        <p:nvGraphicFramePr>
+          <p:cNvPr id="6" name="Content Placeholder 5"/>
+          <p:cNvGraphicFramePr>
+            <a:graphicFrameLocks noGrp="1"/>
+          </p:cNvGraphicFramePr>
           <p:nvPr>
             <p:ph idx="1"/>
           </p:nvPr>
-        </p:nvSpPr>
-        <p:spPr/>
-        <p:txBody>
-          <a:bodyPr/>
-          <a:lstStyle/>
-          <a:p>
-            <a:pPr lvl="0" indent="0">
-              <a:buNone/>
-            </a:pPr>
-            <a:r>
-              <a:rPr>
-                <a:solidFill>
-                  <a:srgbClr val="06287E"/>
-                </a:solidFill>
-                <a:latin typeface="Courier"/>
-              </a:rPr>
-              <a:t>summary</a:t>
-            </a:r>
-            <a:r>
-              <a:rPr>
-                <a:latin typeface="Courier"/>
-              </a:rPr>
-              <a:t>(women)</a:t>
-            </a:r>
-          </a:p>
-          <a:p>
-            <a:pPr lvl="0" indent="0">
-              <a:buNone/>
-            </a:pPr>
-            <a:r>
-              <a:rPr>
-                <a:latin typeface="Courier"/>
-              </a:rPr>
-              <a:t>##      height         weight     
-##  Min.   :58.0   Min.   :115.0  
-##  1st Qu.:61.5   1st Qu.:124.5  
-##  Median :65.0   Median :135.0  
-##  Mean   :65.0   Mean   :136.7  
-##  3rd Qu.:68.5   3rd Qu.:148.0  
-##  Max.   :72.0   Max.   :164.0</a:t>
-            </a:r>
-          </a:p>
-        </p:txBody>
-      </p:sp>
+        </p:nvGraphicFramePr>
+        <p:xfrm>
+          <a:off x="825500" y="1816100"/>
+          <a:ext cx="10858500" cy="2560320"/>
+        </p:xfrm>
+        <a:graphic>
+          <a:graphicData uri="http://schemas.openxmlformats.org/drawingml/2006/table">
+            <a:tbl>
+              <a:tblPr firstRow="1" bandRow="1">
+                <a:tableStyleId>{5C22544A-7EE6-4342-B048-85BDC9FD1C3A}</a:tableStyleId>
+              </a:tblPr>
+              <a:tblGrid>
+                <a:gridCol w="2171700">
+                  <a:extLst>
+                    <a:ext uri="{9D8B030D-6E8A-4147-A177-3AD203B41FA5}">
+                      <a16:colId xmlns:a16="http://schemas.microsoft.com/office/drawing/2014/main" val="20000"/>
+                    </a:ext>
+                  </a:extLst>
+                </a:gridCol>
+                <a:gridCol w="2171700">
+                  <a:extLst>
+                    <a:ext uri="{9D8B030D-6E8A-4147-A177-3AD203B41FA5}">
+                      <a16:colId xmlns:a16="http://schemas.microsoft.com/office/drawing/2014/main" val="20001"/>
+                    </a:ext>
+                  </a:extLst>
+                </a:gridCol>
+                <a:gridCol w="2171700">
+                  <a:extLst>
+                    <a:ext uri="{9D8B030D-6E8A-4147-A177-3AD203B41FA5}">
+                      <a16:colId xmlns:a16="http://schemas.microsoft.com/office/drawing/2014/main" val="20002"/>
+                    </a:ext>
+                  </a:extLst>
+                </a:gridCol>
+                <a:gridCol w="2171700">
+                  <a:extLst>
+                    <a:ext uri="{9D8B030D-6E8A-4147-A177-3AD203B41FA5}">
+                      <a16:colId xmlns:a16="http://schemas.microsoft.com/office/drawing/2014/main" val="20003"/>
+                    </a:ext>
+                  </a:extLst>
+                </a:gridCol>
+                <a:gridCol w="2171700">
+                  <a:extLst>
+                    <a:ext uri="{9D8B030D-6E8A-4147-A177-3AD203B41FA5}">
+                      <a16:colId xmlns:a16="http://schemas.microsoft.com/office/drawing/2014/main" val="20004"/>
+                    </a:ext>
+                  </a:extLst>
+                </a:gridCol>
+              </a:tblGrid>
+              <a:tr h="0">
+                <a:tc>
+                  <a:txBody>
+                    <a:bodyPr/>
+                    <a:lstStyle/>
+                    <a:p>
+                      <a:pPr marL="0" lvl="0" indent="0" algn="r">
+                        <a:buNone/>
+                      </a:pPr>
+                      <a:r>
+                        <a:t>Sepal.Length</a:t>
+                      </a:r>
+                    </a:p>
+                  </a:txBody>
+                  <a:tcPr/>
+                </a:tc>
+                <a:tc>
+                  <a:txBody>
+                    <a:bodyPr/>
+                    <a:lstStyle/>
+                    <a:p>
+                      <a:pPr marL="0" lvl="0" indent="0" algn="r">
+                        <a:buNone/>
+                      </a:pPr>
+                      <a:r>
+                        <a:t>Sepal.Width</a:t>
+                      </a:r>
+                    </a:p>
+                  </a:txBody>
+                  <a:tcPr/>
+                </a:tc>
+                <a:tc>
+                  <a:txBody>
+                    <a:bodyPr/>
+                    <a:lstStyle/>
+                    <a:p>
+                      <a:pPr marL="0" lvl="0" indent="0" algn="r">
+                        <a:buNone/>
+                      </a:pPr>
+                      <a:r>
+                        <a:t>Petal.Length</a:t>
+                      </a:r>
+                    </a:p>
+                  </a:txBody>
+                  <a:tcPr/>
+                </a:tc>
+                <a:tc>
+                  <a:txBody>
+                    <a:bodyPr/>
+                    <a:lstStyle/>
+                    <a:p>
+                      <a:pPr marL="0" lvl="0" indent="0" algn="r">
+                        <a:buNone/>
+                      </a:pPr>
+                      <a:r>
+                        <a:t>Petal.Width</a:t>
+                      </a:r>
+                    </a:p>
+                  </a:txBody>
+                  <a:tcPr/>
+                </a:tc>
+                <a:tc>
+                  <a:txBody>
+                    <a:bodyPr/>
+                    <a:lstStyle/>
+                    <a:p>
+                      <a:pPr marL="0" lvl="0" indent="0" algn="l">
+                        <a:buNone/>
+                      </a:pPr>
+                      <a:r>
+                        <a:t>Species</a:t>
+                      </a:r>
+                    </a:p>
+                  </a:txBody>
+                  <a:tcPr/>
+                </a:tc>
+                <a:extLst>
+                  <a:ext uri="{0D108BD9-81ED-4DB2-BD59-A6C34878D82A}">
+                    <a16:rowId xmlns:a16="http://schemas.microsoft.com/office/drawing/2014/main" val="10000"/>
+                  </a:ext>
+                </a:extLst>
+              </a:tr>
+              <a:tr h="0">
+                <a:tc>
+                  <a:txBody>
+                    <a:bodyPr/>
+                    <a:lstStyle/>
+                    <a:p>
+                      <a:pPr marL="0" lvl="0" indent="0" algn="r">
+                        <a:buNone/>
+                      </a:pPr>
+                      <a:r>
+                        <a:t>5.1</a:t>
+                      </a:r>
+                    </a:p>
+                  </a:txBody>
+                  <a:tcPr/>
+                </a:tc>
+                <a:tc>
+                  <a:txBody>
+                    <a:bodyPr/>
+                    <a:lstStyle/>
+                    <a:p>
+                      <a:pPr marL="0" lvl="0" indent="0" algn="r">
+                        <a:buNone/>
+                      </a:pPr>
+                      <a:r>
+                        <a:t>3.5</a:t>
+                      </a:r>
+                    </a:p>
+                  </a:txBody>
+                  <a:tcPr/>
+                </a:tc>
+                <a:tc>
+                  <a:txBody>
+                    <a:bodyPr/>
+                    <a:lstStyle/>
+                    <a:p>
+                      <a:pPr marL="0" lvl="0" indent="0" algn="r">
+                        <a:buNone/>
+                      </a:pPr>
+                      <a:r>
+                        <a:t>1.4</a:t>
+                      </a:r>
+                    </a:p>
+                  </a:txBody>
+                  <a:tcPr/>
+                </a:tc>
+                <a:tc>
+                  <a:txBody>
+                    <a:bodyPr/>
+                    <a:lstStyle/>
+                    <a:p>
+                      <a:pPr marL="0" lvl="0" indent="0" algn="r">
+                        <a:buNone/>
+                      </a:pPr>
+                      <a:r>
+                        <a:t>0.2</a:t>
+                      </a:r>
+                    </a:p>
+                  </a:txBody>
+                  <a:tcPr/>
+                </a:tc>
+                <a:tc>
+                  <a:txBody>
+                    <a:bodyPr/>
+                    <a:lstStyle/>
+                    <a:p>
+                      <a:pPr marL="0" lvl="0" indent="0" algn="l">
+                        <a:buNone/>
+                      </a:pPr>
+                      <a:r>
+                        <a:t>setosa</a:t>
+                      </a:r>
+                    </a:p>
+                  </a:txBody>
+                  <a:tcPr/>
+                </a:tc>
+                <a:extLst>
+                  <a:ext uri="{0D108BD9-81ED-4DB2-BD59-A6C34878D82A}">
+                    <a16:rowId xmlns:a16="http://schemas.microsoft.com/office/drawing/2014/main" val="10001"/>
+                  </a:ext>
+                </a:extLst>
+              </a:tr>
+              <a:tr h="0">
+                <a:tc>
+                  <a:txBody>
+                    <a:bodyPr/>
+                    <a:lstStyle/>
+                    <a:p>
+                      <a:pPr marL="0" lvl="0" indent="0" algn="r">
+                        <a:buNone/>
+                      </a:pPr>
+                      <a:r>
+                        <a:t>4.9</a:t>
+                      </a:r>
+                    </a:p>
+                  </a:txBody>
+                  <a:tcPr/>
+                </a:tc>
+                <a:tc>
+                  <a:txBody>
+                    <a:bodyPr/>
+                    <a:lstStyle/>
+                    <a:p>
+                      <a:pPr marL="0" lvl="0" indent="0" algn="r">
+                        <a:buNone/>
+                      </a:pPr>
+                      <a:r>
+                        <a:t>3.0</a:t>
+                      </a:r>
+                    </a:p>
+                  </a:txBody>
+                  <a:tcPr/>
+                </a:tc>
+                <a:tc>
+                  <a:txBody>
+                    <a:bodyPr/>
+                    <a:lstStyle/>
+                    <a:p>
+                      <a:pPr marL="0" lvl="0" indent="0" algn="r">
+                        <a:buNone/>
+                      </a:pPr>
+                      <a:r>
+                        <a:t>1.4</a:t>
+                      </a:r>
+                    </a:p>
+                  </a:txBody>
+                  <a:tcPr/>
+                </a:tc>
+                <a:tc>
+                  <a:txBody>
+                    <a:bodyPr/>
+                    <a:lstStyle/>
+                    <a:p>
+                      <a:pPr marL="0" lvl="0" indent="0" algn="r">
+                        <a:buNone/>
+                      </a:pPr>
+                      <a:r>
+                        <a:t>0.2</a:t>
+                      </a:r>
+                    </a:p>
+                  </a:txBody>
+                  <a:tcPr/>
+                </a:tc>
+                <a:tc>
+                  <a:txBody>
+                    <a:bodyPr/>
+                    <a:lstStyle/>
+                    <a:p>
+                      <a:pPr marL="0" lvl="0" indent="0" algn="l">
+                        <a:buNone/>
+                      </a:pPr>
+                      <a:r>
+                        <a:t>setosa</a:t>
+                      </a:r>
+                    </a:p>
+                  </a:txBody>
+                  <a:tcPr/>
+                </a:tc>
+                <a:extLst>
+                  <a:ext uri="{0D108BD9-81ED-4DB2-BD59-A6C34878D82A}">
+                    <a16:rowId xmlns:a16="http://schemas.microsoft.com/office/drawing/2014/main" val="10002"/>
+                  </a:ext>
+                </a:extLst>
+              </a:tr>
+              <a:tr h="0">
+                <a:tc>
+                  <a:txBody>
+                    <a:bodyPr/>
+                    <a:lstStyle/>
+                    <a:p>
+                      <a:pPr marL="0" lvl="0" indent="0" algn="r">
+                        <a:buNone/>
+                      </a:pPr>
+                      <a:r>
+                        <a:t>4.7</a:t>
+                      </a:r>
+                    </a:p>
+                  </a:txBody>
+                  <a:tcPr/>
+                </a:tc>
+                <a:tc>
+                  <a:txBody>
+                    <a:bodyPr/>
+                    <a:lstStyle/>
+                    <a:p>
+                      <a:pPr marL="0" lvl="0" indent="0" algn="r">
+                        <a:buNone/>
+                      </a:pPr>
+                      <a:r>
+                        <a:t>3.2</a:t>
+                      </a:r>
+                    </a:p>
+                  </a:txBody>
+                  <a:tcPr/>
+                </a:tc>
+                <a:tc>
+                  <a:txBody>
+                    <a:bodyPr/>
+                    <a:lstStyle/>
+                    <a:p>
+                      <a:pPr marL="0" lvl="0" indent="0" algn="r">
+                        <a:buNone/>
+                      </a:pPr>
+                      <a:r>
+                        <a:t>1.3</a:t>
+                      </a:r>
+                    </a:p>
+                  </a:txBody>
+                  <a:tcPr/>
+                </a:tc>
+                <a:tc>
+                  <a:txBody>
+                    <a:bodyPr/>
+                    <a:lstStyle/>
+                    <a:p>
+                      <a:pPr marL="0" lvl="0" indent="0" algn="r">
+                        <a:buNone/>
+                      </a:pPr>
+                      <a:r>
+                        <a:t>0.2</a:t>
+                      </a:r>
+                    </a:p>
+                  </a:txBody>
+                  <a:tcPr/>
+                </a:tc>
+                <a:tc>
+                  <a:txBody>
+                    <a:bodyPr/>
+                    <a:lstStyle/>
+                    <a:p>
+                      <a:pPr marL="0" lvl="0" indent="0" algn="l">
+                        <a:buNone/>
+                      </a:pPr>
+                      <a:r>
+                        <a:t>setosa</a:t>
+                      </a:r>
+                    </a:p>
+                  </a:txBody>
+                  <a:tcPr/>
+                </a:tc>
+                <a:extLst>
+                  <a:ext uri="{0D108BD9-81ED-4DB2-BD59-A6C34878D82A}">
+                    <a16:rowId xmlns:a16="http://schemas.microsoft.com/office/drawing/2014/main" val="10003"/>
+                  </a:ext>
+                </a:extLst>
+              </a:tr>
+              <a:tr h="0">
+                <a:tc>
+                  <a:txBody>
+                    <a:bodyPr/>
+                    <a:lstStyle/>
+                    <a:p>
+                      <a:pPr marL="0" lvl="0" indent="0" algn="r">
+                        <a:buNone/>
+                      </a:pPr>
+                      <a:r>
+                        <a:t>4.6</a:t>
+                      </a:r>
+                    </a:p>
+                  </a:txBody>
+                  <a:tcPr/>
+                </a:tc>
+                <a:tc>
+                  <a:txBody>
+                    <a:bodyPr/>
+                    <a:lstStyle/>
+                    <a:p>
+                      <a:pPr marL="0" lvl="0" indent="0" algn="r">
+                        <a:buNone/>
+                      </a:pPr>
+                      <a:r>
+                        <a:t>3.1</a:t>
+                      </a:r>
+                    </a:p>
+                  </a:txBody>
+                  <a:tcPr/>
+                </a:tc>
+                <a:tc>
+                  <a:txBody>
+                    <a:bodyPr/>
+                    <a:lstStyle/>
+                    <a:p>
+                      <a:pPr marL="0" lvl="0" indent="0" algn="r">
+                        <a:buNone/>
+                      </a:pPr>
+                      <a:r>
+                        <a:t>1.5</a:t>
+                      </a:r>
+                    </a:p>
+                  </a:txBody>
+                  <a:tcPr/>
+                </a:tc>
+                <a:tc>
+                  <a:txBody>
+                    <a:bodyPr/>
+                    <a:lstStyle/>
+                    <a:p>
+                      <a:pPr marL="0" lvl="0" indent="0" algn="r">
+                        <a:buNone/>
+                      </a:pPr>
+                      <a:r>
+                        <a:t>0.2</a:t>
+                      </a:r>
+                    </a:p>
+                  </a:txBody>
+                  <a:tcPr/>
+                </a:tc>
+                <a:tc>
+                  <a:txBody>
+                    <a:bodyPr/>
+                    <a:lstStyle/>
+                    <a:p>
+                      <a:pPr marL="0" lvl="0" indent="0" algn="l">
+                        <a:buNone/>
+                      </a:pPr>
+                      <a:r>
+                        <a:t>setosa</a:t>
+                      </a:r>
+                    </a:p>
+                  </a:txBody>
+                  <a:tcPr/>
+                </a:tc>
+                <a:extLst>
+                  <a:ext uri="{0D108BD9-81ED-4DB2-BD59-A6C34878D82A}">
+                    <a16:rowId xmlns:a16="http://schemas.microsoft.com/office/drawing/2014/main" val="10004"/>
+                  </a:ext>
+                </a:extLst>
+              </a:tr>
+              <a:tr h="0">
+                <a:tc>
+                  <a:txBody>
+                    <a:bodyPr/>
+                    <a:lstStyle/>
+                    <a:p>
+                      <a:pPr marL="0" lvl="0" indent="0" algn="r">
+                        <a:buNone/>
+                      </a:pPr>
+                      <a:r>
+                        <a:t>5.0</a:t>
+                      </a:r>
+                    </a:p>
+                  </a:txBody>
+                  <a:tcPr/>
+                </a:tc>
+                <a:tc>
+                  <a:txBody>
+                    <a:bodyPr/>
+                    <a:lstStyle/>
+                    <a:p>
+                      <a:pPr marL="0" lvl="0" indent="0" algn="r">
+                        <a:buNone/>
+                      </a:pPr>
+                      <a:r>
+                        <a:t>3.6</a:t>
+                      </a:r>
+                    </a:p>
+                  </a:txBody>
+                  <a:tcPr/>
+                </a:tc>
+                <a:tc>
+                  <a:txBody>
+                    <a:bodyPr/>
+                    <a:lstStyle/>
+                    <a:p>
+                      <a:pPr marL="0" lvl="0" indent="0" algn="r">
+                        <a:buNone/>
+                      </a:pPr>
+                      <a:r>
+                        <a:t>1.4</a:t>
+                      </a:r>
+                    </a:p>
+                  </a:txBody>
+                  <a:tcPr/>
+                </a:tc>
+                <a:tc>
+                  <a:txBody>
+                    <a:bodyPr/>
+                    <a:lstStyle/>
+                    <a:p>
+                      <a:pPr marL="0" lvl="0" indent="0" algn="r">
+                        <a:buNone/>
+                      </a:pPr>
+                      <a:r>
+                        <a:t>0.2</a:t>
+                      </a:r>
+                    </a:p>
+                  </a:txBody>
+                  <a:tcPr/>
+                </a:tc>
+                <a:tc>
+                  <a:txBody>
+                    <a:bodyPr/>
+                    <a:lstStyle/>
+                    <a:p>
+                      <a:pPr marL="0" lvl="0" indent="0" algn="l">
+                        <a:buNone/>
+                      </a:pPr>
+                      <a:r>
+                        <a:t>setosa</a:t>
+                      </a:r>
+                    </a:p>
+                  </a:txBody>
+                  <a:tcPr/>
+                </a:tc>
+                <a:extLst>
+                  <a:ext uri="{0D108BD9-81ED-4DB2-BD59-A6C34878D82A}">
+                    <a16:rowId xmlns:a16="http://schemas.microsoft.com/office/drawing/2014/main" val="10005"/>
+                  </a:ext>
+                </a:extLst>
+              </a:tr>
+              <a:tr h="0">
+                <a:tc>
+                  <a:txBody>
+                    <a:bodyPr/>
+                    <a:lstStyle/>
+                    <a:p>
+                      <a:pPr marL="0" lvl="0" indent="0" algn="r">
+                        <a:buNone/>
+                      </a:pPr>
+                      <a:r>
+                        <a:t>5.4</a:t>
+                      </a:r>
+                    </a:p>
+                  </a:txBody>
+                  <a:tcPr/>
+                </a:tc>
+                <a:tc>
+                  <a:txBody>
+                    <a:bodyPr/>
+                    <a:lstStyle/>
+                    <a:p>
+                      <a:pPr marL="0" lvl="0" indent="0" algn="r">
+                        <a:buNone/>
+                      </a:pPr>
+                      <a:r>
+                        <a:t>3.9</a:t>
+                      </a:r>
+                    </a:p>
+                  </a:txBody>
+                  <a:tcPr/>
+                </a:tc>
+                <a:tc>
+                  <a:txBody>
+                    <a:bodyPr/>
+                    <a:lstStyle/>
+                    <a:p>
+                      <a:pPr marL="0" lvl="0" indent="0" algn="r">
+                        <a:buNone/>
+                      </a:pPr>
+                      <a:r>
+                        <a:t>1.7</a:t>
+                      </a:r>
+                    </a:p>
+                  </a:txBody>
+                  <a:tcPr/>
+                </a:tc>
+                <a:tc>
+                  <a:txBody>
+                    <a:bodyPr/>
+                    <a:lstStyle/>
+                    <a:p>
+                      <a:pPr marL="0" lvl="0" indent="0" algn="r">
+                        <a:buNone/>
+                      </a:pPr>
+                      <a:r>
+                        <a:t>0.4</a:t>
+                      </a:r>
+                    </a:p>
+                  </a:txBody>
+                  <a:tcPr/>
+                </a:tc>
+                <a:tc>
+                  <a:txBody>
+                    <a:bodyPr/>
+                    <a:lstStyle/>
+                    <a:p>
+                      <a:pPr marL="0" lvl="0" indent="0" algn="l">
+                        <a:buNone/>
+                      </a:pPr>
+                      <a:r>
+                        <a:t>setosa</a:t>
+                      </a:r>
+                    </a:p>
+                  </a:txBody>
+                  <a:tcPr/>
+                </a:tc>
+                <a:extLst>
+                  <a:ext uri="{0D108BD9-81ED-4DB2-BD59-A6C34878D82A}">
+                    <a16:rowId xmlns:a16="http://schemas.microsoft.com/office/drawing/2014/main" val="10006"/>
+                  </a:ext>
+                </a:extLst>
+              </a:tr>
+            </a:tbl>
+          </a:graphicData>
+        </a:graphic>
+      </p:graphicFrame>
     </p:spTree>
   </p:cSld>
   <p:clrMapOvr>
@@ -5636,14 +6798,14 @@
               <a:buNone/>
             </a:pPr>
             <a:r>
-              <a:t>Slide with Plot</a:t>
+              <a:t>python code</a:t>
             </a:r>
           </a:p>
         </p:txBody>
       </p:sp>
       <p:pic>
         <p:nvPicPr>
-          <p:cNvPr id="2" name="Picture 1" descr="test_files/figure-pptx/plot-1.png"/>
+          <p:cNvPr id="2" name="Picture 1" descr="test_files/figure-pptx/unnamed-chunk-1-1.png"/>
           <p:cNvPicPr>
             <a:picLocks noGrp="1" noChangeAspect="1"/>
           </p:cNvPicPr>
@@ -5698,24 +6860,18 @@
       </p:grpSpPr>
       <p:sp>
         <p:nvSpPr>
-          <p:cNvPr id="11" name="Title 1">
-            <a:extLst>
-              <a:ext uri="{FF2B5EF4-FFF2-40B4-BE49-F238E27FC236}">
-                <a16:creationId xmlns:a16="http://schemas.microsoft.com/office/drawing/2014/main" id="{2391D614-6EEB-4C42-A746-C9FB67E11481}"/>
-              </a:ext>
-            </a:extLst>
-          </p:cNvPr>
+          <p:cNvPr id="7" name="Title 1"/>
           <p:cNvSpPr>
             <a:spLocks noGrp="1"/>
           </p:cNvSpPr>
           <p:nvPr>
-            <p:ph type="title"/>
+            <p:ph type="ctrTitle"/>
           </p:nvPr>
         </p:nvSpPr>
         <p:spPr>
           <a:xfrm>
-            <a:off x="838199" y="362260"/>
-            <a:ext cx="6304722" cy="637553"/>
+            <a:off x="1766325" y="4036880"/>
+            <a:ext cx="8463639" cy="862715"/>
           </a:xfrm>
         </p:spPr>
         <p:txBody>
@@ -5726,646 +6882,11 @@
               <a:buNone/>
             </a:pPr>
             <a:r>
-              <a:t>Slide with Table</a:t>
+              <a:t>课后作业</a:t>
             </a:r>
           </a:p>
         </p:txBody>
       </p:sp>
-      <p:graphicFrame>
-        <p:nvGraphicFramePr>
-          <p:cNvPr id="6" name="Content Placeholder 5"/>
-          <p:cNvGraphicFramePr>
-            <a:graphicFrameLocks noGrp="1"/>
-          </p:cNvGraphicFramePr>
-          <p:nvPr>
-            <p:ph idx="1"/>
-          </p:nvPr>
-        </p:nvGraphicFramePr>
-        <p:xfrm>
-          <a:off x="825500" y="1816100"/>
-          <a:ext cx="10858500" cy="2560320"/>
-        </p:xfrm>
-        <a:graphic>
-          <a:graphicData uri="http://schemas.openxmlformats.org/drawingml/2006/table">
-            <a:tbl>
-              <a:tblPr firstRow="1" bandRow="1">
-                <a:tableStyleId>{5C22544A-7EE6-4342-B048-85BDC9FD1C3A}</a:tableStyleId>
-              </a:tblPr>
-              <a:tblGrid>
-                <a:gridCol w="2171700">
-                  <a:extLst>
-                    <a:ext uri="{9D8B030D-6E8A-4147-A177-3AD203B41FA5}">
-                      <a16:colId xmlns:a16="http://schemas.microsoft.com/office/drawing/2014/main" val="20000"/>
-                    </a:ext>
-                  </a:extLst>
-                </a:gridCol>
-                <a:gridCol w="2171700">
-                  <a:extLst>
-                    <a:ext uri="{9D8B030D-6E8A-4147-A177-3AD203B41FA5}">
-                      <a16:colId xmlns:a16="http://schemas.microsoft.com/office/drawing/2014/main" val="20001"/>
-                    </a:ext>
-                  </a:extLst>
-                </a:gridCol>
-                <a:gridCol w="2171700">
-                  <a:extLst>
-                    <a:ext uri="{9D8B030D-6E8A-4147-A177-3AD203B41FA5}">
-                      <a16:colId xmlns:a16="http://schemas.microsoft.com/office/drawing/2014/main" val="20002"/>
-                    </a:ext>
-                  </a:extLst>
-                </a:gridCol>
-                <a:gridCol w="2171700">
-                  <a:extLst>
-                    <a:ext uri="{9D8B030D-6E8A-4147-A177-3AD203B41FA5}">
-                      <a16:colId xmlns:a16="http://schemas.microsoft.com/office/drawing/2014/main" val="20003"/>
-                    </a:ext>
-                  </a:extLst>
-                </a:gridCol>
-                <a:gridCol w="2171700">
-                  <a:extLst>
-                    <a:ext uri="{9D8B030D-6E8A-4147-A177-3AD203B41FA5}">
-                      <a16:colId xmlns:a16="http://schemas.microsoft.com/office/drawing/2014/main" val="20004"/>
-                    </a:ext>
-                  </a:extLst>
-                </a:gridCol>
-              </a:tblGrid>
-              <a:tr h="0">
-                <a:tc>
-                  <a:txBody>
-                    <a:bodyPr/>
-                    <a:lstStyle/>
-                    <a:p>
-                      <a:pPr marL="0" lvl="0" indent="0" algn="r">
-                        <a:buNone/>
-                      </a:pPr>
-                      <a:r>
-                        <a:t>Sepal.Length</a:t>
-                      </a:r>
-                    </a:p>
-                  </a:txBody>
-                  <a:tcPr/>
-                </a:tc>
-                <a:tc>
-                  <a:txBody>
-                    <a:bodyPr/>
-                    <a:lstStyle/>
-                    <a:p>
-                      <a:pPr marL="0" lvl="0" indent="0" algn="r">
-                        <a:buNone/>
-                      </a:pPr>
-                      <a:r>
-                        <a:t>Sepal.Width</a:t>
-                      </a:r>
-                    </a:p>
-                  </a:txBody>
-                  <a:tcPr/>
-                </a:tc>
-                <a:tc>
-                  <a:txBody>
-                    <a:bodyPr/>
-                    <a:lstStyle/>
-                    <a:p>
-                      <a:pPr marL="0" lvl="0" indent="0" algn="r">
-                        <a:buNone/>
-                      </a:pPr>
-                      <a:r>
-                        <a:t>Petal.Length</a:t>
-                      </a:r>
-                    </a:p>
-                  </a:txBody>
-                  <a:tcPr/>
-                </a:tc>
-                <a:tc>
-                  <a:txBody>
-                    <a:bodyPr/>
-                    <a:lstStyle/>
-                    <a:p>
-                      <a:pPr marL="0" lvl="0" indent="0" algn="r">
-                        <a:buNone/>
-                      </a:pPr>
-                      <a:r>
-                        <a:t>Petal.Width</a:t>
-                      </a:r>
-                    </a:p>
-                  </a:txBody>
-                  <a:tcPr/>
-                </a:tc>
-                <a:tc>
-                  <a:txBody>
-                    <a:bodyPr/>
-                    <a:lstStyle/>
-                    <a:p>
-                      <a:pPr marL="0" lvl="0" indent="0" algn="l">
-                        <a:buNone/>
-                      </a:pPr>
-                      <a:r>
-                        <a:t>Species</a:t>
-                      </a:r>
-                    </a:p>
-                  </a:txBody>
-                  <a:tcPr/>
-                </a:tc>
-                <a:extLst>
-                  <a:ext uri="{0D108BD9-81ED-4DB2-BD59-A6C34878D82A}">
-                    <a16:rowId xmlns:a16="http://schemas.microsoft.com/office/drawing/2014/main" val="10000"/>
-                  </a:ext>
-                </a:extLst>
-              </a:tr>
-              <a:tr h="0">
-                <a:tc>
-                  <a:txBody>
-                    <a:bodyPr/>
-                    <a:lstStyle/>
-                    <a:p>
-                      <a:pPr marL="0" lvl="0" indent="0" algn="r">
-                        <a:buNone/>
-                      </a:pPr>
-                      <a:r>
-                        <a:t>5.1</a:t>
-                      </a:r>
-                    </a:p>
-                  </a:txBody>
-                  <a:tcPr/>
-                </a:tc>
-                <a:tc>
-                  <a:txBody>
-                    <a:bodyPr/>
-                    <a:lstStyle/>
-                    <a:p>
-                      <a:pPr marL="0" lvl="0" indent="0" algn="r">
-                        <a:buNone/>
-                      </a:pPr>
-                      <a:r>
-                        <a:t>3.5</a:t>
-                      </a:r>
-                    </a:p>
-                  </a:txBody>
-                  <a:tcPr/>
-                </a:tc>
-                <a:tc>
-                  <a:txBody>
-                    <a:bodyPr/>
-                    <a:lstStyle/>
-                    <a:p>
-                      <a:pPr marL="0" lvl="0" indent="0" algn="r">
-                        <a:buNone/>
-                      </a:pPr>
-                      <a:r>
-                        <a:t>1.4</a:t>
-                      </a:r>
-                    </a:p>
-                  </a:txBody>
-                  <a:tcPr/>
-                </a:tc>
-                <a:tc>
-                  <a:txBody>
-                    <a:bodyPr/>
-                    <a:lstStyle/>
-                    <a:p>
-                      <a:pPr marL="0" lvl="0" indent="0" algn="r">
-                        <a:buNone/>
-                      </a:pPr>
-                      <a:r>
-                        <a:t>0.2</a:t>
-                      </a:r>
-                    </a:p>
-                  </a:txBody>
-                  <a:tcPr/>
-                </a:tc>
-                <a:tc>
-                  <a:txBody>
-                    <a:bodyPr/>
-                    <a:lstStyle/>
-                    <a:p>
-                      <a:pPr marL="0" lvl="0" indent="0" algn="l">
-                        <a:buNone/>
-                      </a:pPr>
-                      <a:r>
-                        <a:t>setosa</a:t>
-                      </a:r>
-                    </a:p>
-                  </a:txBody>
-                  <a:tcPr/>
-                </a:tc>
-                <a:extLst>
-                  <a:ext uri="{0D108BD9-81ED-4DB2-BD59-A6C34878D82A}">
-                    <a16:rowId xmlns:a16="http://schemas.microsoft.com/office/drawing/2014/main" val="10001"/>
-                  </a:ext>
-                </a:extLst>
-              </a:tr>
-              <a:tr h="0">
-                <a:tc>
-                  <a:txBody>
-                    <a:bodyPr/>
-                    <a:lstStyle/>
-                    <a:p>
-                      <a:pPr marL="0" lvl="0" indent="0" algn="r">
-                        <a:buNone/>
-                      </a:pPr>
-                      <a:r>
-                        <a:t>4.9</a:t>
-                      </a:r>
-                    </a:p>
-                  </a:txBody>
-                  <a:tcPr/>
-                </a:tc>
-                <a:tc>
-                  <a:txBody>
-                    <a:bodyPr/>
-                    <a:lstStyle/>
-                    <a:p>
-                      <a:pPr marL="0" lvl="0" indent="0" algn="r">
-                        <a:buNone/>
-                      </a:pPr>
-                      <a:r>
-                        <a:t>3.0</a:t>
-                      </a:r>
-                    </a:p>
-                  </a:txBody>
-                  <a:tcPr/>
-                </a:tc>
-                <a:tc>
-                  <a:txBody>
-                    <a:bodyPr/>
-                    <a:lstStyle/>
-                    <a:p>
-                      <a:pPr marL="0" lvl="0" indent="0" algn="r">
-                        <a:buNone/>
-                      </a:pPr>
-                      <a:r>
-                        <a:t>1.4</a:t>
-                      </a:r>
-                    </a:p>
-                  </a:txBody>
-                  <a:tcPr/>
-                </a:tc>
-                <a:tc>
-                  <a:txBody>
-                    <a:bodyPr/>
-                    <a:lstStyle/>
-                    <a:p>
-                      <a:pPr marL="0" lvl="0" indent="0" algn="r">
-                        <a:buNone/>
-                      </a:pPr>
-                      <a:r>
-                        <a:t>0.2</a:t>
-                      </a:r>
-                    </a:p>
-                  </a:txBody>
-                  <a:tcPr/>
-                </a:tc>
-                <a:tc>
-                  <a:txBody>
-                    <a:bodyPr/>
-                    <a:lstStyle/>
-                    <a:p>
-                      <a:pPr marL="0" lvl="0" indent="0" algn="l">
-                        <a:buNone/>
-                      </a:pPr>
-                      <a:r>
-                        <a:t>setosa</a:t>
-                      </a:r>
-                    </a:p>
-                  </a:txBody>
-                  <a:tcPr/>
-                </a:tc>
-                <a:extLst>
-                  <a:ext uri="{0D108BD9-81ED-4DB2-BD59-A6C34878D82A}">
-                    <a16:rowId xmlns:a16="http://schemas.microsoft.com/office/drawing/2014/main" val="10002"/>
-                  </a:ext>
-                </a:extLst>
-              </a:tr>
-              <a:tr h="0">
-                <a:tc>
-                  <a:txBody>
-                    <a:bodyPr/>
-                    <a:lstStyle/>
-                    <a:p>
-                      <a:pPr marL="0" lvl="0" indent="0" algn="r">
-                        <a:buNone/>
-                      </a:pPr>
-                      <a:r>
-                        <a:t>4.7</a:t>
-                      </a:r>
-                    </a:p>
-                  </a:txBody>
-                  <a:tcPr/>
-                </a:tc>
-                <a:tc>
-                  <a:txBody>
-                    <a:bodyPr/>
-                    <a:lstStyle/>
-                    <a:p>
-                      <a:pPr marL="0" lvl="0" indent="0" algn="r">
-                        <a:buNone/>
-                      </a:pPr>
-                      <a:r>
-                        <a:t>3.2</a:t>
-                      </a:r>
-                    </a:p>
-                  </a:txBody>
-                  <a:tcPr/>
-                </a:tc>
-                <a:tc>
-                  <a:txBody>
-                    <a:bodyPr/>
-                    <a:lstStyle/>
-                    <a:p>
-                      <a:pPr marL="0" lvl="0" indent="0" algn="r">
-                        <a:buNone/>
-                      </a:pPr>
-                      <a:r>
-                        <a:t>1.3</a:t>
-                      </a:r>
-                    </a:p>
-                  </a:txBody>
-                  <a:tcPr/>
-                </a:tc>
-                <a:tc>
-                  <a:txBody>
-                    <a:bodyPr/>
-                    <a:lstStyle/>
-                    <a:p>
-                      <a:pPr marL="0" lvl="0" indent="0" algn="r">
-                        <a:buNone/>
-                      </a:pPr>
-                      <a:r>
-                        <a:t>0.2</a:t>
-                      </a:r>
-                    </a:p>
-                  </a:txBody>
-                  <a:tcPr/>
-                </a:tc>
-                <a:tc>
-                  <a:txBody>
-                    <a:bodyPr/>
-                    <a:lstStyle/>
-                    <a:p>
-                      <a:pPr marL="0" lvl="0" indent="0" algn="l">
-                        <a:buNone/>
-                      </a:pPr>
-                      <a:r>
-                        <a:t>setosa</a:t>
-                      </a:r>
-                    </a:p>
-                  </a:txBody>
-                  <a:tcPr/>
-                </a:tc>
-                <a:extLst>
-                  <a:ext uri="{0D108BD9-81ED-4DB2-BD59-A6C34878D82A}">
-                    <a16:rowId xmlns:a16="http://schemas.microsoft.com/office/drawing/2014/main" val="10003"/>
-                  </a:ext>
-                </a:extLst>
-              </a:tr>
-              <a:tr h="0">
-                <a:tc>
-                  <a:txBody>
-                    <a:bodyPr/>
-                    <a:lstStyle/>
-                    <a:p>
-                      <a:pPr marL="0" lvl="0" indent="0" algn="r">
-                        <a:buNone/>
-                      </a:pPr>
-                      <a:r>
-                        <a:t>4.6</a:t>
-                      </a:r>
-                    </a:p>
-                  </a:txBody>
-                  <a:tcPr/>
-                </a:tc>
-                <a:tc>
-                  <a:txBody>
-                    <a:bodyPr/>
-                    <a:lstStyle/>
-                    <a:p>
-                      <a:pPr marL="0" lvl="0" indent="0" algn="r">
-                        <a:buNone/>
-                      </a:pPr>
-                      <a:r>
-                        <a:t>3.1</a:t>
-                      </a:r>
-                    </a:p>
-                  </a:txBody>
-                  <a:tcPr/>
-                </a:tc>
-                <a:tc>
-                  <a:txBody>
-                    <a:bodyPr/>
-                    <a:lstStyle/>
-                    <a:p>
-                      <a:pPr marL="0" lvl="0" indent="0" algn="r">
-                        <a:buNone/>
-                      </a:pPr>
-                      <a:r>
-                        <a:t>1.5</a:t>
-                      </a:r>
-                    </a:p>
-                  </a:txBody>
-                  <a:tcPr/>
-                </a:tc>
-                <a:tc>
-                  <a:txBody>
-                    <a:bodyPr/>
-                    <a:lstStyle/>
-                    <a:p>
-                      <a:pPr marL="0" lvl="0" indent="0" algn="r">
-                        <a:buNone/>
-                      </a:pPr>
-                      <a:r>
-                        <a:t>0.2</a:t>
-                      </a:r>
-                    </a:p>
-                  </a:txBody>
-                  <a:tcPr/>
-                </a:tc>
-                <a:tc>
-                  <a:txBody>
-                    <a:bodyPr/>
-                    <a:lstStyle/>
-                    <a:p>
-                      <a:pPr marL="0" lvl="0" indent="0" algn="l">
-                        <a:buNone/>
-                      </a:pPr>
-                      <a:r>
-                        <a:t>setosa</a:t>
-                      </a:r>
-                    </a:p>
-                  </a:txBody>
-                  <a:tcPr/>
-                </a:tc>
-                <a:extLst>
-                  <a:ext uri="{0D108BD9-81ED-4DB2-BD59-A6C34878D82A}">
-                    <a16:rowId xmlns:a16="http://schemas.microsoft.com/office/drawing/2014/main" val="10004"/>
-                  </a:ext>
-                </a:extLst>
-              </a:tr>
-              <a:tr h="0">
-                <a:tc>
-                  <a:txBody>
-                    <a:bodyPr/>
-                    <a:lstStyle/>
-                    <a:p>
-                      <a:pPr marL="0" lvl="0" indent="0" algn="r">
-                        <a:buNone/>
-                      </a:pPr>
-                      <a:r>
-                        <a:t>5.0</a:t>
-                      </a:r>
-                    </a:p>
-                  </a:txBody>
-                  <a:tcPr/>
-                </a:tc>
-                <a:tc>
-                  <a:txBody>
-                    <a:bodyPr/>
-                    <a:lstStyle/>
-                    <a:p>
-                      <a:pPr marL="0" lvl="0" indent="0" algn="r">
-                        <a:buNone/>
-                      </a:pPr>
-                      <a:r>
-                        <a:t>3.6</a:t>
-                      </a:r>
-                    </a:p>
-                  </a:txBody>
-                  <a:tcPr/>
-                </a:tc>
-                <a:tc>
-                  <a:txBody>
-                    <a:bodyPr/>
-                    <a:lstStyle/>
-                    <a:p>
-                      <a:pPr marL="0" lvl="0" indent="0" algn="r">
-                        <a:buNone/>
-                      </a:pPr>
-                      <a:r>
-                        <a:t>1.4</a:t>
-                      </a:r>
-                    </a:p>
-                  </a:txBody>
-                  <a:tcPr/>
-                </a:tc>
-                <a:tc>
-                  <a:txBody>
-                    <a:bodyPr/>
-                    <a:lstStyle/>
-                    <a:p>
-                      <a:pPr marL="0" lvl="0" indent="0" algn="r">
-                        <a:buNone/>
-                      </a:pPr>
-                      <a:r>
-                        <a:t>0.2</a:t>
-                      </a:r>
-                    </a:p>
-                  </a:txBody>
-                  <a:tcPr/>
-                </a:tc>
-                <a:tc>
-                  <a:txBody>
-                    <a:bodyPr/>
-                    <a:lstStyle/>
-                    <a:p>
-                      <a:pPr marL="0" lvl="0" indent="0" algn="l">
-                        <a:buNone/>
-                      </a:pPr>
-                      <a:r>
-                        <a:t>setosa</a:t>
-                      </a:r>
-                    </a:p>
-                  </a:txBody>
-                  <a:tcPr/>
-                </a:tc>
-                <a:extLst>
-                  <a:ext uri="{0D108BD9-81ED-4DB2-BD59-A6C34878D82A}">
-                    <a16:rowId xmlns:a16="http://schemas.microsoft.com/office/drawing/2014/main" val="10005"/>
-                  </a:ext>
-                </a:extLst>
-              </a:tr>
-              <a:tr h="0">
-                <a:tc>
-                  <a:txBody>
-                    <a:bodyPr/>
-                    <a:lstStyle/>
-                    <a:p>
-                      <a:pPr marL="0" lvl="0" indent="0" algn="r">
-                        <a:buNone/>
-                      </a:pPr>
-                      <a:r>
-                        <a:t>5.4</a:t>
-                      </a:r>
-                    </a:p>
-                  </a:txBody>
-                  <a:tcPr/>
-                </a:tc>
-                <a:tc>
-                  <a:txBody>
-                    <a:bodyPr/>
-                    <a:lstStyle/>
-                    <a:p>
-                      <a:pPr marL="0" lvl="0" indent="0" algn="r">
-                        <a:buNone/>
-                      </a:pPr>
-                      <a:r>
-                        <a:t>3.9</a:t>
-                      </a:r>
-                    </a:p>
-                  </a:txBody>
-                  <a:tcPr/>
-                </a:tc>
-                <a:tc>
-                  <a:txBody>
-                    <a:bodyPr/>
-                    <a:lstStyle/>
-                    <a:p>
-                      <a:pPr marL="0" lvl="0" indent="0" algn="r">
-                        <a:buNone/>
-                      </a:pPr>
-                      <a:r>
-                        <a:t>1.7</a:t>
-                      </a:r>
-                    </a:p>
-                  </a:txBody>
-                  <a:tcPr/>
-                </a:tc>
-                <a:tc>
-                  <a:txBody>
-                    <a:bodyPr/>
-                    <a:lstStyle/>
-                    <a:p>
-                      <a:pPr marL="0" lvl="0" indent="0" algn="r">
-                        <a:buNone/>
-                      </a:pPr>
-                      <a:r>
-                        <a:t>0.4</a:t>
-                      </a:r>
-                    </a:p>
-                  </a:txBody>
-                  <a:tcPr/>
-                </a:tc>
-                <a:tc>
-                  <a:txBody>
-                    <a:bodyPr/>
-                    <a:lstStyle/>
-                    <a:p>
-                      <a:pPr marL="0" lvl="0" indent="0" algn="l">
-                        <a:buNone/>
-                      </a:pPr>
-                      <a:r>
-                        <a:t>setosa</a:t>
-                      </a:r>
-                    </a:p>
-                  </a:txBody>
-                  <a:tcPr/>
-                </a:tc>
-                <a:extLst>
-                  <a:ext uri="{0D108BD9-81ED-4DB2-BD59-A6C34878D82A}">
-                    <a16:rowId xmlns:a16="http://schemas.microsoft.com/office/drawing/2014/main" val="10006"/>
-                  </a:ext>
-                </a:extLst>
-              </a:tr>
-            </a:tbl>
-          </a:graphicData>
-        </a:graphic>
-      </p:graphicFrame>
     </p:spTree>
   </p:cSld>
   <p:clrMapOvr>
@@ -6421,150 +6942,6 @@
               <a:buNone/>
             </a:pPr>
             <a:r>
-              <a:t>python code</a:t>
-            </a:r>
-          </a:p>
-        </p:txBody>
-      </p:sp>
-      <p:pic>
-        <p:nvPicPr>
-          <p:cNvPr id="2" name="Picture 1" descr="test_files/figure-pptx/unnamed-chunk-1-1.png"/>
-          <p:cNvPicPr>
-            <a:picLocks noGrp="1" noChangeAspect="1"/>
-          </p:cNvPicPr>
-          <p:nvPr/>
-        </p:nvPicPr>
-        <p:blipFill>
-          <a:blip r:embed="rId2"/>
-          <a:stretch>
-            <a:fillRect/>
-          </a:stretch>
-        </p:blipFill>
-        <p:spPr bwMode="auto">
-          <a:xfrm>
-            <a:off x="3543300" y="1816100"/>
-            <a:ext cx="5435600" cy="4343400"/>
-          </a:xfrm>
-          <a:prstGeom prst="rect">
-            <a:avLst/>
-          </a:prstGeom>
-          <a:noFill/>
-          <a:ln w="9525">
-            <a:noFill/>
-            <a:headEnd/>
-            <a:tailEnd/>
-          </a:ln>
-        </p:spPr>
-      </p:pic>
-    </p:spTree>
-  </p:cSld>
-  <p:clrMapOvr>
-    <a:masterClrMapping/>
-  </p:clrMapOvr>
-</p:sld>
-</file>
-
-<file path=ppt/slides/slide23.xml><?xml version="1.0" encoding="utf-8"?>
-<p:sld xmlns:a="http://schemas.openxmlformats.org/drawingml/2006/main" xmlns:r="http://schemas.openxmlformats.org/officeDocument/2006/relationships" xmlns:p="http://schemas.openxmlformats.org/presentationml/2006/main">
-  <p:cSld>
-    <p:spTree>
-      <p:nvGrpSpPr>
-        <p:cNvPr id="1" name=""/>
-        <p:cNvGrpSpPr/>
-        <p:nvPr/>
-      </p:nvGrpSpPr>
-      <p:grpSpPr>
-        <a:xfrm>
-          <a:off x="0" y="0"/>
-          <a:ext cx="0" cy="0"/>
-          <a:chOff x="0" y="0"/>
-          <a:chExt cx="0" cy="0"/>
-        </a:xfrm>
-      </p:grpSpPr>
-      <p:sp>
-        <p:nvSpPr>
-          <p:cNvPr id="7" name="Title 1"/>
-          <p:cNvSpPr>
-            <a:spLocks noGrp="1"/>
-          </p:cNvSpPr>
-          <p:nvPr>
-            <p:ph type="ctrTitle"/>
-          </p:nvPr>
-        </p:nvSpPr>
-        <p:spPr>
-          <a:xfrm>
-            <a:off x="1766325" y="4036880"/>
-            <a:ext cx="8463639" cy="862715"/>
-          </a:xfrm>
-        </p:spPr>
-        <p:txBody>
-          <a:bodyPr/>
-          <a:lstStyle/>
-          <a:p>
-            <a:pPr marL="0" lvl="0" indent="0">
-              <a:buNone/>
-            </a:pPr>
-            <a:r>
-              <a:t>课后作业</a:t>
-            </a:r>
-          </a:p>
-        </p:txBody>
-      </p:sp>
-    </p:spTree>
-  </p:cSld>
-  <p:clrMapOvr>
-    <a:masterClrMapping/>
-  </p:clrMapOvr>
-</p:sld>
-</file>
-
-<file path=ppt/slides/slide24.xml><?xml version="1.0" encoding="utf-8"?>
-<p:sld xmlns:a="http://schemas.openxmlformats.org/drawingml/2006/main" xmlns:r="http://schemas.openxmlformats.org/officeDocument/2006/relationships" xmlns:p="http://schemas.openxmlformats.org/presentationml/2006/main">
-  <p:cSld>
-    <p:spTree>
-      <p:nvGrpSpPr>
-        <p:cNvPr id="1" name=""/>
-        <p:cNvGrpSpPr/>
-        <p:nvPr/>
-      </p:nvGrpSpPr>
-      <p:grpSpPr>
-        <a:xfrm>
-          <a:off x="0" y="0"/>
-          <a:ext cx="0" cy="0"/>
-          <a:chOff x="0" y="0"/>
-          <a:chExt cx="0" cy="0"/>
-        </a:xfrm>
-      </p:grpSpPr>
-      <p:sp>
-        <p:nvSpPr>
-          <p:cNvPr id="11" name="Title 1">
-            <a:extLst>
-              <a:ext uri="{FF2B5EF4-FFF2-40B4-BE49-F238E27FC236}">
-                <a16:creationId xmlns:a16="http://schemas.microsoft.com/office/drawing/2014/main" id="{2391D614-6EEB-4C42-A746-C9FB67E11481}"/>
-              </a:ext>
-            </a:extLst>
-          </p:cNvPr>
-          <p:cNvSpPr>
-            <a:spLocks noGrp="1"/>
-          </p:cNvSpPr>
-          <p:nvPr>
-            <p:ph type="title"/>
-          </p:nvPr>
-        </p:nvSpPr>
-        <p:spPr>
-          <a:xfrm>
-            <a:off x="838199" y="362260"/>
-            <a:ext cx="6304722" cy="637553"/>
-          </a:xfrm>
-        </p:spPr>
-        <p:txBody>
-          <a:bodyPr/>
-          <a:lstStyle/>
-          <a:p>
-            <a:pPr marL="0" lvl="0" indent="0">
-              <a:buNone/>
-            </a:pPr>
-            <a:r>
               <a:t>课后作业</a:t>
             </a:r>
           </a:p>
@@ -6724,7 +7101,7 @@
 </p:sld>
 </file>
 
-<file path=ppt/slides/slide25.xml><?xml version="1.0" encoding="utf-8"?>
+<file path=ppt/slides/slide23.xml><?xml version="1.0" encoding="utf-8"?>
 <p:sld xmlns:a="http://schemas.openxmlformats.org/drawingml/2006/main" xmlns:r="http://schemas.openxmlformats.org/officeDocument/2006/relationships" xmlns:p="http://schemas.openxmlformats.org/presentationml/2006/main">
   <p:cSld>
     <p:spTree>
@@ -7422,8 +7799,10 @@
               <a:buNone/>
             </a:pPr>
             <a:r>
+              <a:rPr dirty="0" err="1"/>
               <a:t>学术兼职及成果</a:t>
             </a:r>
+            <a:endParaRPr dirty="0"/>
           </a:p>
         </p:txBody>
       </p:sp>
@@ -7448,44 +7827,111 @@
           <a:bodyPr/>
           <a:lstStyle/>
           <a:p>
+            <a:r>
+              <a:rPr dirty="0" err="1">
+                <a:latin typeface="微软雅黑" panose="020B0503020204020204" pitchFamily="34" charset="-122"/>
+                <a:ea typeface="微软雅黑" panose="020B0503020204020204" pitchFamily="34" charset="-122"/>
+              </a:rPr>
+              <a:t>学术兼职</a:t>
+            </a:r>
+            <a:endParaRPr dirty="0">
+              <a:latin typeface="微软雅黑" panose="020B0503020204020204" pitchFamily="34" charset="-122"/>
+              <a:ea typeface="微软雅黑" panose="020B0503020204020204" pitchFamily="34" charset="-122"/>
+            </a:endParaRPr>
+          </a:p>
+          <a:p>
             <a:pPr lvl="1"/>
             <a:r>
-              <a:t>学术兼职</a:t>
-            </a:r>
-          </a:p>
-          <a:p>
-            <a:pPr lvl="2"/>
-            <a:r>
+              <a:rPr dirty="0" err="1">
+                <a:latin typeface="微软雅黑" panose="020B0503020204020204" pitchFamily="34" charset="-122"/>
+                <a:ea typeface="微软雅黑" panose="020B0503020204020204" pitchFamily="34" charset="-122"/>
+              </a:rPr>
               <a:t>中国中西医结合学会诊断专业委员会青年委员</a:t>
             </a:r>
-          </a:p>
-          <a:p>
-            <a:pPr lvl="2"/>
-            <a:r>
+            <a:endParaRPr dirty="0">
+              <a:latin typeface="微软雅黑" panose="020B0503020204020204" pitchFamily="34" charset="-122"/>
+              <a:ea typeface="微软雅黑" panose="020B0503020204020204" pitchFamily="34" charset="-122"/>
+            </a:endParaRPr>
+          </a:p>
+          <a:p>
+            <a:pPr lvl="1"/>
+            <a:r>
+              <a:rPr dirty="0" err="1">
+                <a:latin typeface="微软雅黑" panose="020B0503020204020204" pitchFamily="34" charset="-122"/>
+                <a:ea typeface="微软雅黑" panose="020B0503020204020204" pitchFamily="34" charset="-122"/>
+              </a:rPr>
               <a:t>中国中医药信息学会中医诊断信息分会理事</a:t>
             </a:r>
-          </a:p>
-          <a:p>
-            <a:pPr lvl="2"/>
-            <a:r>
+            <a:endParaRPr dirty="0">
+              <a:latin typeface="微软雅黑" panose="020B0503020204020204" pitchFamily="34" charset="-122"/>
+              <a:ea typeface="微软雅黑" panose="020B0503020204020204" pitchFamily="34" charset="-122"/>
+            </a:endParaRPr>
+          </a:p>
+          <a:p>
+            <a:pPr lvl="1"/>
+            <a:r>
+              <a:rPr dirty="0" err="1">
+                <a:latin typeface="微软雅黑" panose="020B0503020204020204" pitchFamily="34" charset="-122"/>
+                <a:ea typeface="微软雅黑" panose="020B0503020204020204" pitchFamily="34" charset="-122"/>
+              </a:rPr>
               <a:t>湘雅医学期刊社青年编委</a:t>
             </a:r>
-          </a:p>
-          <a:p>
-            <a:pPr lvl="2"/>
-            <a:r>
-              <a:t>《湖南中医药大学学报》编委</a:t>
-            </a:r>
+            <a:endParaRPr dirty="0">
+              <a:latin typeface="微软雅黑" panose="020B0503020204020204" pitchFamily="34" charset="-122"/>
+              <a:ea typeface="微软雅黑" panose="020B0503020204020204" pitchFamily="34" charset="-122"/>
+            </a:endParaRPr>
           </a:p>
           <a:p>
             <a:pPr lvl="1"/>
             <a:r>
+              <a:rPr dirty="0">
+                <a:latin typeface="微软雅黑" panose="020B0503020204020204" pitchFamily="34" charset="-122"/>
+                <a:ea typeface="微软雅黑" panose="020B0503020204020204" pitchFamily="34" charset="-122"/>
+              </a:rPr>
+              <a:t>《</a:t>
+            </a:r>
+            <a:r>
+              <a:rPr dirty="0" err="1">
+                <a:latin typeface="微软雅黑" panose="020B0503020204020204" pitchFamily="34" charset="-122"/>
+                <a:ea typeface="微软雅黑" panose="020B0503020204020204" pitchFamily="34" charset="-122"/>
+              </a:rPr>
+              <a:t>湖南中医药大学学报》编委</a:t>
+            </a:r>
+            <a:endParaRPr lang="en-US" dirty="0">
+              <a:latin typeface="微软雅黑" panose="020B0503020204020204" pitchFamily="34" charset="-122"/>
+              <a:ea typeface="微软雅黑" panose="020B0503020204020204" pitchFamily="34" charset="-122"/>
+            </a:endParaRPr>
+          </a:p>
+          <a:p>
+            <a:r>
+              <a:rPr lang="zh-CN" altLang="en-US" dirty="0">
+                <a:latin typeface="微软雅黑" panose="020B0503020204020204" pitchFamily="34" charset="-122"/>
+                <a:ea typeface="微软雅黑" panose="020B0503020204020204" pitchFamily="34" charset="-122"/>
+              </a:rPr>
+              <a:t>成果</a:t>
+            </a:r>
+            <a:endParaRPr dirty="0">
+              <a:latin typeface="微软雅黑" panose="020B0503020204020204" pitchFamily="34" charset="-122"/>
+              <a:ea typeface="微软雅黑" panose="020B0503020204020204" pitchFamily="34" charset="-122"/>
+            </a:endParaRPr>
+          </a:p>
+          <a:p>
+            <a:pPr lvl="1"/>
+            <a:r>
+              <a:rPr dirty="0">
+                <a:latin typeface="微软雅黑" panose="020B0503020204020204" pitchFamily="34" charset="-122"/>
+                <a:ea typeface="微软雅黑" panose="020B0503020204020204" pitchFamily="34" charset="-122"/>
+              </a:rPr>
               <a:t>主持国家级课题1项、省部级课题2项、厅级课题2项；以第一作者及通讯作者发表论文20余篇，其中SCI 4篇，CSCD 10篇，总被引200余次。</a:t>
             </a:r>
           </a:p>
           <a:p>
             <a:pPr lvl="1"/>
             <a:r>
+              <a:rPr dirty="0">
+                <a:latin typeface="微软雅黑" panose="020B0503020204020204" pitchFamily="34" charset="-122"/>
+                <a:ea typeface="微软雅黑" panose="020B0503020204020204" pitchFamily="34" charset="-122"/>
+              </a:rPr>
               <a:t>获省级教学成果奖1项，湖南省中医药科技一等奖2项。</a:t>
             </a:r>
           </a:p>
@@ -7603,6 +8049,11 @@
               <a:rPr dirty="0"/>
               <a:t>R Markdown</a:t>
             </a:r>
+            <a:r>
+              <a:rPr lang="zh-CN" altLang="en-US" dirty="0"/>
+              <a:t>简介</a:t>
+            </a:r>
+            <a:endParaRPr dirty="0"/>
           </a:p>
         </p:txBody>
       </p:sp>
@@ -7653,10 +8104,7 @@
               <a:rPr dirty="0" err="1"/>
               <a:t>的全能选手</a:t>
             </a:r>
-            <a:r>
-              <a:rPr dirty="0"/>
-              <a:t>。</a:t>
-            </a:r>
+            <a:endParaRPr dirty="0"/>
           </a:p>
           <a:p>
             <a:pPr lvl="1"/>
@@ -7664,10 +8112,7 @@
               <a:rPr dirty="0" err="1"/>
               <a:t>本课程专注于学术写作</a:t>
             </a:r>
-            <a:r>
-              <a:rPr dirty="0"/>
-              <a:t>。</a:t>
-            </a:r>
+            <a:endParaRPr dirty="0"/>
           </a:p>
           <a:p>
             <a:pPr marL="0" lvl="0" indent="0">
@@ -7825,8 +8270,14 @@
               <a:buNone/>
             </a:pPr>
             <a:r>
-              <a:t>Output any format</a:t>
-            </a:r>
+              <a:rPr lang="zh-CN" altLang="en-US" dirty="0">
+                <a:ea typeface="微软雅黑" panose="020B0503020204020204" pitchFamily="34" charset="-122"/>
+              </a:rPr>
+              <a:t>输出格式</a:t>
+            </a:r>
+            <a:endParaRPr dirty="0">
+              <a:ea typeface="微软雅黑" panose="020B0503020204020204" pitchFamily="34" charset="-122"/>
+            </a:endParaRPr>
           </a:p>
         </p:txBody>
       </p:sp>
@@ -7988,7 +8439,7 @@
               <a:buNone/>
             </a:pPr>
             <a:r>
-              <a:t>这门课适合谁?</a:t>
+              <a:t>学这门课的价值?</a:t>
             </a:r>
           </a:p>
         </p:txBody>

--- a/slides/00.Introduction/00.pptx
+++ b/slides/00.Introduction/00.pptx
@@ -188,7 +188,7 @@
             <a:fld id="{ECD19FB2-3AAB-4D03-B13A-2960828C78E3}" type="datetimeFigureOut">
               <a:rPr lang="en-US" smtClean="0"/>
               <a:pPr/>
-              <a:t>3/17/2021</a:t>
+              <a:t>4/1/2021</a:t>
             </a:fld>
             <a:endParaRPr lang="en-US" dirty="0"/>
           </a:p>
@@ -532,7 +532,7 @@
             <a:fld id="{99916976-5D93-46E4-A98A-FAD63E4D0EA8}" type="datetimeFigureOut">
               <a:rPr lang="en-US" smtClean="0"/>
               <a:pPr/>
-              <a:t>3/17/2021</a:t>
+              <a:t>4/1/2021</a:t>
             </a:fld>
             <a:endParaRPr lang="en-US" dirty="0"/>
           </a:p>
@@ -1483,7 +1483,7 @@
           <a:p>
             <a:fld id="{D23BC6CE-6D1E-47E5-8859-F31AC5380EB2}" type="datetimeFigureOut">
               <a:rPr lang="en-US" dirty="0"/>
-              <a:t>3/17/2021</a:t>
+              <a:t>4/1/2021</a:t>
             </a:fld>
             <a:endParaRPr lang="en-US" dirty="0"/>
           </a:p>
@@ -1818,7 +1818,7 @@
           <a:p>
             <a:fld id="{51CF1133-3259-4C45-BABA-5B62D9C6F78D}" type="datetimeFigureOut">
               <a:rPr lang="en-US" dirty="0"/>
-              <a:t>3/17/2021</a:t>
+              <a:t>4/1/2021</a:t>
             </a:fld>
             <a:endParaRPr lang="en-US" dirty="0"/>
           </a:p>
@@ -6983,6 +6983,10 @@
               <a:rPr dirty="0" err="1"/>
               <a:t>ppt模板生成pptx</a:t>
             </a:r>
+            <a:r>
+              <a:rPr lang="zh-CN" altLang="en-US" dirty="0"/>
+              <a:t>，可以替换头像，修改名字</a:t>
+            </a:r>
             <a:endParaRPr dirty="0"/>
           </a:p>
           <a:p>

--- a/slides/00.Introduction/00.pptx
+++ b/slides/00.Introduction/00.pptx
@@ -188,7 +188,7 @@
             <a:fld id="{ECD19FB2-3AAB-4D03-B13A-2960828C78E3}" type="datetimeFigureOut">
               <a:rPr lang="en-US" smtClean="0"/>
               <a:pPr/>
-              <a:t>4/1/2021</a:t>
+              <a:t>4/5/2021</a:t>
             </a:fld>
             <a:endParaRPr lang="en-US" dirty="0"/>
           </a:p>
@@ -532,7 +532,7 @@
             <a:fld id="{99916976-5D93-46E4-A98A-FAD63E4D0EA8}" type="datetimeFigureOut">
               <a:rPr lang="en-US" smtClean="0"/>
               <a:pPr/>
-              <a:t>4/1/2021</a:t>
+              <a:t>4/5/2021</a:t>
             </a:fld>
             <a:endParaRPr lang="en-US" dirty="0"/>
           </a:p>
@@ -1483,7 +1483,7 @@
           <a:p>
             <a:fld id="{D23BC6CE-6D1E-47E5-8859-F31AC5380EB2}" type="datetimeFigureOut">
               <a:rPr lang="en-US" dirty="0"/>
-              <a:t>4/1/2021</a:t>
+              <a:t>4/5/2021</a:t>
             </a:fld>
             <a:endParaRPr lang="en-US" dirty="0"/>
           </a:p>
@@ -1818,7 +1818,7 @@
           <a:p>
             <a:fld id="{51CF1133-3259-4C45-BABA-5B62D9C6F78D}" type="datetimeFigureOut">
               <a:rPr lang="en-US" dirty="0"/>
-              <a:t>4/1/2021</a:t>
+              <a:t>4/5/2021</a:t>
             </a:fld>
             <a:endParaRPr lang="en-US" dirty="0"/>
           </a:p>
@@ -2242,8 +2242,14 @@
               <a:buNone/>
             </a:pPr>
             <a:r>
-              <a:t>R Markdown学术写作教程</a:t>
-            </a:r>
+              <a:rPr lang="en-US" dirty="0"/>
+              <a:t>00-R Markdown</a:t>
+            </a:r>
+            <a:r>
+              <a:rPr lang="zh-CN" altLang="en-US" dirty="0"/>
+              <a:t>学术写作热身</a:t>
+            </a:r>
+            <a:endParaRPr dirty="0"/>
           </a:p>
         </p:txBody>
       </p:sp>
